--- a/Video-04/DatFromAPI.pptx
+++ b/Video-04/DatFromAPI.pptx
@@ -4,15 +4,16 @@
   <p:sldMasterIdLst>
     <p:sldMasterId id="2147483648" r:id="rId1"/>
   </p:sldMasterIdLst>
+  <p:notesMasterIdLst>
+    <p:notesMasterId r:id="rId8"/>
+  </p:notesMasterIdLst>
   <p:sldIdLst>
     <p:sldId id="256" r:id="rId2"/>
     <p:sldId id="257" r:id="rId3"/>
-    <p:sldId id="258" r:id="rId4"/>
-    <p:sldId id="259" r:id="rId5"/>
-    <p:sldId id="260" r:id="rId6"/>
-    <p:sldId id="261" r:id="rId7"/>
-    <p:sldId id="262" r:id="rId8"/>
-    <p:sldId id="263" r:id="rId9"/>
+    <p:sldId id="259" r:id="rId4"/>
+    <p:sldId id="260" r:id="rId5"/>
+    <p:sldId id="261" r:id="rId6"/>
+    <p:sldId id="263" r:id="rId7"/>
   </p:sldIdLst>
   <p:sldSz cx="9144000" cy="6858000" type="screen4x3"/>
   <p:notesSz cx="6858000" cy="9144000"/>
@@ -130,6 +131,359 @@
 </p:presentation>
 </file>
 
+<file path=ppt/revisionInfo.xml><?xml version="1.0" encoding="utf-8"?>
+<p1510:revInfo xmlns:a="http://schemas.openxmlformats.org/drawingml/2006/main" xmlns:r="http://schemas.openxmlformats.org/officeDocument/2006/relationships" xmlns:p1510="http://schemas.microsoft.com/office/powerpoint/2015/10/main"/>
+</file>
+
+<file path=ppt/notesMasters/notesMaster1.xml><?xml version="1.0" encoding="utf-8"?>
+<p:notesMaster xmlns:a="http://schemas.openxmlformats.org/drawingml/2006/main" xmlns:r="http://schemas.openxmlformats.org/officeDocument/2006/relationships" xmlns:p="http://schemas.openxmlformats.org/presentationml/2006/main">
+  <p:cSld>
+    <p:bg>
+      <p:bgRef idx="1001">
+        <a:schemeClr val="bg1"/>
+      </p:bgRef>
+    </p:bg>
+    <p:spTree>
+      <p:nvGrpSpPr>
+        <p:cNvPr id="1" name=""/>
+        <p:cNvGrpSpPr/>
+        <p:nvPr/>
+      </p:nvGrpSpPr>
+      <p:grpSpPr>
+        <a:xfrm>
+          <a:off x="0" y="0"/>
+          <a:ext cx="0" cy="0"/>
+          <a:chOff x="0" y="0"/>
+          <a:chExt cx="0" cy="0"/>
+        </a:xfrm>
+      </p:grpSpPr>
+      <p:sp>
+        <p:nvSpPr>
+          <p:cNvPr id="2" name="Header Placeholder 1"/>
+          <p:cNvSpPr>
+            <a:spLocks noGrp="1"/>
+          </p:cNvSpPr>
+          <p:nvPr>
+            <p:ph type="hdr" sz="quarter"/>
+          </p:nvPr>
+        </p:nvSpPr>
+        <p:spPr>
+          <a:xfrm>
+            <a:off x="0" y="0"/>
+            <a:ext cx="2971800" cy="458788"/>
+          </a:xfrm>
+          <a:prstGeom prst="rect">
+            <a:avLst/>
+          </a:prstGeom>
+        </p:spPr>
+        <p:txBody>
+          <a:bodyPr vert="horz" lIns="91440" tIns="45720" rIns="91440" bIns="45720" rtlCol="0"/>
+          <a:lstStyle>
+            <a:lvl1pPr algn="l">
+              <a:defRPr sz="1200"/>
+            </a:lvl1pPr>
+          </a:lstStyle>
+          <a:p>
+            <a:endParaRPr lang="en-US"/>
+          </a:p>
+        </p:txBody>
+      </p:sp>
+      <p:sp>
+        <p:nvSpPr>
+          <p:cNvPr id="3" name="Date Placeholder 2"/>
+          <p:cNvSpPr>
+            <a:spLocks noGrp="1"/>
+          </p:cNvSpPr>
+          <p:nvPr>
+            <p:ph type="dt" idx="1"/>
+          </p:nvPr>
+        </p:nvSpPr>
+        <p:spPr>
+          <a:xfrm>
+            <a:off x="3884613" y="0"/>
+            <a:ext cx="2971800" cy="458788"/>
+          </a:xfrm>
+          <a:prstGeom prst="rect">
+            <a:avLst/>
+          </a:prstGeom>
+        </p:spPr>
+        <p:txBody>
+          <a:bodyPr vert="horz" lIns="91440" tIns="45720" rIns="91440" bIns="45720" rtlCol="0"/>
+          <a:lstStyle>
+            <a:lvl1pPr algn="r">
+              <a:defRPr sz="1200"/>
+            </a:lvl1pPr>
+          </a:lstStyle>
+          <a:p>
+            <a:fld id="{45CC79BD-43FB-4EC4-8E98-1E63AAE61E42}" type="datetimeFigureOut">
+              <a:rPr lang="en-US" smtClean="0"/>
+              <a:t>9/17/2018</a:t>
+            </a:fld>
+            <a:endParaRPr lang="en-US"/>
+          </a:p>
+        </p:txBody>
+      </p:sp>
+      <p:sp>
+        <p:nvSpPr>
+          <p:cNvPr id="4" name="Slide Image Placeholder 3"/>
+          <p:cNvSpPr>
+            <a:spLocks noGrp="1" noRot="1" noChangeAspect="1"/>
+          </p:cNvSpPr>
+          <p:nvPr>
+            <p:ph type="sldImg" idx="2"/>
+          </p:nvPr>
+        </p:nvSpPr>
+        <p:spPr>
+          <a:xfrm>
+            <a:off x="1371600" y="1143000"/>
+            <a:ext cx="4114800" cy="3086100"/>
+          </a:xfrm>
+          <a:prstGeom prst="rect">
+            <a:avLst/>
+          </a:prstGeom>
+          <a:noFill/>
+          <a:ln w="12700">
+            <a:solidFill>
+              <a:prstClr val="black"/>
+            </a:solidFill>
+          </a:ln>
+        </p:spPr>
+        <p:txBody>
+          <a:bodyPr vert="horz" lIns="91440" tIns="45720" rIns="91440" bIns="45720" rtlCol="0" anchor="ctr"/>
+          <a:lstStyle/>
+          <a:p>
+            <a:endParaRPr lang="en-US"/>
+          </a:p>
+        </p:txBody>
+      </p:sp>
+      <p:sp>
+        <p:nvSpPr>
+          <p:cNvPr id="5" name="Notes Placeholder 4"/>
+          <p:cNvSpPr>
+            <a:spLocks noGrp="1"/>
+          </p:cNvSpPr>
+          <p:nvPr>
+            <p:ph type="body" sz="quarter" idx="3"/>
+          </p:nvPr>
+        </p:nvSpPr>
+        <p:spPr>
+          <a:xfrm>
+            <a:off x="685800" y="4400550"/>
+            <a:ext cx="5486400" cy="3600450"/>
+          </a:xfrm>
+          <a:prstGeom prst="rect">
+            <a:avLst/>
+          </a:prstGeom>
+        </p:spPr>
+        <p:txBody>
+          <a:bodyPr vert="horz" lIns="91440" tIns="45720" rIns="91440" bIns="45720" rtlCol="0"/>
+          <a:lstStyle/>
+          <a:p>
+            <a:pPr lvl="0"/>
+            <a:r>
+              <a:rPr lang="en-US"/>
+              <a:t>Edit Master text styles</a:t>
+            </a:r>
+          </a:p>
+          <a:p>
+            <a:pPr lvl="1"/>
+            <a:r>
+              <a:rPr lang="en-US"/>
+              <a:t>Second level</a:t>
+            </a:r>
+          </a:p>
+          <a:p>
+            <a:pPr lvl="2"/>
+            <a:r>
+              <a:rPr lang="en-US"/>
+              <a:t>Third level</a:t>
+            </a:r>
+          </a:p>
+          <a:p>
+            <a:pPr lvl="3"/>
+            <a:r>
+              <a:rPr lang="en-US"/>
+              <a:t>Fourth level</a:t>
+            </a:r>
+          </a:p>
+          <a:p>
+            <a:pPr lvl="4"/>
+            <a:r>
+              <a:rPr lang="en-US"/>
+              <a:t>Fifth level</a:t>
+            </a:r>
+          </a:p>
+        </p:txBody>
+      </p:sp>
+      <p:sp>
+        <p:nvSpPr>
+          <p:cNvPr id="6" name="Footer Placeholder 5"/>
+          <p:cNvSpPr>
+            <a:spLocks noGrp="1"/>
+          </p:cNvSpPr>
+          <p:nvPr>
+            <p:ph type="ftr" sz="quarter" idx="4"/>
+          </p:nvPr>
+        </p:nvSpPr>
+        <p:spPr>
+          <a:xfrm>
+            <a:off x="0" y="8685213"/>
+            <a:ext cx="2971800" cy="458787"/>
+          </a:xfrm>
+          <a:prstGeom prst="rect">
+            <a:avLst/>
+          </a:prstGeom>
+        </p:spPr>
+        <p:txBody>
+          <a:bodyPr vert="horz" lIns="91440" tIns="45720" rIns="91440" bIns="45720" rtlCol="0" anchor="b"/>
+          <a:lstStyle>
+            <a:lvl1pPr algn="l">
+              <a:defRPr sz="1200"/>
+            </a:lvl1pPr>
+          </a:lstStyle>
+          <a:p>
+            <a:endParaRPr lang="en-US"/>
+          </a:p>
+        </p:txBody>
+      </p:sp>
+      <p:sp>
+        <p:nvSpPr>
+          <p:cNvPr id="7" name="Slide Number Placeholder 6"/>
+          <p:cNvSpPr>
+            <a:spLocks noGrp="1"/>
+          </p:cNvSpPr>
+          <p:nvPr>
+            <p:ph type="sldNum" sz="quarter" idx="5"/>
+          </p:nvPr>
+        </p:nvSpPr>
+        <p:spPr>
+          <a:xfrm>
+            <a:off x="3884613" y="8685213"/>
+            <a:ext cx="2971800" cy="458787"/>
+          </a:xfrm>
+          <a:prstGeom prst="rect">
+            <a:avLst/>
+          </a:prstGeom>
+        </p:spPr>
+        <p:txBody>
+          <a:bodyPr vert="horz" lIns="91440" tIns="45720" rIns="91440" bIns="45720" rtlCol="0" anchor="b"/>
+          <a:lstStyle>
+            <a:lvl1pPr algn="r">
+              <a:defRPr sz="1200"/>
+            </a:lvl1pPr>
+          </a:lstStyle>
+          <a:p>
+            <a:fld id="{1732C2F8-92FD-49C3-AC66-FFC64B3959FE}" type="slidenum">
+              <a:rPr lang="en-US" smtClean="0"/>
+              <a:t>‹#›</a:t>
+            </a:fld>
+            <a:endParaRPr lang="en-US"/>
+          </a:p>
+        </p:txBody>
+      </p:sp>
+    </p:spTree>
+    <p:extLst>
+      <p:ext uri="{BB962C8B-B14F-4D97-AF65-F5344CB8AC3E}">
+        <p14:creationId xmlns:p14="http://schemas.microsoft.com/office/powerpoint/2010/main" val="694222276"/>
+      </p:ext>
+    </p:extLst>
+  </p:cSld>
+  <p:clrMap bg1="lt1" tx1="dk1" bg2="lt2" tx2="dk2" accent1="accent1" accent2="accent2" accent3="accent3" accent4="accent4" accent5="accent5" accent6="accent6" hlink="hlink" folHlink="folHlink"/>
+  <p:notesStyle>
+    <a:lvl1pPr marL="0" algn="l" defTabSz="914400" rtl="0" eaLnBrk="1" latinLnBrk="0" hangingPunct="1">
+      <a:defRPr sz="1200" kern="1200">
+        <a:solidFill>
+          <a:schemeClr val="tx1"/>
+        </a:solidFill>
+        <a:latin typeface="+mn-lt"/>
+        <a:ea typeface="+mn-ea"/>
+        <a:cs typeface="+mn-cs"/>
+      </a:defRPr>
+    </a:lvl1pPr>
+    <a:lvl2pPr marL="457200" algn="l" defTabSz="914400" rtl="0" eaLnBrk="1" latinLnBrk="0" hangingPunct="1">
+      <a:defRPr sz="1200" kern="1200">
+        <a:solidFill>
+          <a:schemeClr val="tx1"/>
+        </a:solidFill>
+        <a:latin typeface="+mn-lt"/>
+        <a:ea typeface="+mn-ea"/>
+        <a:cs typeface="+mn-cs"/>
+      </a:defRPr>
+    </a:lvl2pPr>
+    <a:lvl3pPr marL="914400" algn="l" defTabSz="914400" rtl="0" eaLnBrk="1" latinLnBrk="0" hangingPunct="1">
+      <a:defRPr sz="1200" kern="1200">
+        <a:solidFill>
+          <a:schemeClr val="tx1"/>
+        </a:solidFill>
+        <a:latin typeface="+mn-lt"/>
+        <a:ea typeface="+mn-ea"/>
+        <a:cs typeface="+mn-cs"/>
+      </a:defRPr>
+    </a:lvl3pPr>
+    <a:lvl4pPr marL="1371600" algn="l" defTabSz="914400" rtl="0" eaLnBrk="1" latinLnBrk="0" hangingPunct="1">
+      <a:defRPr sz="1200" kern="1200">
+        <a:solidFill>
+          <a:schemeClr val="tx1"/>
+        </a:solidFill>
+        <a:latin typeface="+mn-lt"/>
+        <a:ea typeface="+mn-ea"/>
+        <a:cs typeface="+mn-cs"/>
+      </a:defRPr>
+    </a:lvl4pPr>
+    <a:lvl5pPr marL="1828800" algn="l" defTabSz="914400" rtl="0" eaLnBrk="1" latinLnBrk="0" hangingPunct="1">
+      <a:defRPr sz="1200" kern="1200">
+        <a:solidFill>
+          <a:schemeClr val="tx1"/>
+        </a:solidFill>
+        <a:latin typeface="+mn-lt"/>
+        <a:ea typeface="+mn-ea"/>
+        <a:cs typeface="+mn-cs"/>
+      </a:defRPr>
+    </a:lvl5pPr>
+    <a:lvl6pPr marL="2286000" algn="l" defTabSz="914400" rtl="0" eaLnBrk="1" latinLnBrk="0" hangingPunct="1">
+      <a:defRPr sz="1200" kern="1200">
+        <a:solidFill>
+          <a:schemeClr val="tx1"/>
+        </a:solidFill>
+        <a:latin typeface="+mn-lt"/>
+        <a:ea typeface="+mn-ea"/>
+        <a:cs typeface="+mn-cs"/>
+      </a:defRPr>
+    </a:lvl6pPr>
+    <a:lvl7pPr marL="2743200" algn="l" defTabSz="914400" rtl="0" eaLnBrk="1" latinLnBrk="0" hangingPunct="1">
+      <a:defRPr sz="1200" kern="1200">
+        <a:solidFill>
+          <a:schemeClr val="tx1"/>
+        </a:solidFill>
+        <a:latin typeface="+mn-lt"/>
+        <a:ea typeface="+mn-ea"/>
+        <a:cs typeface="+mn-cs"/>
+      </a:defRPr>
+    </a:lvl7pPr>
+    <a:lvl8pPr marL="3200400" algn="l" defTabSz="914400" rtl="0" eaLnBrk="1" latinLnBrk="0" hangingPunct="1">
+      <a:defRPr sz="1200" kern="1200">
+        <a:solidFill>
+          <a:schemeClr val="tx1"/>
+        </a:solidFill>
+        <a:latin typeface="+mn-lt"/>
+        <a:ea typeface="+mn-ea"/>
+        <a:cs typeface="+mn-cs"/>
+      </a:defRPr>
+    </a:lvl8pPr>
+    <a:lvl9pPr marL="3657600" algn="l" defTabSz="914400" rtl="0" eaLnBrk="1" latinLnBrk="0" hangingPunct="1">
+      <a:defRPr sz="1200" kern="1200">
+        <a:solidFill>
+          <a:schemeClr val="tx1"/>
+        </a:solidFill>
+        <a:latin typeface="+mn-lt"/>
+        <a:ea typeface="+mn-ea"/>
+        <a:cs typeface="+mn-cs"/>
+      </a:defRPr>
+    </a:lvl9pPr>
+  </p:notesStyle>
+</p:notesMaster>
+</file>
+
 <file path=ppt/slideLayouts/slideLayout1.xml><?xml version="1.0" encoding="utf-8"?>
 <p:sldLayout xmlns:a="http://schemas.openxmlformats.org/drawingml/2006/main" xmlns:r="http://schemas.openxmlformats.org/officeDocument/2006/relationships" xmlns:p="http://schemas.openxmlformats.org/presentationml/2006/main" type="title" preserve="1">
   <p:cSld name="Title Slide">
@@ -168,10 +522,9 @@
           <a:lstStyle/>
           <a:p>
             <a:r>
-              <a:rPr lang="en-US" smtClean="0"/>
+              <a:rPr lang="en-US"/>
               <a:t>Click to edit Master title style</a:t>
             </a:r>
-            <a:endParaRPr lang="en-US"/>
           </a:p>
         </p:txBody>
       </p:sp>
@@ -287,10 +640,9 @@
           </a:lstStyle>
           <a:p>
             <a:r>
-              <a:rPr lang="en-US" smtClean="0"/>
+              <a:rPr lang="en-US"/>
               <a:t>Click to edit Master subtitle style</a:t>
             </a:r>
-            <a:endParaRPr lang="en-US"/>
           </a:p>
         </p:txBody>
       </p:sp>
@@ -311,7 +663,7 @@
           <a:p>
             <a:fld id="{241EB5C9-1307-BA42-ABA2-0BC069CD8E7F}" type="datetimeFigureOut">
               <a:rPr lang="en-US" smtClean="0"/>
-              <a:t>2/17/2018</a:t>
+              <a:t>9/17/2018</a:t>
             </a:fld>
             <a:endParaRPr lang="en-US"/>
           </a:p>
@@ -405,10 +757,9 @@
           <a:lstStyle/>
           <a:p>
             <a:r>
-              <a:rPr lang="en-US" smtClean="0"/>
+              <a:rPr lang="en-US"/>
               <a:t>Click to edit Master title style</a:t>
             </a:r>
-            <a:endParaRPr lang="en-US"/>
           </a:p>
         </p:txBody>
       </p:sp>
@@ -429,38 +780,37 @@
           <a:p>
             <a:pPr lvl="0"/>
             <a:r>
-              <a:rPr lang="en-US" smtClean="0"/>
+              <a:rPr lang="en-US"/>
               <a:t>Click to edit Master text styles</a:t>
             </a:r>
           </a:p>
           <a:p>
             <a:pPr lvl="1"/>
             <a:r>
-              <a:rPr lang="en-US" smtClean="0"/>
+              <a:rPr lang="en-US"/>
               <a:t>Second level</a:t>
             </a:r>
           </a:p>
           <a:p>
             <a:pPr lvl="2"/>
             <a:r>
-              <a:rPr lang="en-US" smtClean="0"/>
+              <a:rPr lang="en-US"/>
               <a:t>Third level</a:t>
             </a:r>
           </a:p>
           <a:p>
             <a:pPr lvl="3"/>
             <a:r>
-              <a:rPr lang="en-US" smtClean="0"/>
+              <a:rPr lang="en-US"/>
               <a:t>Fourth level</a:t>
             </a:r>
           </a:p>
           <a:p>
             <a:pPr lvl="4"/>
             <a:r>
-              <a:rPr lang="en-US" smtClean="0"/>
+              <a:rPr lang="en-US"/>
               <a:t>Fifth level</a:t>
             </a:r>
-            <a:endParaRPr lang="en-US"/>
           </a:p>
         </p:txBody>
       </p:sp>
@@ -481,7 +831,7 @@
           <a:p>
             <a:fld id="{241EB5C9-1307-BA42-ABA2-0BC069CD8E7F}" type="datetimeFigureOut">
               <a:rPr lang="en-US" smtClean="0"/>
-              <a:t>2/17/2018</a:t>
+              <a:t>9/17/2018</a:t>
             </a:fld>
             <a:endParaRPr lang="en-US"/>
           </a:p>
@@ -580,10 +930,9 @@
           <a:lstStyle/>
           <a:p>
             <a:r>
-              <a:rPr lang="en-US" smtClean="0"/>
+              <a:rPr lang="en-US"/>
               <a:t>Click to edit Master title style</a:t>
             </a:r>
-            <a:endParaRPr lang="en-US"/>
           </a:p>
         </p:txBody>
       </p:sp>
@@ -609,38 +958,37 @@
           <a:p>
             <a:pPr lvl="0"/>
             <a:r>
-              <a:rPr lang="en-US" smtClean="0"/>
+              <a:rPr lang="en-US"/>
               <a:t>Click to edit Master text styles</a:t>
             </a:r>
           </a:p>
           <a:p>
             <a:pPr lvl="1"/>
             <a:r>
-              <a:rPr lang="en-US" smtClean="0"/>
+              <a:rPr lang="en-US"/>
               <a:t>Second level</a:t>
             </a:r>
           </a:p>
           <a:p>
             <a:pPr lvl="2"/>
             <a:r>
-              <a:rPr lang="en-US" smtClean="0"/>
+              <a:rPr lang="en-US"/>
               <a:t>Third level</a:t>
             </a:r>
           </a:p>
           <a:p>
             <a:pPr lvl="3"/>
             <a:r>
-              <a:rPr lang="en-US" smtClean="0"/>
+              <a:rPr lang="en-US"/>
               <a:t>Fourth level</a:t>
             </a:r>
           </a:p>
           <a:p>
             <a:pPr lvl="4"/>
             <a:r>
-              <a:rPr lang="en-US" smtClean="0"/>
+              <a:rPr lang="en-US"/>
               <a:t>Fifth level</a:t>
             </a:r>
-            <a:endParaRPr lang="en-US"/>
           </a:p>
         </p:txBody>
       </p:sp>
@@ -661,7 +1009,7 @@
           <a:p>
             <a:fld id="{241EB5C9-1307-BA42-ABA2-0BC069CD8E7F}" type="datetimeFigureOut">
               <a:rPr lang="en-US" smtClean="0"/>
-              <a:t>2/17/2018</a:t>
+              <a:t>9/17/2018</a:t>
             </a:fld>
             <a:endParaRPr lang="en-US"/>
           </a:p>
@@ -755,10 +1103,9 @@
           <a:lstStyle/>
           <a:p>
             <a:r>
-              <a:rPr lang="en-US" smtClean="0"/>
+              <a:rPr lang="en-US"/>
               <a:t>Click to edit Master title style</a:t>
             </a:r>
-            <a:endParaRPr lang="en-US"/>
           </a:p>
         </p:txBody>
       </p:sp>
@@ -779,38 +1126,37 @@
           <a:p>
             <a:pPr lvl="0"/>
             <a:r>
-              <a:rPr lang="en-US" smtClean="0"/>
+              <a:rPr lang="en-US"/>
               <a:t>Click to edit Master text styles</a:t>
             </a:r>
           </a:p>
           <a:p>
             <a:pPr lvl="1"/>
             <a:r>
-              <a:rPr lang="en-US" smtClean="0"/>
+              <a:rPr lang="en-US"/>
               <a:t>Second level</a:t>
             </a:r>
           </a:p>
           <a:p>
             <a:pPr lvl="2"/>
             <a:r>
-              <a:rPr lang="en-US" smtClean="0"/>
+              <a:rPr lang="en-US"/>
               <a:t>Third level</a:t>
             </a:r>
           </a:p>
           <a:p>
             <a:pPr lvl="3"/>
             <a:r>
-              <a:rPr lang="en-US" smtClean="0"/>
+              <a:rPr lang="en-US"/>
               <a:t>Fourth level</a:t>
             </a:r>
           </a:p>
           <a:p>
             <a:pPr lvl="4"/>
             <a:r>
-              <a:rPr lang="en-US" smtClean="0"/>
+              <a:rPr lang="en-US"/>
               <a:t>Fifth level</a:t>
             </a:r>
-            <a:endParaRPr lang="en-US"/>
           </a:p>
         </p:txBody>
       </p:sp>
@@ -831,7 +1177,7 @@
           <a:p>
             <a:fld id="{241EB5C9-1307-BA42-ABA2-0BC069CD8E7F}" type="datetimeFigureOut">
               <a:rPr lang="en-US" smtClean="0"/>
-              <a:t>2/17/2018</a:t>
+              <a:t>9/17/2018</a:t>
             </a:fld>
             <a:endParaRPr lang="en-US"/>
           </a:p>
@@ -934,10 +1280,9 @@
           </a:lstStyle>
           <a:p>
             <a:r>
-              <a:rPr lang="en-US" smtClean="0"/>
+              <a:rPr lang="en-US"/>
               <a:t>Click to edit Master title style</a:t>
             </a:r>
-            <a:endParaRPr lang="en-US"/>
           </a:p>
         </p:txBody>
       </p:sp>
@@ -1054,7 +1399,7 @@
           <a:p>
             <a:pPr lvl="0"/>
             <a:r>
-              <a:rPr lang="en-US" smtClean="0"/>
+              <a:rPr lang="en-US"/>
               <a:t>Click to edit Master text styles</a:t>
             </a:r>
           </a:p>
@@ -1077,7 +1422,7 @@
           <a:p>
             <a:fld id="{241EB5C9-1307-BA42-ABA2-0BC069CD8E7F}" type="datetimeFigureOut">
               <a:rPr lang="en-US" smtClean="0"/>
-              <a:t>2/17/2018</a:t>
+              <a:t>9/17/2018</a:t>
             </a:fld>
             <a:endParaRPr lang="en-US"/>
           </a:p>
@@ -1171,10 +1516,9 @@
           <a:lstStyle/>
           <a:p>
             <a:r>
-              <a:rPr lang="en-US" smtClean="0"/>
+              <a:rPr lang="en-US"/>
               <a:t>Click to edit Master title style</a:t>
             </a:r>
-            <a:endParaRPr lang="en-US"/>
           </a:p>
         </p:txBody>
       </p:sp>
@@ -1228,38 +1572,37 @@
           <a:p>
             <a:pPr lvl="0"/>
             <a:r>
-              <a:rPr lang="en-US" smtClean="0"/>
+              <a:rPr lang="en-US"/>
               <a:t>Click to edit Master text styles</a:t>
             </a:r>
           </a:p>
           <a:p>
             <a:pPr lvl="1"/>
             <a:r>
-              <a:rPr lang="en-US" smtClean="0"/>
+              <a:rPr lang="en-US"/>
               <a:t>Second level</a:t>
             </a:r>
           </a:p>
           <a:p>
             <a:pPr lvl="2"/>
             <a:r>
-              <a:rPr lang="en-US" smtClean="0"/>
+              <a:rPr lang="en-US"/>
               <a:t>Third level</a:t>
             </a:r>
           </a:p>
           <a:p>
             <a:pPr lvl="3"/>
             <a:r>
-              <a:rPr lang="en-US" smtClean="0"/>
+              <a:rPr lang="en-US"/>
               <a:t>Fourth level</a:t>
             </a:r>
           </a:p>
           <a:p>
             <a:pPr lvl="4"/>
             <a:r>
-              <a:rPr lang="en-US" smtClean="0"/>
+              <a:rPr lang="en-US"/>
               <a:t>Fifth level</a:t>
             </a:r>
-            <a:endParaRPr lang="en-US"/>
           </a:p>
         </p:txBody>
       </p:sp>
@@ -1313,38 +1656,37 @@
           <a:p>
             <a:pPr lvl="0"/>
             <a:r>
-              <a:rPr lang="en-US" smtClean="0"/>
+              <a:rPr lang="en-US"/>
               <a:t>Click to edit Master text styles</a:t>
             </a:r>
           </a:p>
           <a:p>
             <a:pPr lvl="1"/>
             <a:r>
-              <a:rPr lang="en-US" smtClean="0"/>
+              <a:rPr lang="en-US"/>
               <a:t>Second level</a:t>
             </a:r>
           </a:p>
           <a:p>
             <a:pPr lvl="2"/>
             <a:r>
-              <a:rPr lang="en-US" smtClean="0"/>
+              <a:rPr lang="en-US"/>
               <a:t>Third level</a:t>
             </a:r>
           </a:p>
           <a:p>
             <a:pPr lvl="3"/>
             <a:r>
-              <a:rPr lang="en-US" smtClean="0"/>
+              <a:rPr lang="en-US"/>
               <a:t>Fourth level</a:t>
             </a:r>
           </a:p>
           <a:p>
             <a:pPr lvl="4"/>
             <a:r>
-              <a:rPr lang="en-US" smtClean="0"/>
+              <a:rPr lang="en-US"/>
               <a:t>Fifth level</a:t>
             </a:r>
-            <a:endParaRPr lang="en-US"/>
           </a:p>
         </p:txBody>
       </p:sp>
@@ -1365,7 +1707,7 @@
           <a:p>
             <a:fld id="{241EB5C9-1307-BA42-ABA2-0BC069CD8E7F}" type="datetimeFigureOut">
               <a:rPr lang="en-US" smtClean="0"/>
-              <a:t>2/17/2018</a:t>
+              <a:t>9/17/2018</a:t>
             </a:fld>
             <a:endParaRPr lang="en-US"/>
           </a:p>
@@ -1463,10 +1805,9 @@
           </a:lstStyle>
           <a:p>
             <a:r>
-              <a:rPr lang="en-US" smtClean="0"/>
+              <a:rPr lang="en-US"/>
               <a:t>Click to edit Master title style</a:t>
             </a:r>
-            <a:endParaRPr lang="en-US"/>
           </a:p>
         </p:txBody>
       </p:sp>
@@ -1529,7 +1870,7 @@
           <a:p>
             <a:pPr lvl="0"/>
             <a:r>
-              <a:rPr lang="en-US" smtClean="0"/>
+              <a:rPr lang="en-US"/>
               <a:t>Click to edit Master text styles</a:t>
             </a:r>
           </a:p>
@@ -1585,38 +1926,37 @@
           <a:p>
             <a:pPr lvl="0"/>
             <a:r>
-              <a:rPr lang="en-US" smtClean="0"/>
+              <a:rPr lang="en-US"/>
               <a:t>Click to edit Master text styles</a:t>
             </a:r>
           </a:p>
           <a:p>
             <a:pPr lvl="1"/>
             <a:r>
-              <a:rPr lang="en-US" smtClean="0"/>
+              <a:rPr lang="en-US"/>
               <a:t>Second level</a:t>
             </a:r>
           </a:p>
           <a:p>
             <a:pPr lvl="2"/>
             <a:r>
-              <a:rPr lang="en-US" smtClean="0"/>
+              <a:rPr lang="en-US"/>
               <a:t>Third level</a:t>
             </a:r>
           </a:p>
           <a:p>
             <a:pPr lvl="3"/>
             <a:r>
-              <a:rPr lang="en-US" smtClean="0"/>
+              <a:rPr lang="en-US"/>
               <a:t>Fourth level</a:t>
             </a:r>
           </a:p>
           <a:p>
             <a:pPr lvl="4"/>
             <a:r>
-              <a:rPr lang="en-US" smtClean="0"/>
+              <a:rPr lang="en-US"/>
               <a:t>Fifth level</a:t>
             </a:r>
-            <a:endParaRPr lang="en-US"/>
           </a:p>
         </p:txBody>
       </p:sp>
@@ -1679,7 +2019,7 @@
           <a:p>
             <a:pPr lvl="0"/>
             <a:r>
-              <a:rPr lang="en-US" smtClean="0"/>
+              <a:rPr lang="en-US"/>
               <a:t>Click to edit Master text styles</a:t>
             </a:r>
           </a:p>
@@ -1735,38 +2075,37 @@
           <a:p>
             <a:pPr lvl="0"/>
             <a:r>
-              <a:rPr lang="en-US" smtClean="0"/>
+              <a:rPr lang="en-US"/>
               <a:t>Click to edit Master text styles</a:t>
             </a:r>
           </a:p>
           <a:p>
             <a:pPr lvl="1"/>
             <a:r>
-              <a:rPr lang="en-US" smtClean="0"/>
+              <a:rPr lang="en-US"/>
               <a:t>Second level</a:t>
             </a:r>
           </a:p>
           <a:p>
             <a:pPr lvl="2"/>
             <a:r>
-              <a:rPr lang="en-US" smtClean="0"/>
+              <a:rPr lang="en-US"/>
               <a:t>Third level</a:t>
             </a:r>
           </a:p>
           <a:p>
             <a:pPr lvl="3"/>
             <a:r>
-              <a:rPr lang="en-US" smtClean="0"/>
+              <a:rPr lang="en-US"/>
               <a:t>Fourth level</a:t>
             </a:r>
           </a:p>
           <a:p>
             <a:pPr lvl="4"/>
             <a:r>
-              <a:rPr lang="en-US" smtClean="0"/>
+              <a:rPr lang="en-US"/>
               <a:t>Fifth level</a:t>
             </a:r>
-            <a:endParaRPr lang="en-US"/>
           </a:p>
         </p:txBody>
       </p:sp>
@@ -1787,7 +2126,7 @@
           <a:p>
             <a:fld id="{241EB5C9-1307-BA42-ABA2-0BC069CD8E7F}" type="datetimeFigureOut">
               <a:rPr lang="en-US" smtClean="0"/>
-              <a:t>2/17/2018</a:t>
+              <a:t>9/17/2018</a:t>
             </a:fld>
             <a:endParaRPr lang="en-US"/>
           </a:p>
@@ -1881,10 +2220,9 @@
           <a:lstStyle/>
           <a:p>
             <a:r>
-              <a:rPr lang="en-US" smtClean="0"/>
+              <a:rPr lang="en-US"/>
               <a:t>Click to edit Master title style</a:t>
             </a:r>
-            <a:endParaRPr lang="en-US"/>
           </a:p>
         </p:txBody>
       </p:sp>
@@ -1905,7 +2243,7 @@
           <a:p>
             <a:fld id="{241EB5C9-1307-BA42-ABA2-0BC069CD8E7F}" type="datetimeFigureOut">
               <a:rPr lang="en-US" smtClean="0"/>
-              <a:t>2/17/2018</a:t>
+              <a:t>9/17/2018</a:t>
             </a:fld>
             <a:endParaRPr lang="en-US"/>
           </a:p>
@@ -2000,7 +2338,7 @@
           <a:p>
             <a:fld id="{241EB5C9-1307-BA42-ABA2-0BC069CD8E7F}" type="datetimeFigureOut">
               <a:rPr lang="en-US" smtClean="0"/>
-              <a:t>2/17/2018</a:t>
+              <a:t>9/17/2018</a:t>
             </a:fld>
             <a:endParaRPr lang="en-US"/>
           </a:p>
@@ -2103,10 +2441,9 @@
           </a:lstStyle>
           <a:p>
             <a:r>
-              <a:rPr lang="en-US" smtClean="0"/>
+              <a:rPr lang="en-US"/>
               <a:t>Click to edit Master title style</a:t>
             </a:r>
-            <a:endParaRPr lang="en-US"/>
           </a:p>
         </p:txBody>
       </p:sp>
@@ -2160,38 +2497,37 @@
           <a:p>
             <a:pPr lvl="0"/>
             <a:r>
-              <a:rPr lang="en-US" smtClean="0"/>
+              <a:rPr lang="en-US"/>
               <a:t>Click to edit Master text styles</a:t>
             </a:r>
           </a:p>
           <a:p>
             <a:pPr lvl="1"/>
             <a:r>
-              <a:rPr lang="en-US" smtClean="0"/>
+              <a:rPr lang="en-US"/>
               <a:t>Second level</a:t>
             </a:r>
           </a:p>
           <a:p>
             <a:pPr lvl="2"/>
             <a:r>
-              <a:rPr lang="en-US" smtClean="0"/>
+              <a:rPr lang="en-US"/>
               <a:t>Third level</a:t>
             </a:r>
           </a:p>
           <a:p>
             <a:pPr lvl="3"/>
             <a:r>
-              <a:rPr lang="en-US" smtClean="0"/>
+              <a:rPr lang="en-US"/>
               <a:t>Fourth level</a:t>
             </a:r>
           </a:p>
           <a:p>
             <a:pPr lvl="4"/>
             <a:r>
-              <a:rPr lang="en-US" smtClean="0"/>
+              <a:rPr lang="en-US"/>
               <a:t>Fifth level</a:t>
             </a:r>
-            <a:endParaRPr lang="en-US"/>
           </a:p>
         </p:txBody>
       </p:sp>
@@ -2254,7 +2590,7 @@
           <a:p>
             <a:pPr lvl="0"/>
             <a:r>
-              <a:rPr lang="en-US" smtClean="0"/>
+              <a:rPr lang="en-US"/>
               <a:t>Click to edit Master text styles</a:t>
             </a:r>
           </a:p>
@@ -2277,7 +2613,7 @@
           <a:p>
             <a:fld id="{241EB5C9-1307-BA42-ABA2-0BC069CD8E7F}" type="datetimeFigureOut">
               <a:rPr lang="en-US" smtClean="0"/>
-              <a:t>2/17/2018</a:t>
+              <a:t>9/17/2018</a:t>
             </a:fld>
             <a:endParaRPr lang="en-US"/>
           </a:p>
@@ -2380,10 +2716,9 @@
           </a:lstStyle>
           <a:p>
             <a:r>
-              <a:rPr lang="en-US" smtClean="0"/>
+              <a:rPr lang="en-US"/>
               <a:t>Click to edit Master title style</a:t>
             </a:r>
-            <a:endParaRPr lang="en-US"/>
           </a:p>
         </p:txBody>
       </p:sp>
@@ -2507,7 +2842,7 @@
           <a:p>
             <a:pPr lvl="0"/>
             <a:r>
-              <a:rPr lang="en-US" smtClean="0"/>
+              <a:rPr lang="en-US"/>
               <a:t>Click to edit Master text styles</a:t>
             </a:r>
           </a:p>
@@ -2530,7 +2865,7 @@
           <a:p>
             <a:fld id="{241EB5C9-1307-BA42-ABA2-0BC069CD8E7F}" type="datetimeFigureOut">
               <a:rPr lang="en-US" smtClean="0"/>
-              <a:t>2/17/2018</a:t>
+              <a:t>9/17/2018</a:t>
             </a:fld>
             <a:endParaRPr lang="en-US"/>
           </a:p>
@@ -2639,10 +2974,9 @@
           <a:lstStyle/>
           <a:p>
             <a:r>
-              <a:rPr lang="en-US" smtClean="0"/>
+              <a:rPr lang="en-US"/>
               <a:t>Click to edit Master title style</a:t>
             </a:r>
-            <a:endParaRPr lang="en-US"/>
           </a:p>
         </p:txBody>
       </p:sp>
@@ -2673,38 +3007,37 @@
           <a:p>
             <a:pPr lvl="0"/>
             <a:r>
-              <a:rPr lang="en-US" smtClean="0"/>
+              <a:rPr lang="en-US"/>
               <a:t>Click to edit Master text styles</a:t>
             </a:r>
           </a:p>
           <a:p>
             <a:pPr lvl="1"/>
             <a:r>
-              <a:rPr lang="en-US" smtClean="0"/>
+              <a:rPr lang="en-US"/>
               <a:t>Second level</a:t>
             </a:r>
           </a:p>
           <a:p>
             <a:pPr lvl="2"/>
             <a:r>
-              <a:rPr lang="en-US" smtClean="0"/>
+              <a:rPr lang="en-US"/>
               <a:t>Third level</a:t>
             </a:r>
           </a:p>
           <a:p>
             <a:pPr lvl="3"/>
             <a:r>
-              <a:rPr lang="en-US" smtClean="0"/>
+              <a:rPr lang="en-US"/>
               <a:t>Fourth level</a:t>
             </a:r>
           </a:p>
           <a:p>
             <a:pPr lvl="4"/>
             <a:r>
-              <a:rPr lang="en-US" smtClean="0"/>
+              <a:rPr lang="en-US"/>
               <a:t>Fifth level</a:t>
             </a:r>
-            <a:endParaRPr lang="en-US"/>
           </a:p>
         </p:txBody>
       </p:sp>
@@ -2743,7 +3076,7 @@
           <a:p>
             <a:fld id="{241EB5C9-1307-BA42-ABA2-0BC069CD8E7F}" type="datetimeFigureOut">
               <a:rPr lang="en-US" smtClean="0"/>
-              <a:t>2/17/2018</a:t>
+              <a:t>9/17/2018</a:t>
             </a:fld>
             <a:endParaRPr lang="en-US"/>
           </a:p>
@@ -3138,28 +3471,12 @@
           <a:bodyPr/>
           <a:lstStyle/>
           <a:p>
-            <a:pPr lvl="0" marL="0" indent="0">
+            <a:pPr marL="0" lvl="0" indent="0">
               <a:buNone/>
             </a:pPr>
             <a:r>
-              <a:rPr/>
-              <a:t>Data</a:t>
-            </a:r>
-            <a:r>
-              <a:rPr/>
-              <a:t> </a:t>
-            </a:r>
-            <a:r>
-              <a:rPr/>
-              <a:t>From</a:t>
-            </a:r>
-            <a:r>
-              <a:rPr/>
-              <a:t> </a:t>
-            </a:r>
-            <a:r>
-              <a:rPr/>
-              <a:t>API</a:t>
+              <a:rPr dirty="0"/>
+              <a:t>Data From API</a:t>
             </a:r>
           </a:p>
         </p:txBody>
@@ -3184,13 +3501,12 @@
           <a:bodyPr/>
           <a:lstStyle/>
           <a:p>
-            <a:pPr lvl="0" marL="0" indent="0">
+            <a:pPr marL="0" lvl="0" indent="0">
               <a:buNone/>
             </a:pPr>
             <a:br/>
             <a:br/>
             <a:r>
-              <a:rPr/>
               <a:t>Max</a:t>
             </a:r>
           </a:p>
@@ -3211,34 +3527,20 @@
           <a:bodyPr/>
           <a:lstStyle/>
           <a:p>
-            <a:pPr lvl="0" marL="0" indent="0">
+            <a:pPr marL="0" lvl="0" indent="0">
               <a:buNone/>
             </a:pPr>
             <a:r>
-              <a:rPr/>
-              <a:t>September</a:t>
-            </a:r>
-            <a:r>
-              <a:rPr/>
-              <a:t> </a:t>
-            </a:r>
-            <a:r>
-              <a:rPr/>
-              <a:t>12,</a:t>
-            </a:r>
-            <a:r>
-              <a:rPr/>
-              <a:t> </a:t>
-            </a:r>
-            <a:r>
-              <a:rPr/>
-              <a:t>2018</a:t>
+              <a:t>September 12, 2018</a:t>
             </a:r>
           </a:p>
         </p:txBody>
       </p:sp>
     </p:spTree>
   </p:cSld>
+  <p:clrMapOvr>
+    <a:masterClrMapping/>
+  </p:clrMapOvr>
 </p:sld>
 </file>
 
@@ -3274,11 +3576,10 @@
           <a:bodyPr/>
           <a:lstStyle/>
           <a:p>
-            <a:pPr lvl="0" marL="0" indent="0">
+            <a:pPr marL="0" lvl="0" indent="0">
               <a:buNone/>
             </a:pPr>
             <a:r>
-              <a:rPr/>
               <a:t>Objective</a:t>
             </a:r>
           </a:p>
@@ -3296,10 +3597,12 @@
         </p:nvSpPr>
         <p:spPr/>
         <p:txBody>
-          <a:bodyPr/>
+          <a:bodyPr>
+            <a:normAutofit lnSpcReduction="10000"/>
+          </a:bodyPr>
           <a:lstStyle/>
           <a:p>
-            <a:pPr lvl="0" marL="0" indent="0">
+            <a:pPr marL="0" lvl="0" indent="0">
               <a:buNone/>
             </a:pPr>
             <a:r>
@@ -3308,41 +3611,36 @@
             </a:r>
           </a:p>
           <a:p>
-            <a:pPr lvl="0" marL="0" indent="0">
+            <a:pPr marL="0" lvl="0" indent="0">
               <a:buNone/>
             </a:pPr>
             <a:r>
-              <a:rPr/>
               <a:t>In this example I’m using QUANDL package (www.quandl.com) to gather follwoing economic data</a:t>
             </a:r>
           </a:p>
           <a:p>
             <a:pPr lvl="1"/>
             <a:r>
-              <a:rPr/>
               <a:t>GDP</a:t>
             </a:r>
           </a:p>
           <a:p>
             <a:pPr lvl="1"/>
             <a:r>
-              <a:rPr/>
               <a:t>Unemployment</a:t>
             </a:r>
           </a:p>
           <a:p>
             <a:pPr lvl="1"/>
             <a:r>
-              <a:rPr/>
               <a:t>NASDAQ</a:t>
             </a:r>
           </a:p>
           <a:p>
-            <a:pPr lvl="0" marL="0" indent="0">
+            <a:pPr marL="0" lvl="0" indent="0">
               <a:buNone/>
             </a:pPr>
             <a:r>
-              <a:rPr/>
               <a:t>Then I’ll merge then in a single dataset and remove any NA value</a:t>
             </a:r>
           </a:p>
@@ -3350,6 +3648,9 @@
       </p:sp>
     </p:spTree>
   </p:cSld>
+  <p:clrMapOvr>
+    <a:masterClrMapping/>
+  </p:clrMapOvr>
 </p:sld>
 </file>
 
@@ -3380,31 +3681,484 @@
             <p:ph type="title"/>
           </p:nvPr>
         </p:nvSpPr>
-        <p:spPr/>
-        <p:txBody>
-          <a:bodyPr/>
+        <p:spPr>
+          <a:xfrm>
+            <a:off x="457200" y="274638"/>
+            <a:ext cx="8229600" cy="740501"/>
+          </a:xfrm>
+        </p:spPr>
+        <p:txBody>
+          <a:bodyPr>
+            <a:normAutofit fontScale="90000"/>
+          </a:bodyPr>
           <a:lstStyle/>
           <a:p>
-            <a:pPr lvl="0" marL="0" indent="0">
+            <a:pPr marL="0" lvl="0" indent="0">
               <a:buNone/>
             </a:pPr>
             <a:r>
-              <a:rPr/>
-              <a:t>Setup</a:t>
-            </a:r>
-            <a:r>
-              <a:rPr/>
+              <a:rPr dirty="0"/>
+              <a:t>Setup Connection</a:t>
+            </a:r>
+          </a:p>
+        </p:txBody>
+      </p:sp>
+      <p:sp>
+        <p:nvSpPr>
+          <p:cNvPr id="3" name="Content Placeholder 2"/>
+          <p:cNvSpPr>
+            <a:spLocks noGrp="1"/>
+          </p:cNvSpPr>
+          <p:nvPr>
+            <p:ph idx="1"/>
+          </p:nvPr>
+        </p:nvSpPr>
+        <p:spPr>
+          <a:xfrm>
+            <a:off x="395206" y="1580827"/>
+            <a:ext cx="8229600" cy="3871159"/>
+          </a:xfrm>
+        </p:spPr>
+        <p:txBody>
+          <a:bodyPr>
+            <a:normAutofit/>
+          </a:bodyPr>
+          <a:lstStyle/>
+          <a:p>
+            <a:pPr marL="0" lvl="0" indent="0">
+              <a:buNone/>
+            </a:pPr>
+            <a:r>
+              <a:rPr sz="1400" dirty="0" err="1">
+                <a:latin typeface="Courier"/>
+              </a:rPr>
+              <a:t>startDate</a:t>
+            </a:r>
+            <a:r>
+              <a:rPr sz="1400" dirty="0">
+                <a:latin typeface="Courier"/>
+              </a:rPr>
+              <a:t>=</a:t>
+            </a:r>
+            <a:r>
+              <a:rPr sz="1400" b="1" dirty="0" err="1">
+                <a:solidFill>
+                  <a:srgbClr val="007020"/>
+                </a:solidFill>
+                <a:latin typeface="Courier"/>
+              </a:rPr>
+              <a:t>as.Date</a:t>
+            </a:r>
+            <a:r>
+              <a:rPr sz="1400" dirty="0">
+                <a:latin typeface="Courier"/>
+              </a:rPr>
+              <a:t>(</a:t>
+            </a:r>
+            <a:r>
+              <a:rPr sz="1400" dirty="0">
+                <a:solidFill>
+                  <a:srgbClr val="4070A0"/>
+                </a:solidFill>
+                <a:latin typeface="Courier"/>
+              </a:rPr>
+              <a:t>'2018/01/01'</a:t>
+            </a:r>
+            <a:r>
+              <a:rPr sz="1400" dirty="0">
+                <a:latin typeface="Courier"/>
+              </a:rPr>
+              <a:t>)</a:t>
+            </a:r>
+            <a:br>
+              <a:rPr sz="1400" dirty="0"/>
+            </a:br>
+            <a:r>
+              <a:rPr sz="1400" dirty="0" err="1">
+                <a:latin typeface="Courier"/>
+              </a:rPr>
+              <a:t>allDates</a:t>
+            </a:r>
+            <a:r>
+              <a:rPr sz="1400" dirty="0">
+                <a:latin typeface="Courier"/>
+              </a:rPr>
+              <a:t> =</a:t>
+            </a:r>
+            <a:r>
+              <a:rPr sz="1400" dirty="0">
+                <a:solidFill>
+                  <a:srgbClr val="4070A0"/>
+                </a:solidFill>
+                <a:latin typeface="Courier"/>
+              </a:rPr>
               <a:t> </a:t>
             </a:r>
             <a:r>
-              <a:rPr/>
-              <a:t>Libraries</a:t>
+              <a:rPr sz="1400" b="1" dirty="0" err="1">
+                <a:solidFill>
+                  <a:srgbClr val="007020"/>
+                </a:solidFill>
+                <a:latin typeface="Courier"/>
+              </a:rPr>
+              <a:t>data.table</a:t>
+            </a:r>
+            <a:r>
+              <a:rPr sz="1400" dirty="0">
+                <a:latin typeface="Courier"/>
+              </a:rPr>
+              <a:t>(</a:t>
+            </a:r>
+            <a:r>
+              <a:rPr sz="1400" dirty="0">
+                <a:solidFill>
+                  <a:srgbClr val="902000"/>
+                </a:solidFill>
+                <a:latin typeface="Courier"/>
+              </a:rPr>
+              <a:t>Date=</a:t>
+            </a:r>
+            <a:r>
+              <a:rPr sz="1400" b="1" dirty="0" err="1">
+                <a:solidFill>
+                  <a:srgbClr val="007020"/>
+                </a:solidFill>
+                <a:latin typeface="Courier"/>
+              </a:rPr>
+              <a:t>seq</a:t>
+            </a:r>
+            <a:r>
+              <a:rPr sz="1400" dirty="0">
+                <a:latin typeface="Courier"/>
+              </a:rPr>
+              <a:t>(</a:t>
+            </a:r>
+            <a:r>
+              <a:rPr sz="1400" dirty="0">
+                <a:solidFill>
+                  <a:srgbClr val="902000"/>
+                </a:solidFill>
+                <a:latin typeface="Courier"/>
+              </a:rPr>
+              <a:t>from=</a:t>
+            </a:r>
+            <a:r>
+              <a:rPr sz="1400" dirty="0" err="1">
+                <a:latin typeface="Courier"/>
+              </a:rPr>
+              <a:t>startDate,</a:t>
+            </a:r>
+            <a:r>
+              <a:rPr sz="1400" dirty="0" err="1">
+                <a:solidFill>
+                  <a:srgbClr val="902000"/>
+                </a:solidFill>
+                <a:latin typeface="Courier"/>
+              </a:rPr>
+              <a:t>to</a:t>
+            </a:r>
+            <a:r>
+              <a:rPr sz="1400" dirty="0">
+                <a:solidFill>
+                  <a:srgbClr val="902000"/>
+                </a:solidFill>
+                <a:latin typeface="Courier"/>
+              </a:rPr>
+              <a:t>=</a:t>
+            </a:r>
+            <a:r>
+              <a:rPr sz="1400" b="1" dirty="0" err="1">
+                <a:solidFill>
+                  <a:srgbClr val="007020"/>
+                </a:solidFill>
+                <a:latin typeface="Courier"/>
+              </a:rPr>
+              <a:t>Sys.Date</a:t>
+            </a:r>
+            <a:r>
+              <a:rPr sz="1400" dirty="0">
+                <a:latin typeface="Courier"/>
+              </a:rPr>
+              <a:t>(),</a:t>
+            </a:r>
+            <a:r>
+              <a:rPr sz="1400" dirty="0">
+                <a:solidFill>
+                  <a:srgbClr val="902000"/>
+                </a:solidFill>
+                <a:latin typeface="Courier"/>
+              </a:rPr>
+              <a:t>by=</a:t>
+            </a:r>
+            <a:r>
+              <a:rPr sz="1400" dirty="0">
+                <a:solidFill>
+                  <a:srgbClr val="40A070"/>
+                </a:solidFill>
+                <a:latin typeface="Courier"/>
+              </a:rPr>
+              <a:t>1</a:t>
+            </a:r>
+            <a:r>
+              <a:rPr sz="1400" dirty="0">
+                <a:latin typeface="Courier"/>
+              </a:rPr>
+              <a:t>))</a:t>
+            </a:r>
+            <a:br>
+              <a:rPr sz="1400" dirty="0"/>
+            </a:br>
+            <a:br>
+              <a:rPr sz="1400" dirty="0"/>
+            </a:br>
+            <a:r>
+              <a:rPr sz="1400" i="1" dirty="0">
+                <a:solidFill>
+                  <a:srgbClr val="60A0B0"/>
+                </a:solidFill>
+                <a:latin typeface="Courier"/>
+              </a:rPr>
+              <a:t>#setting up QUANDL to download load economic indicato</a:t>
+            </a:r>
+            <a:r>
+              <a:rPr lang="en-US" sz="1400" i="1" dirty="0">
+                <a:solidFill>
+                  <a:srgbClr val="60A0B0"/>
+                </a:solidFill>
+                <a:latin typeface="Courier"/>
+              </a:rPr>
+              <a:t>r</a:t>
+            </a:r>
+            <a:br>
+              <a:rPr sz="1400" dirty="0"/>
+            </a:br>
+            <a:r>
+              <a:rPr sz="1400" i="1" dirty="0">
+                <a:solidFill>
+                  <a:srgbClr val="60A0B0"/>
+                </a:solidFill>
+                <a:latin typeface="Courier"/>
+              </a:rPr>
+              <a:t>#https://www.quandl.com/searchr</a:t>
+            </a:r>
+            <a:br>
+              <a:rPr sz="1400" dirty="0"/>
+            </a:br>
+            <a:r>
+              <a:rPr sz="1400" b="1" dirty="0" err="1">
+                <a:solidFill>
+                  <a:srgbClr val="007020"/>
+                </a:solidFill>
+                <a:latin typeface="Courier"/>
+              </a:rPr>
+              <a:t>Quandl.api_key</a:t>
+            </a:r>
+            <a:r>
+              <a:rPr sz="1400" dirty="0">
+                <a:latin typeface="Courier"/>
+              </a:rPr>
+              <a:t>(</a:t>
+            </a:r>
+            <a:r>
+              <a:rPr sz="1400" dirty="0">
+                <a:solidFill>
+                  <a:srgbClr val="4070A0"/>
+                </a:solidFill>
+                <a:latin typeface="Courier"/>
+              </a:rPr>
+              <a:t>'9d_xURs_</a:t>
+            </a:r>
+            <a:r>
+              <a:rPr lang="en-US" sz="1400" dirty="0">
+                <a:solidFill>
+                  <a:srgbClr val="4070A0"/>
+                </a:solidFill>
+                <a:latin typeface="Courier"/>
+              </a:rPr>
+              <a:t>xxxxxxx</a:t>
+            </a:r>
+            <a:r>
+              <a:rPr sz="1400" dirty="0">
+                <a:solidFill>
+                  <a:srgbClr val="4070A0"/>
+                </a:solidFill>
+                <a:latin typeface="Courier"/>
+              </a:rPr>
+              <a:t>'</a:t>
+            </a:r>
+            <a:r>
+              <a:rPr sz="1400" dirty="0">
+                <a:latin typeface="Courier"/>
+              </a:rPr>
+              <a:t>) </a:t>
+            </a:r>
+            <a:r>
+              <a:rPr sz="1400" i="1" dirty="0">
+                <a:solidFill>
+                  <a:srgbClr val="60A0B0"/>
+                </a:solidFill>
+                <a:latin typeface="Courier"/>
+              </a:rPr>
+              <a:t>#Max's API key</a:t>
+            </a:r>
+            <a:br>
+              <a:rPr sz="1400" dirty="0"/>
+            </a:br>
+            <a:br>
+              <a:rPr sz="1400" dirty="0"/>
+            </a:br>
+            <a:r>
+              <a:rPr sz="1400" i="1" dirty="0">
+                <a:solidFill>
+                  <a:srgbClr val="60A0B0"/>
+                </a:solidFill>
+                <a:latin typeface="Courier"/>
+              </a:rPr>
+              <a:t>#</a:t>
+            </a:r>
+            <a:r>
+              <a:rPr sz="1400" i="1" dirty="0" err="1">
+                <a:solidFill>
+                  <a:srgbClr val="60A0B0"/>
+                </a:solidFill>
+                <a:latin typeface="Courier"/>
+              </a:rPr>
+              <a:t>set_config</a:t>
+            </a:r>
+            <a:r>
+              <a:rPr sz="1400" i="1" dirty="0">
+                <a:solidFill>
+                  <a:srgbClr val="60A0B0"/>
+                </a:solidFill>
+                <a:latin typeface="Courier"/>
+              </a:rPr>
+              <a:t>(</a:t>
+            </a:r>
+            <a:r>
+              <a:rPr sz="1400" i="1" dirty="0" err="1">
+                <a:solidFill>
+                  <a:srgbClr val="60A0B0"/>
+                </a:solidFill>
+                <a:latin typeface="Courier"/>
+              </a:rPr>
+              <a:t>use_proxy</a:t>
+            </a:r>
+            <a:r>
+              <a:rPr sz="1400" i="1" dirty="0">
+                <a:solidFill>
+                  <a:srgbClr val="60A0B0"/>
+                </a:solidFill>
+                <a:latin typeface="Courier"/>
+              </a:rPr>
+              <a:t>(</a:t>
+            </a:r>
+            <a:r>
+              <a:rPr sz="1400" i="1" dirty="0" err="1">
+                <a:solidFill>
+                  <a:srgbClr val="60A0B0"/>
+                </a:solidFill>
+                <a:latin typeface="Courier"/>
+              </a:rPr>
+              <a:t>url</a:t>
+            </a:r>
+            <a:r>
+              <a:rPr sz="1400" i="1" dirty="0">
+                <a:solidFill>
+                  <a:srgbClr val="60A0B0"/>
+                </a:solidFill>
+                <a:latin typeface="Courier"/>
+              </a:rPr>
+              <a:t>="http://proxy.micron.com",port=8080))  # setup proxy</a:t>
+            </a:r>
+            <a:br>
+              <a:rPr sz="1400" dirty="0"/>
+            </a:br>
+            <a:r>
+              <a:rPr sz="1400" dirty="0" err="1">
+                <a:latin typeface="Courier"/>
+              </a:rPr>
+              <a:t>httr</a:t>
+            </a:r>
+            <a:r>
+              <a:rPr sz="1400" dirty="0">
+                <a:solidFill>
+                  <a:srgbClr val="666666"/>
+                </a:solidFill>
+                <a:latin typeface="Courier"/>
+              </a:rPr>
+              <a:t>::</a:t>
+            </a:r>
+            <a:r>
+              <a:rPr sz="1400" b="1" dirty="0" err="1">
+                <a:solidFill>
+                  <a:srgbClr val="007020"/>
+                </a:solidFill>
+                <a:latin typeface="Courier"/>
+              </a:rPr>
+              <a:t>set_config</a:t>
+            </a:r>
+            <a:r>
+              <a:rPr sz="1400" dirty="0">
+                <a:latin typeface="Courier"/>
+              </a:rPr>
+              <a:t>( </a:t>
+            </a:r>
+            <a:r>
+              <a:rPr sz="1400" b="1" dirty="0">
+                <a:solidFill>
+                  <a:srgbClr val="007020"/>
+                </a:solidFill>
+                <a:latin typeface="Courier"/>
+              </a:rPr>
+              <a:t>config</a:t>
+            </a:r>
+            <a:r>
+              <a:rPr sz="1400" dirty="0">
+                <a:latin typeface="Courier"/>
+              </a:rPr>
+              <a:t>( </a:t>
+            </a:r>
+            <a:r>
+              <a:rPr sz="1400" dirty="0" err="1">
+                <a:solidFill>
+                  <a:srgbClr val="902000"/>
+                </a:solidFill>
+                <a:latin typeface="Courier"/>
+              </a:rPr>
+              <a:t>ssl_verifypeer</a:t>
+            </a:r>
+            <a:r>
+              <a:rPr sz="1400" dirty="0">
+                <a:solidFill>
+                  <a:srgbClr val="902000"/>
+                </a:solidFill>
+                <a:latin typeface="Courier"/>
+              </a:rPr>
+              <a:t> =</a:t>
+            </a:r>
+            <a:r>
+              <a:rPr sz="1400" dirty="0">
+                <a:latin typeface="Courier"/>
+              </a:rPr>
+              <a:t> 0L ) ) </a:t>
+            </a:r>
+            <a:r>
+              <a:rPr sz="1400" i="1" dirty="0">
+                <a:solidFill>
+                  <a:srgbClr val="60A0B0"/>
+                </a:solidFill>
+                <a:latin typeface="Courier"/>
+              </a:rPr>
+              <a:t>#fixes issue with CURL and Micron Proxy</a:t>
             </a:r>
           </a:p>
         </p:txBody>
       </p:sp>
     </p:spTree>
   </p:cSld>
+  <p:clrMapOvr>
+    <a:masterClrMapping/>
+  </p:clrMapOvr>
 </p:sld>
 </file>
 
@@ -3440,343 +4194,553 @@
           <a:bodyPr/>
           <a:lstStyle/>
           <a:p>
-            <a:pPr lvl="0" marL="0" indent="0">
+            <a:pPr marL="0" lvl="0" indent="0">
               <a:buNone/>
             </a:pPr>
             <a:r>
-              <a:rPr/>
-              <a:t>Setup</a:t>
-            </a:r>
-            <a:r>
-              <a:rPr/>
+              <a:rPr dirty="0"/>
+              <a:t>Getting GDP Data</a:t>
+            </a:r>
+          </a:p>
+        </p:txBody>
+      </p:sp>
+      <p:sp>
+        <p:nvSpPr>
+          <p:cNvPr id="3" name="Content Placeholder 2"/>
+          <p:cNvSpPr>
+            <a:spLocks noGrp="1"/>
+          </p:cNvSpPr>
+          <p:nvPr>
+            <p:ph idx="1"/>
+          </p:nvPr>
+        </p:nvSpPr>
+        <p:spPr/>
+        <p:txBody>
+          <a:bodyPr>
+            <a:noAutofit/>
+          </a:bodyPr>
+          <a:lstStyle/>
+          <a:p>
+            <a:pPr marL="0" lvl="0" indent="0">
+              <a:buNone/>
+            </a:pPr>
+            <a:r>
+              <a:rPr sz="1200" dirty="0">
+                <a:latin typeface="Courier"/>
+              </a:rPr>
+              <a:t>### GDP Data </a:t>
+            </a:r>
+            <a:r>
+              <a:rPr sz="1200" b="1" dirty="0">
+                <a:solidFill>
+                  <a:srgbClr val="FF0000"/>
+                </a:solidFill>
+                <a:latin typeface="Courier"/>
+              </a:rPr>
+              <a:t>###</a:t>
+            </a:r>
+            <a:br>
+              <a:rPr sz="1200" dirty="0"/>
+            </a:br>
+            <a:br>
+              <a:rPr sz="1200" dirty="0"/>
+            </a:br>
+            <a:r>
+              <a:rPr sz="1200" i="1" dirty="0">
+                <a:solidFill>
+                  <a:srgbClr val="60A0B0"/>
+                </a:solidFill>
+                <a:latin typeface="Courier"/>
+              </a:rPr>
+              <a:t># Get GDP Data from </a:t>
+            </a:r>
+            <a:r>
+              <a:rPr sz="1200" i="1" dirty="0" err="1">
+                <a:solidFill>
+                  <a:srgbClr val="60A0B0"/>
+                </a:solidFill>
+                <a:latin typeface="Courier"/>
+              </a:rPr>
+              <a:t>Quandl</a:t>
+            </a:r>
+            <a:br>
+              <a:rPr sz="1200" dirty="0"/>
+            </a:br>
+            <a:r>
+              <a:rPr sz="1200" dirty="0">
+                <a:latin typeface="Courier"/>
+              </a:rPr>
+              <a:t>GDP =</a:t>
+            </a:r>
+            <a:r>
+              <a:rPr sz="1200" dirty="0">
+                <a:solidFill>
+                  <a:srgbClr val="4070A0"/>
+                </a:solidFill>
+                <a:latin typeface="Courier"/>
+              </a:rPr>
               <a:t> </a:t>
             </a:r>
             <a:r>
-              <a:rPr/>
-              <a:t>Connection</a:t>
-            </a:r>
-          </a:p>
-        </p:txBody>
-      </p:sp>
-      <p:sp>
-        <p:nvSpPr>
-          <p:cNvPr id="3" name="Content Placeholder 2"/>
-          <p:cNvSpPr>
-            <a:spLocks noGrp="1"/>
-          </p:cNvSpPr>
-          <p:nvPr>
-            <p:ph idx="1"/>
-          </p:nvPr>
-        </p:nvSpPr>
-        <p:spPr/>
-        <p:txBody>
-          <a:bodyPr/>
-          <a:lstStyle/>
-          <a:p>
-            <a:pPr lvl="0" marL="1270000" indent="0">
+              <a:rPr sz="1200" b="1" dirty="0" err="1">
+                <a:solidFill>
+                  <a:srgbClr val="007020"/>
+                </a:solidFill>
+                <a:latin typeface="Courier"/>
+              </a:rPr>
+              <a:t>data.table</a:t>
+            </a:r>
+            <a:r>
+              <a:rPr sz="1200" dirty="0">
+                <a:latin typeface="Courier"/>
+              </a:rPr>
+              <a:t>(</a:t>
+            </a:r>
+            <a:r>
+              <a:rPr sz="1200" b="1" dirty="0" err="1">
+                <a:solidFill>
+                  <a:srgbClr val="007020"/>
+                </a:solidFill>
+                <a:latin typeface="Courier"/>
+              </a:rPr>
+              <a:t>Quandl</a:t>
+            </a:r>
+            <a:r>
+              <a:rPr sz="1200" dirty="0">
+                <a:latin typeface="Courier"/>
+              </a:rPr>
+              <a:t>(</a:t>
+            </a:r>
+            <a:r>
+              <a:rPr sz="1200" dirty="0">
+                <a:solidFill>
+                  <a:srgbClr val="4070A0"/>
+                </a:solidFill>
+                <a:latin typeface="Courier"/>
+              </a:rPr>
+              <a:t>"FRED/GDP"</a:t>
+            </a:r>
+            <a:r>
+              <a:rPr sz="1200" dirty="0">
+                <a:latin typeface="Courier"/>
+              </a:rPr>
+              <a:t>,</a:t>
+            </a:r>
+            <a:r>
+              <a:rPr sz="1200" dirty="0" err="1">
+                <a:solidFill>
+                  <a:srgbClr val="902000"/>
+                </a:solidFill>
+                <a:latin typeface="Courier"/>
+              </a:rPr>
+              <a:t>start_date</a:t>
+            </a:r>
+            <a:r>
+              <a:rPr sz="1200" dirty="0">
+                <a:solidFill>
+                  <a:srgbClr val="902000"/>
+                </a:solidFill>
+                <a:latin typeface="Courier"/>
+              </a:rPr>
+              <a:t> =</a:t>
+            </a:r>
+            <a:r>
+              <a:rPr sz="1200" dirty="0">
+                <a:latin typeface="Courier"/>
+              </a:rPr>
+              <a:t> </a:t>
+            </a:r>
+            <a:r>
+              <a:rPr sz="1200" dirty="0" err="1">
+                <a:latin typeface="Courier"/>
+              </a:rPr>
+              <a:t>startDate</a:t>
+            </a:r>
+            <a:r>
+              <a:rPr sz="1200" dirty="0">
+                <a:latin typeface="Courier"/>
+              </a:rPr>
+              <a:t>))</a:t>
+            </a:r>
+            <a:br>
+              <a:rPr sz="1200" dirty="0"/>
+            </a:br>
+            <a:br>
+              <a:rPr sz="1200" dirty="0"/>
+            </a:br>
+            <a:r>
+              <a:rPr sz="1200" i="1" dirty="0">
+                <a:solidFill>
+                  <a:srgbClr val="60A0B0"/>
+                </a:solidFill>
+                <a:latin typeface="Courier"/>
+              </a:rPr>
+              <a:t># Select Columns</a:t>
+            </a:r>
+            <a:br>
+              <a:rPr sz="1200" dirty="0"/>
+            </a:br>
+            <a:r>
+              <a:rPr sz="1200" dirty="0">
+                <a:latin typeface="Courier"/>
+              </a:rPr>
+              <a:t>GDP=GDP[,.(</a:t>
+            </a:r>
+            <a:r>
+              <a:rPr sz="1200" dirty="0" err="1">
+                <a:latin typeface="Courier"/>
+              </a:rPr>
+              <a:t>Date,</a:t>
+            </a:r>
+            <a:r>
+              <a:rPr sz="1200" dirty="0" err="1">
+                <a:solidFill>
+                  <a:srgbClr val="902000"/>
+                </a:solidFill>
+                <a:latin typeface="Courier"/>
+              </a:rPr>
+              <a:t>GDP</a:t>
+            </a:r>
+            <a:r>
+              <a:rPr sz="1200" dirty="0">
+                <a:solidFill>
+                  <a:srgbClr val="902000"/>
+                </a:solidFill>
+                <a:latin typeface="Courier"/>
+              </a:rPr>
+              <a:t> =</a:t>
+            </a:r>
+            <a:r>
+              <a:rPr sz="1200" dirty="0">
+                <a:latin typeface="Courier"/>
+              </a:rPr>
+              <a:t> Value)][</a:t>
+            </a:r>
+            <a:r>
+              <a:rPr sz="1200" b="1" dirty="0">
+                <a:solidFill>
+                  <a:srgbClr val="007020"/>
+                </a:solidFill>
+                <a:latin typeface="Courier"/>
+              </a:rPr>
+              <a:t>order</a:t>
+            </a:r>
+            <a:r>
+              <a:rPr sz="1200" dirty="0">
+                <a:latin typeface="Courier"/>
+              </a:rPr>
+              <a:t>(Date)]</a:t>
+            </a:r>
+            <a:br>
+              <a:rPr sz="1200" dirty="0"/>
+            </a:br>
+            <a:br>
+              <a:rPr sz="1200" dirty="0"/>
+            </a:br>
+            <a:r>
+              <a:rPr sz="1200" i="1" dirty="0">
+                <a:solidFill>
+                  <a:srgbClr val="60A0B0"/>
+                </a:solidFill>
+                <a:latin typeface="Courier"/>
+              </a:rPr>
+              <a:t># create all missing Dates</a:t>
+            </a:r>
+            <a:br>
+              <a:rPr sz="1200" dirty="0"/>
+            </a:br>
+            <a:r>
+              <a:rPr sz="1200" dirty="0">
+                <a:latin typeface="Courier"/>
+              </a:rPr>
+              <a:t>GDP=</a:t>
+            </a:r>
+            <a:r>
+              <a:rPr sz="1200" b="1" dirty="0">
+                <a:solidFill>
+                  <a:srgbClr val="007020"/>
+                </a:solidFill>
+                <a:latin typeface="Courier"/>
+              </a:rPr>
+              <a:t>merge</a:t>
+            </a:r>
+            <a:r>
+              <a:rPr sz="1200" dirty="0">
+                <a:latin typeface="Courier"/>
+              </a:rPr>
+              <a:t>(</a:t>
+            </a:r>
+            <a:r>
+              <a:rPr sz="1200" dirty="0" err="1">
+                <a:latin typeface="Courier"/>
+              </a:rPr>
+              <a:t>GDP,allDates,</a:t>
+            </a:r>
+            <a:r>
+              <a:rPr sz="1200" dirty="0" err="1">
+                <a:solidFill>
+                  <a:srgbClr val="902000"/>
+                </a:solidFill>
+                <a:latin typeface="Courier"/>
+              </a:rPr>
+              <a:t>by</a:t>
+            </a:r>
+            <a:r>
+              <a:rPr sz="1200" dirty="0">
+                <a:solidFill>
+                  <a:srgbClr val="902000"/>
+                </a:solidFill>
+                <a:latin typeface="Courier"/>
+              </a:rPr>
+              <a:t>=</a:t>
+            </a:r>
+            <a:r>
+              <a:rPr sz="1200" dirty="0">
+                <a:solidFill>
+                  <a:srgbClr val="4070A0"/>
+                </a:solidFill>
+                <a:latin typeface="Courier"/>
+              </a:rPr>
+              <a:t>'Date'</a:t>
+            </a:r>
+            <a:r>
+              <a:rPr sz="1200" dirty="0">
+                <a:latin typeface="Courier"/>
+              </a:rPr>
+              <a:t>,</a:t>
+            </a:r>
+            <a:r>
+              <a:rPr sz="1200" dirty="0" err="1">
+                <a:solidFill>
+                  <a:srgbClr val="902000"/>
+                </a:solidFill>
+                <a:latin typeface="Courier"/>
+              </a:rPr>
+              <a:t>all.y</a:t>
+            </a:r>
+            <a:r>
+              <a:rPr sz="1200" dirty="0">
+                <a:solidFill>
+                  <a:srgbClr val="902000"/>
+                </a:solidFill>
+                <a:latin typeface="Courier"/>
+              </a:rPr>
+              <a:t>=</a:t>
+            </a:r>
+            <a:r>
+              <a:rPr sz="1200" dirty="0">
+                <a:latin typeface="Courier"/>
+              </a:rPr>
+              <a:t>T)[</a:t>
+            </a:r>
+            <a:r>
+              <a:rPr sz="1200" b="1" dirty="0">
+                <a:solidFill>
+                  <a:srgbClr val="007020"/>
+                </a:solidFill>
+                <a:latin typeface="Courier"/>
+              </a:rPr>
+              <a:t>order</a:t>
+            </a:r>
+            <a:r>
+              <a:rPr sz="1200" dirty="0">
+                <a:latin typeface="Courier"/>
+              </a:rPr>
+              <a:t>(Date)]</a:t>
+            </a:r>
+            <a:br>
+              <a:rPr sz="1200" dirty="0"/>
+            </a:br>
+            <a:br>
+              <a:rPr sz="1200" dirty="0"/>
+            </a:br>
+            <a:r>
+              <a:rPr sz="1200" i="1" dirty="0">
+                <a:solidFill>
+                  <a:srgbClr val="60A0B0"/>
+                </a:solidFill>
+                <a:latin typeface="Courier"/>
+              </a:rPr>
+              <a:t># fill missing values</a:t>
+            </a:r>
+            <a:br>
+              <a:rPr sz="1200" dirty="0"/>
+            </a:br>
+            <a:r>
+              <a:rPr sz="1200" dirty="0">
+                <a:latin typeface="Courier"/>
+              </a:rPr>
+              <a:t>GDP[,GDP  </a:t>
+            </a:r>
+            <a:r>
+              <a:rPr sz="1200" dirty="0">
+                <a:solidFill>
+                  <a:srgbClr val="666666"/>
+                </a:solidFill>
+                <a:latin typeface="Courier"/>
+              </a:rPr>
+              <a:t>:</a:t>
+            </a:r>
+            <a:r>
+              <a:rPr sz="1200" b="1" dirty="0">
+                <a:solidFill>
+                  <a:srgbClr val="FF0000"/>
+                </a:solidFill>
+                <a:latin typeface="Courier"/>
+              </a:rPr>
+              <a:t>=</a:t>
+            </a:r>
+            <a:r>
+              <a:rPr sz="1200" dirty="0">
+                <a:solidFill>
+                  <a:srgbClr val="4070A0"/>
+                </a:solidFill>
+                <a:latin typeface="Courier"/>
+              </a:rPr>
+              <a:t> </a:t>
+            </a:r>
+            <a:r>
+              <a:rPr sz="1200" b="1" dirty="0" err="1">
+                <a:solidFill>
+                  <a:srgbClr val="007020"/>
+                </a:solidFill>
+                <a:latin typeface="Courier"/>
+              </a:rPr>
+              <a:t>na.locf</a:t>
+            </a:r>
+            <a:r>
+              <a:rPr sz="1200" dirty="0">
+                <a:latin typeface="Courier"/>
+              </a:rPr>
+              <a:t>(GDP ,</a:t>
+            </a:r>
+            <a:r>
+              <a:rPr sz="1200" dirty="0">
+                <a:solidFill>
+                  <a:srgbClr val="902000"/>
+                </a:solidFill>
+                <a:latin typeface="Courier"/>
+              </a:rPr>
+              <a:t>na.rm=</a:t>
+            </a:r>
+            <a:r>
+              <a:rPr sz="1200" dirty="0" err="1">
+                <a:latin typeface="Courier"/>
+              </a:rPr>
+              <a:t>F,</a:t>
+            </a:r>
+            <a:r>
+              <a:rPr sz="1200" dirty="0" err="1">
+                <a:solidFill>
+                  <a:srgbClr val="902000"/>
+                </a:solidFill>
+                <a:latin typeface="Courier"/>
+              </a:rPr>
+              <a:t>fromLast</a:t>
+            </a:r>
+            <a:r>
+              <a:rPr sz="1200" dirty="0">
+                <a:solidFill>
+                  <a:srgbClr val="902000"/>
+                </a:solidFill>
+                <a:latin typeface="Courier"/>
+              </a:rPr>
+              <a:t>=</a:t>
+            </a:r>
+            <a:r>
+              <a:rPr sz="1200" dirty="0" err="1">
+                <a:latin typeface="Courier"/>
+              </a:rPr>
+              <a:t>F,</a:t>
+            </a:r>
+            <a:r>
+              <a:rPr sz="1200" dirty="0" err="1">
+                <a:solidFill>
+                  <a:srgbClr val="902000"/>
+                </a:solidFill>
+                <a:latin typeface="Courier"/>
+              </a:rPr>
+              <a:t>rule</a:t>
+            </a:r>
+            <a:r>
+              <a:rPr sz="1200" dirty="0">
+                <a:solidFill>
+                  <a:srgbClr val="902000"/>
+                </a:solidFill>
+                <a:latin typeface="Courier"/>
+              </a:rPr>
+              <a:t>=</a:t>
+            </a:r>
+            <a:r>
+              <a:rPr sz="1200" dirty="0">
+                <a:solidFill>
+                  <a:srgbClr val="40A070"/>
+                </a:solidFill>
+                <a:latin typeface="Courier"/>
+              </a:rPr>
+              <a:t>1</a:t>
+            </a:r>
+            <a:r>
+              <a:rPr sz="1200" dirty="0">
+                <a:latin typeface="Courier"/>
+              </a:rPr>
+              <a:t>)] </a:t>
+            </a:r>
+            <a:r>
+              <a:rPr sz="1200" i="1" dirty="0">
+                <a:solidFill>
+                  <a:srgbClr val="60A0B0"/>
+                </a:solidFill>
+                <a:latin typeface="Courier"/>
+              </a:rPr>
+              <a:t>#rule=2 grabs the closest backwards or forward</a:t>
+            </a:r>
+            <a:br>
+              <a:rPr sz="1200" dirty="0"/>
+            </a:br>
+            <a:br>
+              <a:rPr sz="1200" dirty="0"/>
+            </a:br>
+            <a:r>
+              <a:rPr sz="1200" b="1" dirty="0">
+                <a:solidFill>
+                  <a:srgbClr val="007020"/>
+                </a:solidFill>
+                <a:latin typeface="Courier"/>
+              </a:rPr>
+              <a:t>head</a:t>
+            </a:r>
+            <a:r>
+              <a:rPr sz="1200" dirty="0">
+                <a:latin typeface="Courier"/>
+              </a:rPr>
+              <a:t>(GDP)</a:t>
+            </a:r>
+          </a:p>
+          <a:p>
+            <a:pPr marL="0" lvl="0" indent="0">
               <a:buNone/>
             </a:pPr>
             <a:r>
-              <a:rPr sz="1800">
-                <a:latin typeface="Courier"/>
-              </a:rPr>
-              <a:t>startDate=</a:t>
-            </a:r>
-            <a:r>
-              <a:rPr sz="1800" b="1">
-                <a:solidFill>
-                  <a:srgbClr val="007020"/>
-                </a:solidFill>
-                <a:latin typeface="Courier"/>
-              </a:rPr>
-              <a:t>as.Date</a:t>
-            </a:r>
-            <a:r>
-              <a:rPr sz="1800">
-                <a:latin typeface="Courier"/>
-              </a:rPr>
-              <a:t>(</a:t>
-            </a:r>
-            <a:r>
-              <a:rPr sz="1800">
-                <a:solidFill>
-                  <a:srgbClr val="4070A0"/>
-                </a:solidFill>
-                <a:latin typeface="Courier"/>
-              </a:rPr>
-              <a:t>'2018/01/01'</a:t>
-            </a:r>
-            <a:r>
-              <a:rPr sz="1800">
-                <a:latin typeface="Courier"/>
-              </a:rPr>
-              <a:t>)</a:t>
-            </a:r>
-            <a:br/>
-            <a:r>
-              <a:rPr sz="1800">
-                <a:latin typeface="Courier"/>
-              </a:rPr>
-              <a:t>allDates =</a:t>
-            </a:r>
-            <a:r>
-              <a:rPr sz="1800">
-                <a:solidFill>
-                  <a:srgbClr val="4070A0"/>
-                </a:solidFill>
-                <a:latin typeface="Courier"/>
-              </a:rPr>
-              <a:t> </a:t>
-            </a:r>
-            <a:r>
-              <a:rPr sz="1800" b="1">
-                <a:solidFill>
-                  <a:srgbClr val="007020"/>
-                </a:solidFill>
-                <a:latin typeface="Courier"/>
-              </a:rPr>
-              <a:t>data.table</a:t>
-            </a:r>
-            <a:r>
-              <a:rPr sz="1800">
-                <a:latin typeface="Courier"/>
-              </a:rPr>
-              <a:t>(</a:t>
-            </a:r>
-            <a:r>
-              <a:rPr sz="1800">
-                <a:solidFill>
-                  <a:srgbClr val="902000"/>
-                </a:solidFill>
-                <a:latin typeface="Courier"/>
-              </a:rPr>
-              <a:t>Date=</a:t>
-            </a:r>
-            <a:r>
-              <a:rPr sz="1800" b="1">
-                <a:solidFill>
-                  <a:srgbClr val="007020"/>
-                </a:solidFill>
-                <a:latin typeface="Courier"/>
-              </a:rPr>
-              <a:t>seq</a:t>
-            </a:r>
-            <a:r>
-              <a:rPr sz="1800">
-                <a:latin typeface="Courier"/>
-              </a:rPr>
-              <a:t>(</a:t>
-            </a:r>
-            <a:r>
-              <a:rPr sz="1800">
-                <a:solidFill>
-                  <a:srgbClr val="902000"/>
-                </a:solidFill>
-                <a:latin typeface="Courier"/>
-              </a:rPr>
-              <a:t>from=</a:t>
-            </a:r>
-            <a:r>
-              <a:rPr sz="1800">
-                <a:latin typeface="Courier"/>
-              </a:rPr>
-              <a:t>startDate,</a:t>
-            </a:r>
-            <a:r>
-              <a:rPr sz="1800">
-                <a:solidFill>
-                  <a:srgbClr val="902000"/>
-                </a:solidFill>
-                <a:latin typeface="Courier"/>
-              </a:rPr>
-              <a:t>to=</a:t>
-            </a:r>
-            <a:r>
-              <a:rPr sz="1800" b="1">
-                <a:solidFill>
-                  <a:srgbClr val="007020"/>
-                </a:solidFill>
-                <a:latin typeface="Courier"/>
-              </a:rPr>
-              <a:t>Sys.Date</a:t>
-            </a:r>
-            <a:r>
-              <a:rPr sz="1800">
-                <a:latin typeface="Courier"/>
-              </a:rPr>
-              <a:t>(),</a:t>
-            </a:r>
-            <a:r>
-              <a:rPr sz="1800">
-                <a:solidFill>
-                  <a:srgbClr val="902000"/>
-                </a:solidFill>
-                <a:latin typeface="Courier"/>
-              </a:rPr>
-              <a:t>by=</a:t>
-            </a:r>
-            <a:r>
-              <a:rPr sz="1800">
-                <a:solidFill>
-                  <a:srgbClr val="40A070"/>
-                </a:solidFill>
-                <a:latin typeface="Courier"/>
-              </a:rPr>
-              <a:t>1</a:t>
-            </a:r>
-            <a:r>
-              <a:rPr sz="1800">
-                <a:latin typeface="Courier"/>
-              </a:rPr>
-              <a:t>))</a:t>
-            </a:r>
-            <a:br/>
-            <a:br/>
-            <a:r>
-              <a:rPr sz="1800" i="1">
-                <a:solidFill>
-                  <a:srgbClr val="60A0B0"/>
-                </a:solidFill>
-                <a:latin typeface="Courier"/>
-              </a:rPr>
-              <a:t>#setting up QUANDL to download load economic indicato</a:t>
-            </a:r>
-            <a:br/>
-            <a:r>
-              <a:rPr sz="1800" i="1">
-                <a:solidFill>
-                  <a:srgbClr val="60A0B0"/>
-                </a:solidFill>
-                <a:latin typeface="Courier"/>
-              </a:rPr>
-              <a:t>#https://www.quandl.com/searchr</a:t>
-            </a:r>
-            <a:br/>
-            <a:r>
-              <a:rPr sz="1800" b="1">
-                <a:solidFill>
-                  <a:srgbClr val="007020"/>
-                </a:solidFill>
-                <a:latin typeface="Courier"/>
-              </a:rPr>
-              <a:t>Quandl.api_key</a:t>
-            </a:r>
-            <a:r>
-              <a:rPr sz="1800">
-                <a:latin typeface="Courier"/>
-              </a:rPr>
-              <a:t>(</a:t>
-            </a:r>
-            <a:r>
-              <a:rPr sz="1800">
-                <a:solidFill>
-                  <a:srgbClr val="4070A0"/>
-                </a:solidFill>
-                <a:latin typeface="Courier"/>
-              </a:rPr>
-              <a:t>'9d_xURs_x6eAjTwbszrb'</a:t>
-            </a:r>
-            <a:r>
-              <a:rPr sz="1800">
-                <a:latin typeface="Courier"/>
-              </a:rPr>
-              <a:t>) </a:t>
-            </a:r>
-            <a:r>
-              <a:rPr sz="1800" i="1">
-                <a:solidFill>
-                  <a:srgbClr val="60A0B0"/>
-                </a:solidFill>
-                <a:latin typeface="Courier"/>
-              </a:rPr>
-              <a:t>#Max's API key</a:t>
-            </a:r>
-            <a:br/>
-            <a:br/>
-            <a:r>
-              <a:rPr sz="1800" i="1">
-                <a:solidFill>
-                  <a:srgbClr val="60A0B0"/>
-                </a:solidFill>
-                <a:latin typeface="Courier"/>
-              </a:rPr>
-              <a:t>#set_config(use_proxy(url="http://proxy.micron.com",port=8080))  # setup proxy</a:t>
-            </a:r>
-            <a:br/>
-            <a:r>
-              <a:rPr sz="1800">
-                <a:latin typeface="Courier"/>
-              </a:rPr>
-              <a:t>httr</a:t>
-            </a:r>
-            <a:r>
-              <a:rPr sz="1800">
-                <a:solidFill>
-                  <a:srgbClr val="666666"/>
-                </a:solidFill>
-                <a:latin typeface="Courier"/>
-              </a:rPr>
-              <a:t>::</a:t>
-            </a:r>
-            <a:r>
-              <a:rPr sz="1800" b="1">
-                <a:solidFill>
-                  <a:srgbClr val="007020"/>
-                </a:solidFill>
-                <a:latin typeface="Courier"/>
-              </a:rPr>
-              <a:t>set_config</a:t>
-            </a:r>
-            <a:r>
-              <a:rPr sz="1800">
-                <a:latin typeface="Courier"/>
-              </a:rPr>
-              <a:t>( </a:t>
-            </a:r>
-            <a:r>
-              <a:rPr sz="1800" b="1">
-                <a:solidFill>
-                  <a:srgbClr val="007020"/>
-                </a:solidFill>
-                <a:latin typeface="Courier"/>
-              </a:rPr>
-              <a:t>config</a:t>
-            </a:r>
-            <a:r>
-              <a:rPr sz="1800">
-                <a:latin typeface="Courier"/>
-              </a:rPr>
-              <a:t>( </a:t>
-            </a:r>
-            <a:r>
-              <a:rPr sz="1800">
-                <a:solidFill>
-                  <a:srgbClr val="902000"/>
-                </a:solidFill>
-                <a:latin typeface="Courier"/>
-              </a:rPr>
-              <a:t>ssl_verifypeer =</a:t>
-            </a:r>
-            <a:r>
-              <a:rPr sz="1800">
-                <a:latin typeface="Courier"/>
-              </a:rPr>
-              <a:t> 0L ) ) </a:t>
-            </a:r>
-            <a:r>
-              <a:rPr sz="1800" i="1">
-                <a:solidFill>
-                  <a:srgbClr val="60A0B0"/>
-                </a:solidFill>
-                <a:latin typeface="Courier"/>
-              </a:rPr>
-              <a:t>#fixes issue with CURL and Micron Proxy</a:t>
+              <a:rPr sz="1200" dirty="0">
+                <a:latin typeface="Courier"/>
+              </a:rPr>
+              <a:t>##          Date      GDP
+## 1: 2018-01-01 20041.05
+## 2: 2018-01-02 20041.05
+## 3: 2018-01-03 20041.05
+## 4: 2018-01-04 20041.05
+## 5: 2018-01-05 20041.05
+## 6: 2018-01-06 20041.05</a:t>
             </a:r>
           </a:p>
         </p:txBody>
       </p:sp>
     </p:spTree>
   </p:cSld>
+  <p:clrMapOvr>
+    <a:masterClrMapping/>
+  </p:clrMapOvr>
 </p:sld>
 </file>
 
@@ -3807,63 +4771,801 @@
             <p:ph type="title"/>
           </p:nvPr>
         </p:nvSpPr>
-        <p:spPr/>
-        <p:txBody>
-          <a:bodyPr/>
+        <p:spPr>
+          <a:xfrm>
+            <a:off x="54244" y="274638"/>
+            <a:ext cx="8942522" cy="1143000"/>
+          </a:xfrm>
+        </p:spPr>
+        <p:txBody>
+          <a:bodyPr>
+            <a:normAutofit fontScale="90000"/>
+          </a:bodyPr>
           <a:lstStyle/>
           <a:p>
-            <a:pPr lvl="0" marL="0" indent="0">
+            <a:pPr marL="0" lvl="0" indent="0">
               <a:buNone/>
             </a:pPr>
             <a:r>
-              <a:rPr/>
-              <a:t>Getting</a:t>
-            </a:r>
-            <a:r>
-              <a:rPr/>
+              <a:rPr dirty="0"/>
+              <a:t>Getting Unemployment</a:t>
+            </a:r>
+            <a:r>
+              <a:rPr lang="en-US" dirty="0"/>
+              <a:t> and NASDAQ</a:t>
+            </a:r>
+            <a:r>
+              <a:rPr dirty="0"/>
+              <a:t> Data</a:t>
+            </a:r>
+          </a:p>
+        </p:txBody>
+      </p:sp>
+      <p:sp>
+        <p:nvSpPr>
+          <p:cNvPr id="3" name="Content Placeholder 2"/>
+          <p:cNvSpPr>
+            <a:spLocks noGrp="1"/>
+          </p:cNvSpPr>
+          <p:nvPr>
+            <p:ph idx="1"/>
+          </p:nvPr>
+        </p:nvSpPr>
+        <p:spPr>
+          <a:xfrm>
+            <a:off x="201478" y="1600200"/>
+            <a:ext cx="3750590" cy="4525963"/>
+          </a:xfrm>
+        </p:spPr>
+        <p:txBody>
+          <a:bodyPr>
+            <a:normAutofit/>
+          </a:bodyPr>
+          <a:lstStyle/>
+          <a:p>
+            <a:pPr marL="0" lvl="0" indent="0">
+              <a:buNone/>
+            </a:pPr>
+            <a:r>
+              <a:rPr sz="1100" dirty="0">
+                <a:latin typeface="Courier"/>
+              </a:rPr>
+              <a:t>### Unemployment </a:t>
+            </a:r>
+            <a:r>
+              <a:rPr sz="1100" b="1" dirty="0">
+                <a:solidFill>
+                  <a:srgbClr val="FF0000"/>
+                </a:solidFill>
+                <a:latin typeface="Courier"/>
+              </a:rPr>
+              <a:t>###</a:t>
+            </a:r>
+            <a:br>
+              <a:rPr sz="1100" dirty="0"/>
+            </a:br>
+            <a:r>
+              <a:rPr sz="1100" i="1" dirty="0">
+                <a:solidFill>
+                  <a:srgbClr val="60A0B0"/>
+                </a:solidFill>
+                <a:latin typeface="Courier"/>
+              </a:rPr>
+              <a:t># get data</a:t>
+            </a:r>
+            <a:br>
+              <a:rPr sz="1100" dirty="0"/>
+            </a:br>
+            <a:r>
+              <a:rPr sz="1100" dirty="0" err="1">
+                <a:latin typeface="Courier"/>
+              </a:rPr>
+              <a:t>Unemp</a:t>
+            </a:r>
+            <a:r>
+              <a:rPr sz="1100" dirty="0">
+                <a:latin typeface="Courier"/>
+              </a:rPr>
+              <a:t> =</a:t>
+            </a:r>
+            <a:r>
+              <a:rPr sz="1100" dirty="0">
+                <a:solidFill>
+                  <a:srgbClr val="4070A0"/>
+                </a:solidFill>
+                <a:latin typeface="Courier"/>
+              </a:rPr>
               <a:t> </a:t>
             </a:r>
             <a:r>
-              <a:rPr/>
-              <a:t>GDP</a:t>
-            </a:r>
-            <a:r>
-              <a:rPr/>
+              <a:rPr sz="1100" b="1" dirty="0" err="1">
+                <a:solidFill>
+                  <a:srgbClr val="007020"/>
+                </a:solidFill>
+                <a:latin typeface="Courier"/>
+              </a:rPr>
+              <a:t>data.table</a:t>
+            </a:r>
+            <a:r>
+              <a:rPr sz="1100" dirty="0">
+                <a:latin typeface="Courier"/>
+              </a:rPr>
+              <a:t>(</a:t>
+            </a:r>
+            <a:r>
+              <a:rPr sz="1100" b="1" dirty="0" err="1">
+                <a:solidFill>
+                  <a:srgbClr val="007020"/>
+                </a:solidFill>
+                <a:latin typeface="Courier"/>
+              </a:rPr>
+              <a:t>Quandl</a:t>
+            </a:r>
+            <a:r>
+              <a:rPr sz="1100" dirty="0">
+                <a:latin typeface="Courier"/>
+              </a:rPr>
+              <a:t>(</a:t>
+            </a:r>
+            <a:r>
+              <a:rPr sz="1100" dirty="0">
+                <a:solidFill>
+                  <a:srgbClr val="4070A0"/>
+                </a:solidFill>
+                <a:latin typeface="Courier"/>
+              </a:rPr>
+              <a:t>"FRED/UNRATE"</a:t>
+            </a:r>
+            <a:r>
+              <a:rPr sz="1100" dirty="0">
+                <a:latin typeface="Courier"/>
+              </a:rPr>
+              <a:t>,</a:t>
+            </a:r>
+            <a:r>
+              <a:rPr sz="1100" dirty="0" err="1">
+                <a:solidFill>
+                  <a:srgbClr val="902000"/>
+                </a:solidFill>
+                <a:latin typeface="Courier"/>
+              </a:rPr>
+              <a:t>start_date</a:t>
+            </a:r>
+            <a:r>
+              <a:rPr sz="1100" dirty="0">
+                <a:solidFill>
+                  <a:srgbClr val="902000"/>
+                </a:solidFill>
+                <a:latin typeface="Courier"/>
+              </a:rPr>
+              <a:t> =</a:t>
+            </a:r>
+            <a:r>
+              <a:rPr sz="1100" dirty="0">
+                <a:latin typeface="Courier"/>
+              </a:rPr>
               <a:t> </a:t>
             </a:r>
             <a:r>
-              <a:rPr/>
-              <a:t>Data</a:t>
-            </a:r>
-          </a:p>
-        </p:txBody>
-      </p:sp>
-      <p:sp>
-        <p:nvSpPr>
-          <p:cNvPr id="3" name="Content Placeholder 2"/>
-          <p:cNvSpPr>
-            <a:spLocks noGrp="1"/>
-          </p:cNvSpPr>
-          <p:nvPr>
-            <p:ph idx="1"/>
-          </p:nvPr>
-        </p:nvSpPr>
-        <p:spPr/>
-        <p:txBody>
-          <a:bodyPr/>
-          <a:lstStyle/>
-          <a:p>
-            <a:pPr lvl="0" marL="1270000" indent="0">
+              <a:rPr sz="1100" dirty="0" err="1">
+                <a:latin typeface="Courier"/>
+              </a:rPr>
+              <a:t>startDate</a:t>
+            </a:r>
+            <a:r>
+              <a:rPr sz="1100" dirty="0">
+                <a:latin typeface="Courier"/>
+              </a:rPr>
+              <a:t>))</a:t>
+            </a:r>
+            <a:br>
+              <a:rPr sz="1100" dirty="0"/>
+            </a:br>
+            <a:r>
+              <a:rPr sz="1100" i="1" dirty="0">
+                <a:solidFill>
+                  <a:srgbClr val="60A0B0"/>
+                </a:solidFill>
+                <a:latin typeface="Courier"/>
+              </a:rPr>
+              <a:t># select columns</a:t>
+            </a:r>
+            <a:br>
+              <a:rPr sz="1100" dirty="0"/>
+            </a:br>
+            <a:r>
+              <a:rPr sz="1100" dirty="0" err="1">
+                <a:latin typeface="Courier"/>
+              </a:rPr>
+              <a:t>Unemp</a:t>
+            </a:r>
+            <a:r>
+              <a:rPr sz="1100" dirty="0">
+                <a:latin typeface="Courier"/>
+              </a:rPr>
+              <a:t>=</a:t>
+            </a:r>
+            <a:r>
+              <a:rPr sz="1100" dirty="0" err="1">
+                <a:latin typeface="Courier"/>
+              </a:rPr>
+              <a:t>Unemp</a:t>
+            </a:r>
+            <a:r>
+              <a:rPr sz="1100" dirty="0">
+                <a:latin typeface="Courier"/>
+              </a:rPr>
+              <a:t>[,.(</a:t>
+            </a:r>
+            <a:r>
+              <a:rPr sz="1100" dirty="0" err="1">
+                <a:latin typeface="Courier"/>
+              </a:rPr>
+              <a:t>Date,</a:t>
+            </a:r>
+            <a:r>
+              <a:rPr sz="1100" dirty="0" err="1">
+                <a:solidFill>
+                  <a:srgbClr val="902000"/>
+                </a:solidFill>
+                <a:latin typeface="Courier"/>
+              </a:rPr>
+              <a:t>Unemp</a:t>
+            </a:r>
+            <a:r>
+              <a:rPr sz="1100" dirty="0">
+                <a:solidFill>
+                  <a:srgbClr val="902000"/>
+                </a:solidFill>
+                <a:latin typeface="Courier"/>
+              </a:rPr>
+              <a:t> =</a:t>
+            </a:r>
+            <a:r>
+              <a:rPr sz="1100" dirty="0">
+                <a:latin typeface="Courier"/>
+              </a:rPr>
+              <a:t> Value)]</a:t>
+            </a:r>
+            <a:br>
+              <a:rPr sz="1100" dirty="0"/>
+            </a:br>
+            <a:r>
+              <a:rPr sz="1100" i="1" dirty="0">
+                <a:solidFill>
+                  <a:srgbClr val="60A0B0"/>
+                </a:solidFill>
+                <a:latin typeface="Courier"/>
+              </a:rPr>
+              <a:t># create all missing dates</a:t>
+            </a:r>
+            <a:br>
+              <a:rPr sz="1100" dirty="0"/>
+            </a:br>
+            <a:r>
+              <a:rPr sz="1100" dirty="0" err="1">
+                <a:latin typeface="Courier"/>
+              </a:rPr>
+              <a:t>Unemp</a:t>
+            </a:r>
+            <a:r>
+              <a:rPr sz="1100" dirty="0">
+                <a:latin typeface="Courier"/>
+              </a:rPr>
+              <a:t>=</a:t>
+            </a:r>
+            <a:r>
+              <a:rPr sz="1100" b="1" dirty="0">
+                <a:solidFill>
+                  <a:srgbClr val="007020"/>
+                </a:solidFill>
+                <a:latin typeface="Courier"/>
+              </a:rPr>
+              <a:t>merge</a:t>
+            </a:r>
+            <a:r>
+              <a:rPr sz="1100" dirty="0">
+                <a:latin typeface="Courier"/>
+              </a:rPr>
+              <a:t>(</a:t>
+            </a:r>
+            <a:r>
+              <a:rPr sz="1100" dirty="0" err="1">
+                <a:latin typeface="Courier"/>
+              </a:rPr>
+              <a:t>Unemp,allDates,</a:t>
+            </a:r>
+            <a:r>
+              <a:rPr sz="1100" dirty="0" err="1">
+                <a:solidFill>
+                  <a:srgbClr val="902000"/>
+                </a:solidFill>
+                <a:latin typeface="Courier"/>
+              </a:rPr>
+              <a:t>by</a:t>
+            </a:r>
+            <a:r>
+              <a:rPr sz="1100" dirty="0">
+                <a:solidFill>
+                  <a:srgbClr val="902000"/>
+                </a:solidFill>
+                <a:latin typeface="Courier"/>
+              </a:rPr>
+              <a:t>=</a:t>
+            </a:r>
+            <a:r>
+              <a:rPr sz="1100" dirty="0">
+                <a:solidFill>
+                  <a:srgbClr val="4070A0"/>
+                </a:solidFill>
+                <a:latin typeface="Courier"/>
+              </a:rPr>
+              <a:t>'Date'</a:t>
+            </a:r>
+            <a:r>
+              <a:rPr sz="1100" dirty="0">
+                <a:latin typeface="Courier"/>
+              </a:rPr>
+              <a:t>,</a:t>
+            </a:r>
+            <a:r>
+              <a:rPr sz="1100" dirty="0" err="1">
+                <a:solidFill>
+                  <a:srgbClr val="902000"/>
+                </a:solidFill>
+                <a:latin typeface="Courier"/>
+              </a:rPr>
+              <a:t>all.y</a:t>
+            </a:r>
+            <a:r>
+              <a:rPr sz="1100" dirty="0">
+                <a:solidFill>
+                  <a:srgbClr val="902000"/>
+                </a:solidFill>
+                <a:latin typeface="Courier"/>
+              </a:rPr>
+              <a:t>=</a:t>
+            </a:r>
+            <a:r>
+              <a:rPr sz="1100" dirty="0">
+                <a:latin typeface="Courier"/>
+              </a:rPr>
+              <a:t>T)[</a:t>
+            </a:r>
+            <a:r>
+              <a:rPr sz="1100" b="1" dirty="0">
+                <a:solidFill>
+                  <a:srgbClr val="007020"/>
+                </a:solidFill>
+                <a:latin typeface="Courier"/>
+              </a:rPr>
+              <a:t>order</a:t>
+            </a:r>
+            <a:r>
+              <a:rPr sz="1100" dirty="0">
+                <a:latin typeface="Courier"/>
+              </a:rPr>
+              <a:t>(Date)]</a:t>
+            </a:r>
+            <a:br>
+              <a:rPr sz="1100" dirty="0"/>
+            </a:br>
+            <a:br>
+              <a:rPr sz="1100" dirty="0"/>
+            </a:br>
+            <a:r>
+              <a:rPr sz="1100" i="1" dirty="0">
+                <a:solidFill>
+                  <a:srgbClr val="60A0B0"/>
+                </a:solidFill>
+                <a:latin typeface="Courier"/>
+              </a:rPr>
+              <a:t># fill missing values</a:t>
+            </a:r>
+            <a:br>
+              <a:rPr sz="1100" dirty="0"/>
+            </a:br>
+            <a:r>
+              <a:rPr sz="1100" dirty="0" err="1">
+                <a:latin typeface="Courier"/>
+              </a:rPr>
+              <a:t>Unemp</a:t>
+            </a:r>
+            <a:r>
+              <a:rPr sz="1100" dirty="0">
+                <a:latin typeface="Courier"/>
+              </a:rPr>
+              <a:t>[,</a:t>
+            </a:r>
+            <a:r>
+              <a:rPr sz="1100" dirty="0" err="1">
+                <a:latin typeface="Courier"/>
+              </a:rPr>
+              <a:t>Unemp</a:t>
+            </a:r>
+            <a:r>
+              <a:rPr sz="1100" dirty="0">
+                <a:latin typeface="Courier"/>
+              </a:rPr>
+              <a:t>  </a:t>
+            </a:r>
+            <a:r>
+              <a:rPr sz="1100" dirty="0">
+                <a:solidFill>
+                  <a:srgbClr val="666666"/>
+                </a:solidFill>
+                <a:latin typeface="Courier"/>
+              </a:rPr>
+              <a:t>:</a:t>
+            </a:r>
+            <a:r>
+              <a:rPr sz="1100" b="1" dirty="0">
+                <a:solidFill>
+                  <a:srgbClr val="FF0000"/>
+                </a:solidFill>
+                <a:latin typeface="Courier"/>
+              </a:rPr>
+              <a:t>=</a:t>
+            </a:r>
+            <a:r>
+              <a:rPr sz="1100" dirty="0">
+                <a:solidFill>
+                  <a:srgbClr val="4070A0"/>
+                </a:solidFill>
+                <a:latin typeface="Courier"/>
+              </a:rPr>
+              <a:t> </a:t>
+            </a:r>
+            <a:r>
+              <a:rPr sz="1100" b="1" dirty="0" err="1">
+                <a:solidFill>
+                  <a:srgbClr val="007020"/>
+                </a:solidFill>
+                <a:latin typeface="Courier"/>
+              </a:rPr>
+              <a:t>na.locf</a:t>
+            </a:r>
+            <a:r>
+              <a:rPr sz="1100" dirty="0">
+                <a:latin typeface="Courier"/>
+              </a:rPr>
+              <a:t>(</a:t>
+            </a:r>
+            <a:r>
+              <a:rPr sz="1100" dirty="0" err="1">
+                <a:latin typeface="Courier"/>
+              </a:rPr>
+              <a:t>Unemp</a:t>
+            </a:r>
+            <a:r>
+              <a:rPr sz="1100" dirty="0">
+                <a:latin typeface="Courier"/>
+              </a:rPr>
+              <a:t> ,</a:t>
+            </a:r>
+            <a:r>
+              <a:rPr sz="1100" dirty="0">
+                <a:solidFill>
+                  <a:srgbClr val="902000"/>
+                </a:solidFill>
+                <a:latin typeface="Courier"/>
+              </a:rPr>
+              <a:t>na.rm=</a:t>
+            </a:r>
+            <a:r>
+              <a:rPr sz="1100" dirty="0" err="1">
+                <a:latin typeface="Courier"/>
+              </a:rPr>
+              <a:t>F,</a:t>
+            </a:r>
+            <a:r>
+              <a:rPr sz="1100" dirty="0" err="1">
+                <a:solidFill>
+                  <a:srgbClr val="902000"/>
+                </a:solidFill>
+                <a:latin typeface="Courier"/>
+              </a:rPr>
+              <a:t>fromLast</a:t>
+            </a:r>
+            <a:r>
+              <a:rPr sz="1100" dirty="0">
+                <a:solidFill>
+                  <a:srgbClr val="902000"/>
+                </a:solidFill>
+                <a:latin typeface="Courier"/>
+              </a:rPr>
+              <a:t>=</a:t>
+            </a:r>
+            <a:r>
+              <a:rPr sz="1100" dirty="0" err="1">
+                <a:latin typeface="Courier"/>
+              </a:rPr>
+              <a:t>F,</a:t>
+            </a:r>
+            <a:r>
+              <a:rPr sz="1100" dirty="0" err="1">
+                <a:solidFill>
+                  <a:srgbClr val="902000"/>
+                </a:solidFill>
+                <a:latin typeface="Courier"/>
+              </a:rPr>
+              <a:t>rule</a:t>
+            </a:r>
+            <a:r>
+              <a:rPr sz="1100" dirty="0">
+                <a:solidFill>
+                  <a:srgbClr val="902000"/>
+                </a:solidFill>
+                <a:latin typeface="Courier"/>
+              </a:rPr>
+              <a:t>=</a:t>
+            </a:r>
+            <a:r>
+              <a:rPr sz="1100" dirty="0">
+                <a:solidFill>
+                  <a:srgbClr val="40A070"/>
+                </a:solidFill>
+                <a:latin typeface="Courier"/>
+              </a:rPr>
+              <a:t>1</a:t>
+            </a:r>
+            <a:r>
+              <a:rPr sz="1100" dirty="0">
+                <a:latin typeface="Courier"/>
+              </a:rPr>
+              <a:t>)] </a:t>
+            </a:r>
+            <a:r>
+              <a:rPr sz="1100" i="1" dirty="0">
+                <a:solidFill>
+                  <a:srgbClr val="60A0B0"/>
+                </a:solidFill>
+                <a:latin typeface="Courier"/>
+              </a:rPr>
+              <a:t>#rule=2 grabs the closest backwards or forward</a:t>
+            </a:r>
+            <a:br>
+              <a:rPr sz="1100" dirty="0"/>
+            </a:br>
+            <a:br>
+              <a:rPr sz="1100" dirty="0"/>
+            </a:br>
+            <a:r>
+              <a:rPr sz="1100" b="1" dirty="0">
+                <a:solidFill>
+                  <a:srgbClr val="007020"/>
+                </a:solidFill>
+                <a:latin typeface="Courier"/>
+              </a:rPr>
+              <a:t>head</a:t>
+            </a:r>
+            <a:r>
+              <a:rPr sz="1100" dirty="0">
+                <a:latin typeface="Courier"/>
+              </a:rPr>
+              <a:t>(</a:t>
+            </a:r>
+            <a:r>
+              <a:rPr sz="1100" dirty="0" err="1">
+                <a:latin typeface="Courier"/>
+              </a:rPr>
+              <a:t>Unemp</a:t>
+            </a:r>
+            <a:r>
+              <a:rPr sz="1100" dirty="0">
+                <a:latin typeface="Courier"/>
+              </a:rPr>
+              <a:t>)</a:t>
+            </a:r>
+          </a:p>
+          <a:p>
+            <a:pPr marL="0" lvl="0" indent="0">
               <a:buNone/>
             </a:pPr>
             <a:r>
-              <a:rPr sz="1800">
-                <a:latin typeface="Courier"/>
-              </a:rPr>
-              <a:t>### GDP Data </a:t>
-            </a:r>
-            <a:r>
-              <a:rPr sz="1800" b="1">
+              <a:rPr sz="1100" dirty="0">
+                <a:latin typeface="Courier"/>
+              </a:rPr>
+              <a:t>##          Date </a:t>
+            </a:r>
+            <a:r>
+              <a:rPr sz="1100" dirty="0" err="1">
+                <a:latin typeface="Courier"/>
+              </a:rPr>
+              <a:t>Unemp</a:t>
+            </a:r>
+            <a:r>
+              <a:rPr sz="1100" dirty="0">
+                <a:latin typeface="Courier"/>
+              </a:rPr>
+              <a:t>
+## 1: 2018-01-01   4.1
+## 2: 2018-01-02   4.1
+## 3: 2018-01-03   4.1
+## 4: 2018-01-04   4.1
+## 5: 2018-01-05   4.1
+## 6: 2018-01-06   4.1</a:t>
+            </a:r>
+          </a:p>
+        </p:txBody>
+      </p:sp>
+      <p:sp>
+        <p:nvSpPr>
+          <p:cNvPr id="4" name="Content Placeholder 2">
+            <a:extLst>
+              <a:ext uri="{FF2B5EF4-FFF2-40B4-BE49-F238E27FC236}">
+                <a16:creationId xmlns:a16="http://schemas.microsoft.com/office/drawing/2014/main" id="{26463F45-91D1-4836-9682-9128FFA75635}"/>
+              </a:ext>
+            </a:extLst>
+          </p:cNvPr>
+          <p:cNvSpPr txBox="1">
+            <a:spLocks/>
+          </p:cNvSpPr>
+          <p:nvPr/>
+        </p:nvSpPr>
+        <p:spPr>
+          <a:xfrm>
+            <a:off x="4300780" y="1600200"/>
+            <a:ext cx="4765728" cy="4525963"/>
+          </a:xfrm>
+          <a:prstGeom prst="rect">
+            <a:avLst/>
+          </a:prstGeom>
+        </p:spPr>
+        <p:txBody>
+          <a:bodyPr vert="horz" lIns="91440" tIns="45720" rIns="91440" bIns="45720" rtlCol="0">
+            <a:normAutofit/>
+          </a:bodyPr>
+          <a:lstStyle>
+            <a:lvl1pPr marL="342900" indent="-342900" algn="l" defTabSz="457200" rtl="0" eaLnBrk="1" latinLnBrk="0" hangingPunct="1">
+              <a:spcBef>
+                <a:spcPct val="20000"/>
+              </a:spcBef>
+              <a:buFont typeface="Arial"/>
+              <a:buChar char="•"/>
+              <a:defRPr sz="3200" kern="1200">
+                <a:solidFill>
+                  <a:schemeClr val="tx1"/>
+                </a:solidFill>
+                <a:latin typeface="+mn-lt"/>
+                <a:ea typeface="+mn-ea"/>
+                <a:cs typeface="+mn-cs"/>
+              </a:defRPr>
+            </a:lvl1pPr>
+            <a:lvl2pPr marL="742950" indent="-285750" algn="l" defTabSz="457200" rtl="0" eaLnBrk="1" latinLnBrk="0" hangingPunct="1">
+              <a:spcBef>
+                <a:spcPct val="20000"/>
+              </a:spcBef>
+              <a:buFont typeface="Arial"/>
+              <a:buChar char="–"/>
+              <a:defRPr sz="2800" kern="1200">
+                <a:solidFill>
+                  <a:schemeClr val="tx1"/>
+                </a:solidFill>
+                <a:latin typeface="+mn-lt"/>
+                <a:ea typeface="+mn-ea"/>
+                <a:cs typeface="+mn-cs"/>
+              </a:defRPr>
+            </a:lvl2pPr>
+            <a:lvl3pPr marL="1143000" indent="-228600" algn="l" defTabSz="457200" rtl="0" eaLnBrk="1" latinLnBrk="0" hangingPunct="1">
+              <a:spcBef>
+                <a:spcPct val="20000"/>
+              </a:spcBef>
+              <a:buFont typeface="Arial"/>
+              <a:buChar char="•"/>
+              <a:defRPr sz="2400" kern="1200">
+                <a:solidFill>
+                  <a:schemeClr val="tx1"/>
+                </a:solidFill>
+                <a:latin typeface="+mn-lt"/>
+                <a:ea typeface="+mn-ea"/>
+                <a:cs typeface="+mn-cs"/>
+              </a:defRPr>
+            </a:lvl3pPr>
+            <a:lvl4pPr marL="1600200" indent="-228600" algn="l" defTabSz="457200" rtl="0" eaLnBrk="1" latinLnBrk="0" hangingPunct="1">
+              <a:spcBef>
+                <a:spcPct val="20000"/>
+              </a:spcBef>
+              <a:buFont typeface="Arial"/>
+              <a:buChar char="–"/>
+              <a:defRPr sz="2000" kern="1200">
+                <a:solidFill>
+                  <a:schemeClr val="tx1"/>
+                </a:solidFill>
+                <a:latin typeface="+mn-lt"/>
+                <a:ea typeface="+mn-ea"/>
+                <a:cs typeface="+mn-cs"/>
+              </a:defRPr>
+            </a:lvl4pPr>
+            <a:lvl5pPr marL="2057400" indent="-228600" algn="l" defTabSz="457200" rtl="0" eaLnBrk="1" latinLnBrk="0" hangingPunct="1">
+              <a:spcBef>
+                <a:spcPct val="20000"/>
+              </a:spcBef>
+              <a:buFont typeface="Arial"/>
+              <a:buChar char="»"/>
+              <a:defRPr sz="2000" kern="1200">
+                <a:solidFill>
+                  <a:schemeClr val="tx1"/>
+                </a:solidFill>
+                <a:latin typeface="+mn-lt"/>
+                <a:ea typeface="+mn-ea"/>
+                <a:cs typeface="+mn-cs"/>
+              </a:defRPr>
+            </a:lvl5pPr>
+            <a:lvl6pPr marL="2514600" indent="-228600" algn="l" defTabSz="457200" rtl="0" eaLnBrk="1" latinLnBrk="0" hangingPunct="1">
+              <a:spcBef>
+                <a:spcPct val="20000"/>
+              </a:spcBef>
+              <a:buFont typeface="Arial"/>
+              <a:buChar char="•"/>
+              <a:defRPr sz="2000" kern="1200">
+                <a:solidFill>
+                  <a:schemeClr val="tx1"/>
+                </a:solidFill>
+                <a:latin typeface="+mn-lt"/>
+                <a:ea typeface="+mn-ea"/>
+                <a:cs typeface="+mn-cs"/>
+              </a:defRPr>
+            </a:lvl6pPr>
+            <a:lvl7pPr marL="2971800" indent="-228600" algn="l" defTabSz="457200" rtl="0" eaLnBrk="1" latinLnBrk="0" hangingPunct="1">
+              <a:spcBef>
+                <a:spcPct val="20000"/>
+              </a:spcBef>
+              <a:buFont typeface="Arial"/>
+              <a:buChar char="•"/>
+              <a:defRPr sz="2000" kern="1200">
+                <a:solidFill>
+                  <a:schemeClr val="tx1"/>
+                </a:solidFill>
+                <a:latin typeface="+mn-lt"/>
+                <a:ea typeface="+mn-ea"/>
+                <a:cs typeface="+mn-cs"/>
+              </a:defRPr>
+            </a:lvl7pPr>
+            <a:lvl8pPr marL="3429000" indent="-228600" algn="l" defTabSz="457200" rtl="0" eaLnBrk="1" latinLnBrk="0" hangingPunct="1">
+              <a:spcBef>
+                <a:spcPct val="20000"/>
+              </a:spcBef>
+              <a:buFont typeface="Arial"/>
+              <a:buChar char="•"/>
+              <a:defRPr sz="2000" kern="1200">
+                <a:solidFill>
+                  <a:schemeClr val="tx1"/>
+                </a:solidFill>
+                <a:latin typeface="+mn-lt"/>
+                <a:ea typeface="+mn-ea"/>
+                <a:cs typeface="+mn-cs"/>
+              </a:defRPr>
+            </a:lvl8pPr>
+            <a:lvl9pPr marL="3886200" indent="-228600" algn="l" defTabSz="457200" rtl="0" eaLnBrk="1" latinLnBrk="0" hangingPunct="1">
+              <a:spcBef>
+                <a:spcPct val="20000"/>
+              </a:spcBef>
+              <a:buFont typeface="Arial"/>
+              <a:buChar char="•"/>
+              <a:defRPr sz="2000" kern="1200">
+                <a:solidFill>
+                  <a:schemeClr val="tx1"/>
+                </a:solidFill>
+                <a:latin typeface="+mn-lt"/>
+                <a:ea typeface="+mn-ea"/>
+                <a:cs typeface="+mn-cs"/>
+              </a:defRPr>
+            </a:lvl9pPr>
+          </a:lstStyle>
+          <a:p>
+            <a:pPr marL="0" indent="0">
+              <a:buFont typeface="Arial"/>
+              <a:buNone/>
+            </a:pPr>
+            <a:r>
+              <a:rPr lang="en-US" sz="1100" dirty="0">
+                <a:latin typeface="Courier"/>
+              </a:rPr>
+              <a:t>### NASDAQ </a:t>
+            </a:r>
+            <a:r>
+              <a:rPr lang="en-US" sz="1100" b="1" dirty="0">
                 <a:solidFill>
                   <a:srgbClr val="FF0000"/>
                 </a:solidFill>
@@ -3871,26 +5573,29 @@
               </a:rPr>
               <a:t>###</a:t>
             </a:r>
-            <a:br/>
-            <a:br/>
-            <a:r>
-              <a:rPr sz="1800" i="1">
+            <a:br>
+              <a:rPr lang="en-US" sz="1100" dirty="0"/>
+            </a:br>
+            <a:r>
+              <a:rPr lang="en-US" sz="1100" i="1" dirty="0">
                 <a:solidFill>
                   <a:srgbClr val="60A0B0"/>
                 </a:solidFill>
                 <a:latin typeface="Courier"/>
               </a:rPr>
-              <a:t># Get GDP Data from Quandl</a:t>
-            </a:r>
-            <a:br/>
-            <a:r>
-              <a:rPr sz="1800">
-                <a:latin typeface="Courier"/>
-              </a:rPr>
-              <a:t>GDP =</a:t>
-            </a:r>
-            <a:r>
-              <a:rPr sz="1800">
+              <a:t># get data</a:t>
+            </a:r>
+            <a:br>
+              <a:rPr lang="en-US" sz="1100" dirty="0"/>
+            </a:br>
+            <a:r>
+              <a:rPr lang="en-US" sz="1100" dirty="0">
+                <a:latin typeface="Courier"/>
+              </a:rPr>
+              <a:t>NASDAQ =</a:t>
+            </a:r>
+            <a:r>
+              <a:rPr lang="en-US" sz="1100" dirty="0">
                 <a:solidFill>
                   <a:srgbClr val="4070A0"/>
                 </a:solidFill>
@@ -3899,7 +5604,7 @@
               <a:t> </a:t>
             </a:r>
             <a:r>
-              <a:rPr sz="1800" b="1">
+              <a:rPr lang="en-US" sz="1100" b="1" dirty="0" err="1">
                 <a:solidFill>
                   <a:srgbClr val="007020"/>
                 </a:solidFill>
@@ -3908,13 +5613,13 @@
               <a:t>data.table</a:t>
             </a:r>
             <a:r>
-              <a:rPr sz="1800">
+              <a:rPr lang="en-US" sz="1100" dirty="0">
                 <a:latin typeface="Courier"/>
               </a:rPr>
               <a:t>(</a:t>
             </a:r>
             <a:r>
-              <a:rPr sz="1800" b="1">
+              <a:rPr lang="en-US" sz="1100" b="1" dirty="0" err="1">
                 <a:solidFill>
                   <a:srgbClr val="007020"/>
                 </a:solidFill>
@@ -3923,338 +5628,541 @@
               <a:t>Quandl</a:t>
             </a:r>
             <a:r>
-              <a:rPr sz="1800">
+              <a:rPr lang="en-US" sz="1100" dirty="0">
                 <a:latin typeface="Courier"/>
               </a:rPr>
               <a:t>(</a:t>
             </a:r>
             <a:r>
-              <a:rPr sz="1800">
+              <a:rPr lang="en-US" sz="1100" dirty="0">
                 <a:solidFill>
                   <a:srgbClr val="4070A0"/>
                 </a:solidFill>
                 <a:latin typeface="Courier"/>
               </a:rPr>
-              <a:t>"FRED/GDP"</a:t>
-            </a:r>
-            <a:r>
-              <a:rPr sz="1800">
+              <a:t>"NASDAQOMX/NDX"</a:t>
+            </a:r>
+            <a:r>
+              <a:rPr lang="en-US" sz="1100" dirty="0">
                 <a:latin typeface="Courier"/>
               </a:rPr>
               <a:t>,</a:t>
             </a:r>
             <a:r>
-              <a:rPr sz="1800">
+              <a:rPr lang="en-US" sz="1100" dirty="0" err="1">
                 <a:solidFill>
                   <a:srgbClr val="902000"/>
                 </a:solidFill>
                 <a:latin typeface="Courier"/>
               </a:rPr>
-              <a:t>start_date =</a:t>
-            </a:r>
-            <a:r>
-              <a:rPr sz="1800">
-                <a:latin typeface="Courier"/>
-              </a:rPr>
-              <a:t> startDate))</a:t>
-            </a:r>
-            <a:br/>
-            <a:br/>
-            <a:r>
-              <a:rPr sz="1800" i="1">
+              <a:t>start_date</a:t>
+            </a:r>
+            <a:r>
+              <a:rPr lang="en-US" sz="1100" dirty="0">
+                <a:solidFill>
+                  <a:srgbClr val="902000"/>
+                </a:solidFill>
+                <a:latin typeface="Courier"/>
+              </a:rPr>
+              <a:t> =</a:t>
+            </a:r>
+            <a:r>
+              <a:rPr lang="en-US" sz="1100" dirty="0">
+                <a:latin typeface="Courier"/>
+              </a:rPr>
+              <a:t> </a:t>
+            </a:r>
+            <a:r>
+              <a:rPr lang="en-US" sz="1100" dirty="0" err="1">
+                <a:latin typeface="Courier"/>
+              </a:rPr>
+              <a:t>startDate</a:t>
+            </a:r>
+            <a:r>
+              <a:rPr lang="en-US" sz="1100" dirty="0">
+                <a:latin typeface="Courier"/>
+              </a:rPr>
+              <a:t>))</a:t>
+            </a:r>
+            <a:br>
+              <a:rPr lang="en-US" sz="1100" dirty="0"/>
+            </a:br>
+            <a:r>
+              <a:rPr lang="en-US" sz="1100" i="1" dirty="0">
                 <a:solidFill>
                   <a:srgbClr val="60A0B0"/>
                 </a:solidFill>
                 <a:latin typeface="Courier"/>
               </a:rPr>
-              <a:t># Select Columns</a:t>
-            </a:r>
-            <a:br/>
-            <a:r>
-              <a:rPr sz="1800">
-                <a:latin typeface="Courier"/>
-              </a:rPr>
-              <a:t>GDP=GDP[,.(Date,</a:t>
-            </a:r>
-            <a:r>
-              <a:rPr sz="1800">
+              <a:t># select columns</a:t>
+            </a:r>
+            <a:br>
+              <a:rPr lang="en-US" sz="1100" dirty="0"/>
+            </a:br>
+            <a:r>
+              <a:rPr lang="en-US" sz="1100" dirty="0">
+                <a:latin typeface="Courier"/>
+              </a:rPr>
+              <a:t>NASDAQ=NASDAQ[,.(</a:t>
+            </a:r>
+            <a:r>
+              <a:rPr lang="en-US" sz="1100" dirty="0">
                 <a:solidFill>
                   <a:srgbClr val="902000"/>
                 </a:solidFill>
                 <a:latin typeface="Courier"/>
               </a:rPr>
-              <a:t>GDP =</a:t>
-            </a:r>
-            <a:r>
-              <a:rPr sz="1800">
-                <a:latin typeface="Courier"/>
-              </a:rPr>
-              <a:t> Value)][</a:t>
-            </a:r>
-            <a:r>
-              <a:rPr sz="1800" b="1">
+              <a:t>Date =</a:t>
+            </a:r>
+            <a:r>
+              <a:rPr lang="en-US" sz="1100" dirty="0">
+                <a:latin typeface="Courier"/>
+              </a:rPr>
+              <a:t> </a:t>
+            </a:r>
+            <a:r>
+              <a:rPr lang="en-US" sz="1100" dirty="0">
+                <a:solidFill>
+                  <a:srgbClr val="4070A0"/>
+                </a:solidFill>
+                <a:latin typeface="Courier"/>
+              </a:rPr>
+              <a:t>`</a:t>
+            </a:r>
+            <a:r>
+              <a:rPr lang="en-US" sz="1100" dirty="0">
+                <a:solidFill>
+                  <a:srgbClr val="902000"/>
+                </a:solidFill>
+                <a:latin typeface="Courier"/>
+              </a:rPr>
+              <a:t>Trade </a:t>
+            </a:r>
+            <a:r>
+              <a:rPr lang="en-US" sz="1100" dirty="0" err="1">
+                <a:solidFill>
+                  <a:srgbClr val="902000"/>
+                </a:solidFill>
+                <a:latin typeface="Courier"/>
+              </a:rPr>
+              <a:t>Date</a:t>
+            </a:r>
+            <a:r>
+              <a:rPr lang="en-US" sz="1100" dirty="0" err="1">
+                <a:solidFill>
+                  <a:srgbClr val="4070A0"/>
+                </a:solidFill>
+                <a:latin typeface="Courier"/>
+              </a:rPr>
+              <a:t>`</a:t>
+            </a:r>
+            <a:r>
+              <a:rPr lang="en-US" sz="1100" dirty="0" err="1">
+                <a:latin typeface="Courier"/>
+              </a:rPr>
+              <a:t>,</a:t>
+            </a:r>
+            <a:r>
+              <a:rPr lang="en-US" sz="1100" dirty="0" err="1">
+                <a:solidFill>
+                  <a:srgbClr val="902000"/>
+                </a:solidFill>
+                <a:latin typeface="Courier"/>
+              </a:rPr>
+              <a:t>NASDAQ</a:t>
+            </a:r>
+            <a:r>
+              <a:rPr lang="en-US" sz="1100" dirty="0">
+                <a:solidFill>
+                  <a:srgbClr val="902000"/>
+                </a:solidFill>
+                <a:latin typeface="Courier"/>
+              </a:rPr>
+              <a:t> =</a:t>
+            </a:r>
+            <a:r>
+              <a:rPr lang="en-US" sz="1100" dirty="0">
+                <a:latin typeface="Courier"/>
+              </a:rPr>
+              <a:t> </a:t>
+            </a:r>
+            <a:r>
+              <a:rPr lang="en-US" sz="1100" dirty="0">
+                <a:solidFill>
+                  <a:srgbClr val="4070A0"/>
+                </a:solidFill>
+                <a:latin typeface="Courier"/>
+              </a:rPr>
+              <a:t>`</a:t>
+            </a:r>
+            <a:r>
+              <a:rPr lang="en-US" sz="1100" dirty="0">
+                <a:solidFill>
+                  <a:srgbClr val="902000"/>
+                </a:solidFill>
+                <a:latin typeface="Courier"/>
+              </a:rPr>
+              <a:t>Index Value</a:t>
+            </a:r>
+            <a:r>
+              <a:rPr lang="en-US" sz="1100" dirty="0">
+                <a:solidFill>
+                  <a:srgbClr val="4070A0"/>
+                </a:solidFill>
+                <a:latin typeface="Courier"/>
+              </a:rPr>
+              <a:t>`</a:t>
+            </a:r>
+            <a:r>
+              <a:rPr lang="en-US" sz="1100" dirty="0">
+                <a:latin typeface="Courier"/>
+              </a:rPr>
+              <a:t>)]</a:t>
+            </a:r>
+            <a:br>
+              <a:rPr lang="en-US" sz="1100" dirty="0"/>
+            </a:br>
+            <a:r>
+              <a:rPr lang="en-US" sz="1100" i="1" dirty="0">
+                <a:solidFill>
+                  <a:srgbClr val="60A0B0"/>
+                </a:solidFill>
+                <a:latin typeface="Courier"/>
+              </a:rPr>
+              <a:t># create all missing dates</a:t>
+            </a:r>
+            <a:br>
+              <a:rPr lang="en-US" sz="1100" dirty="0"/>
+            </a:br>
+            <a:r>
+              <a:rPr lang="en-US" sz="1100" dirty="0">
+                <a:latin typeface="Courier"/>
+              </a:rPr>
+              <a:t>NASDAQ=</a:t>
+            </a:r>
+            <a:r>
+              <a:rPr lang="en-US" sz="1100" b="1" dirty="0">
                 <a:solidFill>
                   <a:srgbClr val="007020"/>
                 </a:solidFill>
                 <a:latin typeface="Courier"/>
               </a:rPr>
+              <a:t>merge</a:t>
+            </a:r>
+            <a:r>
+              <a:rPr lang="en-US" sz="1100" dirty="0">
+                <a:latin typeface="Courier"/>
+              </a:rPr>
+              <a:t>(</a:t>
+            </a:r>
+            <a:r>
+              <a:rPr lang="en-US" sz="1100" dirty="0" err="1">
+                <a:latin typeface="Courier"/>
+              </a:rPr>
+              <a:t>NASDAQ,allDates,</a:t>
+            </a:r>
+            <a:r>
+              <a:rPr lang="en-US" sz="1100" dirty="0" err="1">
+                <a:solidFill>
+                  <a:srgbClr val="902000"/>
+                </a:solidFill>
+                <a:latin typeface="Courier"/>
+              </a:rPr>
+              <a:t>by</a:t>
+            </a:r>
+            <a:r>
+              <a:rPr lang="en-US" sz="1100" dirty="0">
+                <a:solidFill>
+                  <a:srgbClr val="902000"/>
+                </a:solidFill>
+                <a:latin typeface="Courier"/>
+              </a:rPr>
+              <a:t>=</a:t>
+            </a:r>
+            <a:r>
+              <a:rPr lang="en-US" sz="1100" dirty="0">
+                <a:solidFill>
+                  <a:srgbClr val="4070A0"/>
+                </a:solidFill>
+                <a:latin typeface="Courier"/>
+              </a:rPr>
+              <a:t>'Date'</a:t>
+            </a:r>
+            <a:r>
+              <a:rPr lang="en-US" sz="1100" dirty="0">
+                <a:latin typeface="Courier"/>
+              </a:rPr>
+              <a:t>,</a:t>
+            </a:r>
+            <a:r>
+              <a:rPr lang="en-US" sz="1100" dirty="0" err="1">
+                <a:solidFill>
+                  <a:srgbClr val="902000"/>
+                </a:solidFill>
+                <a:latin typeface="Courier"/>
+              </a:rPr>
+              <a:t>all.y</a:t>
+            </a:r>
+            <a:r>
+              <a:rPr lang="en-US" sz="1100" dirty="0">
+                <a:solidFill>
+                  <a:srgbClr val="902000"/>
+                </a:solidFill>
+                <a:latin typeface="Courier"/>
+              </a:rPr>
+              <a:t>=</a:t>
+            </a:r>
+            <a:r>
+              <a:rPr lang="en-US" sz="1100" dirty="0">
+                <a:latin typeface="Courier"/>
+              </a:rPr>
+              <a:t>T)[</a:t>
+            </a:r>
+            <a:r>
+              <a:rPr lang="en-US" sz="1100" b="1" dirty="0">
+                <a:solidFill>
+                  <a:srgbClr val="007020"/>
+                </a:solidFill>
+                <a:latin typeface="Courier"/>
+              </a:rPr>
               <a:t>order</a:t>
             </a:r>
             <a:r>
-              <a:rPr sz="1800">
+              <a:rPr lang="en-US" sz="1100" dirty="0">
                 <a:latin typeface="Courier"/>
               </a:rPr>
               <a:t>(Date)]</a:t>
             </a:r>
-            <a:br/>
-            <a:br/>
-            <a:r>
-              <a:rPr sz="1800" i="1">
+            <a:br>
+              <a:rPr lang="en-US" sz="1100" dirty="0"/>
+            </a:br>
+            <a:br>
+              <a:rPr lang="en-US" sz="1100" dirty="0"/>
+            </a:br>
+            <a:r>
+              <a:rPr lang="en-US" sz="1100" i="1" dirty="0">
                 <a:solidFill>
                   <a:srgbClr val="60A0B0"/>
                 </a:solidFill>
                 <a:latin typeface="Courier"/>
               </a:rPr>
-              <a:t># create all missing Dates</a:t>
-            </a:r>
-            <a:br/>
-            <a:r>
-              <a:rPr sz="1800">
-                <a:latin typeface="Courier"/>
-              </a:rPr>
-              <a:t>GDP=</a:t>
-            </a:r>
-            <a:r>
-              <a:rPr sz="1800" b="1">
+              <a:t># fill missing values</a:t>
+            </a:r>
+            <a:br>
+              <a:rPr lang="en-US" sz="1100" dirty="0"/>
+            </a:br>
+            <a:r>
+              <a:rPr lang="en-US" sz="1100" dirty="0">
+                <a:latin typeface="Courier"/>
+              </a:rPr>
+              <a:t>NASDAQ[,NASDAQ  </a:t>
+            </a:r>
+            <a:r>
+              <a:rPr lang="en-US" sz="1100" dirty="0">
+                <a:solidFill>
+                  <a:srgbClr val="666666"/>
+                </a:solidFill>
+                <a:latin typeface="Courier"/>
+              </a:rPr>
+              <a:t>:</a:t>
+            </a:r>
+            <a:r>
+              <a:rPr lang="en-US" sz="1100" b="1" dirty="0">
+                <a:solidFill>
+                  <a:srgbClr val="FF0000"/>
+                </a:solidFill>
+                <a:latin typeface="Courier"/>
+              </a:rPr>
+              <a:t>=</a:t>
+            </a:r>
+            <a:r>
+              <a:rPr lang="en-US" sz="1100" dirty="0">
+                <a:solidFill>
+                  <a:srgbClr val="4070A0"/>
+                </a:solidFill>
+                <a:latin typeface="Courier"/>
+              </a:rPr>
+              <a:t> </a:t>
+            </a:r>
+            <a:r>
+              <a:rPr lang="en-US" sz="1100" b="1" dirty="0" err="1">
                 <a:solidFill>
                   <a:srgbClr val="007020"/>
                 </a:solidFill>
                 <a:latin typeface="Courier"/>
               </a:rPr>
-              <a:t>merge</a:t>
-            </a:r>
-            <a:r>
-              <a:rPr sz="1800">
-                <a:latin typeface="Courier"/>
-              </a:rPr>
-              <a:t>(GDP,allDates,</a:t>
-            </a:r>
-            <a:r>
-              <a:rPr sz="1800">
+              <a:t>na.locf</a:t>
+            </a:r>
+            <a:r>
+              <a:rPr lang="en-US" sz="1100" dirty="0">
+                <a:latin typeface="Courier"/>
+              </a:rPr>
+              <a:t>(NASDAQ ,</a:t>
+            </a:r>
+            <a:r>
+              <a:rPr lang="en-US" sz="1100" dirty="0">
                 <a:solidFill>
                   <a:srgbClr val="902000"/>
                 </a:solidFill>
                 <a:latin typeface="Courier"/>
               </a:rPr>
-              <a:t>by=</a:t>
-            </a:r>
-            <a:r>
-              <a:rPr sz="1800">
-                <a:solidFill>
-                  <a:srgbClr val="4070A0"/>
-                </a:solidFill>
-                <a:latin typeface="Courier"/>
-              </a:rPr>
-              <a:t>'Date'</a:t>
-            </a:r>
-            <a:r>
-              <a:rPr sz="1800">
-                <a:latin typeface="Courier"/>
-              </a:rPr>
-              <a:t>,</a:t>
-            </a:r>
-            <a:r>
-              <a:rPr sz="1800">
+              <a:t>na.rm=</a:t>
+            </a:r>
+            <a:r>
+              <a:rPr lang="en-US" sz="1100" dirty="0" err="1">
+                <a:latin typeface="Courier"/>
+              </a:rPr>
+              <a:t>F,</a:t>
+            </a:r>
+            <a:r>
+              <a:rPr lang="en-US" sz="1100" dirty="0" err="1">
                 <a:solidFill>
                   <a:srgbClr val="902000"/>
                 </a:solidFill>
                 <a:latin typeface="Courier"/>
               </a:rPr>
-              <a:t>all.y=</a:t>
-            </a:r>
-            <a:r>
-              <a:rPr sz="1800">
-                <a:latin typeface="Courier"/>
-              </a:rPr>
-              <a:t>T)[</a:t>
-            </a:r>
-            <a:r>
-              <a:rPr sz="1800" b="1">
+              <a:t>fromLast</a:t>
+            </a:r>
+            <a:r>
+              <a:rPr lang="en-US" sz="1100" dirty="0">
+                <a:solidFill>
+                  <a:srgbClr val="902000"/>
+                </a:solidFill>
+                <a:latin typeface="Courier"/>
+              </a:rPr>
+              <a:t>=</a:t>
+            </a:r>
+            <a:r>
+              <a:rPr lang="en-US" sz="1100" dirty="0" err="1">
+                <a:latin typeface="Courier"/>
+              </a:rPr>
+              <a:t>F,</a:t>
+            </a:r>
+            <a:r>
+              <a:rPr lang="en-US" sz="1100" dirty="0" err="1">
+                <a:solidFill>
+                  <a:srgbClr val="902000"/>
+                </a:solidFill>
+                <a:latin typeface="Courier"/>
+              </a:rPr>
+              <a:t>rule</a:t>
+            </a:r>
+            <a:r>
+              <a:rPr lang="en-US" sz="1100" dirty="0">
+                <a:solidFill>
+                  <a:srgbClr val="902000"/>
+                </a:solidFill>
+                <a:latin typeface="Courier"/>
+              </a:rPr>
+              <a:t>=</a:t>
+            </a:r>
+            <a:r>
+              <a:rPr lang="en-US" sz="1100" dirty="0">
+                <a:solidFill>
+                  <a:srgbClr val="40A070"/>
+                </a:solidFill>
+                <a:latin typeface="Courier"/>
+              </a:rPr>
+              <a:t>1</a:t>
+            </a:r>
+            <a:r>
+              <a:rPr lang="en-US" sz="1100" dirty="0">
+                <a:latin typeface="Courier"/>
+              </a:rPr>
+              <a:t>)] </a:t>
+            </a:r>
+            <a:r>
+              <a:rPr lang="en-US" sz="1100" i="1" dirty="0">
+                <a:solidFill>
+                  <a:srgbClr val="60A0B0"/>
+                </a:solidFill>
+                <a:latin typeface="Courier"/>
+              </a:rPr>
+              <a:t>#rule=2 grabs the closest backwards or forward</a:t>
+            </a:r>
+            <a:br>
+              <a:rPr lang="en-US" sz="1100" dirty="0"/>
+            </a:br>
+            <a:br>
+              <a:rPr lang="en-US" sz="1100" dirty="0"/>
+            </a:br>
+            <a:r>
+              <a:rPr lang="en-US" sz="1100" b="1" dirty="0">
                 <a:solidFill>
                   <a:srgbClr val="007020"/>
                 </a:solidFill>
                 <a:latin typeface="Courier"/>
               </a:rPr>
-              <a:t>order</a:t>
-            </a:r>
-            <a:r>
-              <a:rPr sz="1800">
-                <a:latin typeface="Courier"/>
-              </a:rPr>
-              <a:t>(Date)]</a:t>
-            </a:r>
-            <a:br/>
-            <a:br/>
-            <a:r>
-              <a:rPr sz="1800" i="1">
-                <a:solidFill>
-                  <a:srgbClr val="60A0B0"/>
-                </a:solidFill>
-                <a:latin typeface="Courier"/>
-              </a:rPr>
-              <a:t># fill missing values</a:t>
-            </a:r>
-            <a:br/>
-            <a:r>
-              <a:rPr sz="1800">
-                <a:latin typeface="Courier"/>
-              </a:rPr>
-              <a:t>GDP[,GDP  </a:t>
-            </a:r>
-            <a:r>
-              <a:rPr sz="1800">
-                <a:solidFill>
-                  <a:srgbClr val="666666"/>
-                </a:solidFill>
-                <a:latin typeface="Courier"/>
-              </a:rPr>
-              <a:t>:</a:t>
-            </a:r>
-            <a:r>
-              <a:rPr sz="1800" b="1">
-                <a:solidFill>
-                  <a:srgbClr val="FF0000"/>
-                </a:solidFill>
-                <a:latin typeface="Courier"/>
-              </a:rPr>
-              <a:t>=</a:t>
-            </a:r>
-            <a:r>
-              <a:rPr sz="1800">
-                <a:solidFill>
-                  <a:srgbClr val="4070A0"/>
-                </a:solidFill>
-                <a:latin typeface="Courier"/>
-              </a:rPr>
-              <a:t> </a:t>
-            </a:r>
-            <a:r>
-              <a:rPr sz="1800" b="1">
-                <a:solidFill>
-                  <a:srgbClr val="007020"/>
-                </a:solidFill>
-                <a:latin typeface="Courier"/>
-              </a:rPr>
-              <a:t>na.locf</a:t>
-            </a:r>
-            <a:r>
-              <a:rPr sz="1800">
-                <a:latin typeface="Courier"/>
-              </a:rPr>
-              <a:t>(GDP ,</a:t>
-            </a:r>
-            <a:r>
-              <a:rPr sz="1800">
-                <a:solidFill>
-                  <a:srgbClr val="902000"/>
-                </a:solidFill>
-                <a:latin typeface="Courier"/>
-              </a:rPr>
-              <a:t>na.rm=</a:t>
-            </a:r>
-            <a:r>
-              <a:rPr sz="1800">
-                <a:latin typeface="Courier"/>
-              </a:rPr>
-              <a:t>F,</a:t>
-            </a:r>
-            <a:r>
-              <a:rPr sz="1800">
-                <a:solidFill>
-                  <a:srgbClr val="902000"/>
-                </a:solidFill>
-                <a:latin typeface="Courier"/>
-              </a:rPr>
-              <a:t>fromLast=</a:t>
-            </a:r>
-            <a:r>
-              <a:rPr sz="1800">
-                <a:latin typeface="Courier"/>
-              </a:rPr>
-              <a:t>F,</a:t>
-            </a:r>
-            <a:r>
-              <a:rPr sz="1800">
-                <a:solidFill>
-                  <a:srgbClr val="902000"/>
-                </a:solidFill>
-                <a:latin typeface="Courier"/>
-              </a:rPr>
-              <a:t>rule=</a:t>
-            </a:r>
-            <a:r>
-              <a:rPr sz="1800">
-                <a:solidFill>
-                  <a:srgbClr val="40A070"/>
-                </a:solidFill>
-                <a:latin typeface="Courier"/>
-              </a:rPr>
-              <a:t>1</a:t>
-            </a:r>
-            <a:r>
-              <a:rPr sz="1800">
-                <a:latin typeface="Courier"/>
-              </a:rPr>
-              <a:t>)] </a:t>
-            </a:r>
-            <a:r>
-              <a:rPr sz="1800" i="1">
-                <a:solidFill>
-                  <a:srgbClr val="60A0B0"/>
-                </a:solidFill>
-                <a:latin typeface="Courier"/>
-              </a:rPr>
-              <a:t>#rule=2 grabs the closest backwards or forward</a:t>
-            </a:r>
-            <a:br/>
-            <a:br/>
-            <a:r>
-              <a:rPr sz="1800" b="1">
-                <a:solidFill>
-                  <a:srgbClr val="007020"/>
-                </a:solidFill>
-                <a:latin typeface="Courier"/>
-              </a:rPr>
               <a:t>head</a:t>
             </a:r>
             <a:r>
-              <a:rPr sz="1800">
-                <a:latin typeface="Courier"/>
-              </a:rPr>
-              <a:t>(GDP)</a:t>
-            </a:r>
-          </a:p>
-          <a:p>
-            <a:pPr lvl="0" marL="1270000" indent="0">
+              <a:rPr lang="en-US" sz="1100" dirty="0">
+                <a:latin typeface="Courier"/>
+              </a:rPr>
+              <a:t>(NASDAQ)</a:t>
+            </a:r>
+          </a:p>
+          <a:p>
+            <a:pPr marL="0" indent="0">
+              <a:buFont typeface="Arial"/>
               <a:buNone/>
             </a:pPr>
             <a:r>
-              <a:rPr sz="1800">
-                <a:latin typeface="Courier"/>
-              </a:rPr>
-              <a:t>##          Date      GDP
-## 1: 2018-01-01 20041.05
-## 2: 2018-01-02 20041.05
-## 3: 2018-01-03 20041.05
-## 4: 2018-01-04 20041.05
-## 5: 2018-01-05 20041.05
-## 6: 2018-01-06 20041.05</a:t>
-            </a:r>
-          </a:p>
-        </p:txBody>
-      </p:sp>
+              <a:rPr lang="en-US" sz="1100" dirty="0">
+                <a:latin typeface="Courier"/>
+              </a:rPr>
+              <a:t>##          Date  NASDAQ
+## 1: 2018-01-01      NA
+## 2: 2018-01-02 6511.34
+## 3: 2018-01-03 6575.80
+## 4: 2018-01-04 6584.58
+## 5: 2018-01-05 6653.29
+## 6: 2018-01-06 6653.29</a:t>
+            </a:r>
+          </a:p>
+        </p:txBody>
+      </p:sp>
+      <p:cxnSp>
+        <p:nvCxnSpPr>
+          <p:cNvPr id="6" name="Straight Connector 5">
+            <a:extLst>
+              <a:ext uri="{FF2B5EF4-FFF2-40B4-BE49-F238E27FC236}">
+                <a16:creationId xmlns:a16="http://schemas.microsoft.com/office/drawing/2014/main" id="{FBFBA004-30E2-457C-9196-9F85895C5908}"/>
+              </a:ext>
+            </a:extLst>
+          </p:cNvPr>
+          <p:cNvCxnSpPr/>
+          <p:nvPr/>
+        </p:nvCxnSpPr>
+        <p:spPr>
+          <a:xfrm>
+            <a:off x="4145795" y="1627323"/>
+            <a:ext cx="0" cy="4467844"/>
+          </a:xfrm>
+          <a:prstGeom prst="line">
+            <a:avLst/>
+          </a:prstGeom>
+        </p:spPr>
+        <p:style>
+          <a:lnRef idx="2">
+            <a:schemeClr val="accent1"/>
+          </a:lnRef>
+          <a:fillRef idx="0">
+            <a:schemeClr val="accent1"/>
+          </a:fillRef>
+          <a:effectRef idx="1">
+            <a:schemeClr val="accent1"/>
+          </a:effectRef>
+          <a:fontRef idx="minor">
+            <a:schemeClr val="tx1"/>
+          </a:fontRef>
+        </p:style>
+      </p:cxnSp>
     </p:spTree>
   </p:cSld>
+  <p:clrMapOvr>
+    <a:masterClrMapping/>
+  </p:clrMapOvr>
 </p:sld>
 </file>
 
@@ -4290,1287 +6198,364 @@
           <a:bodyPr/>
           <a:lstStyle/>
           <a:p>
-            <a:pPr lvl="0" marL="0" indent="0">
+            <a:pPr marL="0" lvl="0" indent="0">
               <a:buNone/>
             </a:pPr>
             <a:r>
-              <a:rPr/>
-              <a:t>Getting</a:t>
-            </a:r>
-            <a:r>
-              <a:rPr/>
+              <a:rPr dirty="0"/>
+              <a:t>Merge and Clean</a:t>
+            </a:r>
+          </a:p>
+        </p:txBody>
+      </p:sp>
+      <p:sp>
+        <p:nvSpPr>
+          <p:cNvPr id="3" name="Content Placeholder 2"/>
+          <p:cNvSpPr>
+            <a:spLocks noGrp="1"/>
+          </p:cNvSpPr>
+          <p:nvPr>
+            <p:ph idx="1"/>
+          </p:nvPr>
+        </p:nvSpPr>
+        <p:spPr/>
+        <p:txBody>
+          <a:bodyPr>
+            <a:noAutofit/>
+          </a:bodyPr>
+          <a:lstStyle/>
+          <a:p>
+            <a:pPr marL="0" lvl="0" indent="0">
+              <a:buNone/>
+            </a:pPr>
+            <a:r>
+              <a:rPr sz="1100" dirty="0">
+                <a:latin typeface="Courier"/>
+              </a:rPr>
+              <a:t>dataset =</a:t>
+            </a:r>
+            <a:r>
+              <a:rPr sz="1100" dirty="0">
+                <a:solidFill>
+                  <a:srgbClr val="4070A0"/>
+                </a:solidFill>
+                <a:latin typeface="Courier"/>
+              </a:rPr>
               <a:t> </a:t>
             </a:r>
             <a:r>
-              <a:rPr/>
-              <a:t>Unemployment</a:t>
-            </a:r>
-            <a:r>
-              <a:rPr/>
+              <a:rPr sz="1100" b="1" dirty="0">
+                <a:solidFill>
+                  <a:srgbClr val="007020"/>
+                </a:solidFill>
+                <a:latin typeface="Courier"/>
+              </a:rPr>
+              <a:t>merge</a:t>
+            </a:r>
+            <a:r>
+              <a:rPr sz="1100" dirty="0">
+                <a:latin typeface="Courier"/>
+              </a:rPr>
+              <a:t>(</a:t>
+            </a:r>
+            <a:r>
+              <a:rPr sz="1100" dirty="0" err="1">
+                <a:latin typeface="Courier"/>
+              </a:rPr>
+              <a:t>allDates,GDP,</a:t>
+            </a:r>
+            <a:r>
+              <a:rPr sz="1100" dirty="0" err="1">
+                <a:solidFill>
+                  <a:srgbClr val="902000"/>
+                </a:solidFill>
+                <a:latin typeface="Courier"/>
+              </a:rPr>
+              <a:t>by</a:t>
+            </a:r>
+            <a:r>
+              <a:rPr sz="1100" dirty="0">
+                <a:solidFill>
+                  <a:srgbClr val="902000"/>
+                </a:solidFill>
+                <a:latin typeface="Courier"/>
+              </a:rPr>
+              <a:t>=</a:t>
+            </a:r>
+            <a:r>
+              <a:rPr sz="1100" dirty="0">
+                <a:solidFill>
+                  <a:srgbClr val="4070A0"/>
+                </a:solidFill>
+                <a:latin typeface="Courier"/>
+              </a:rPr>
+              <a:t>'Date'</a:t>
+            </a:r>
+            <a:r>
+              <a:rPr sz="1100" dirty="0">
+                <a:latin typeface="Courier"/>
+              </a:rPr>
+              <a:t>,</a:t>
+            </a:r>
+            <a:r>
+              <a:rPr sz="1100" dirty="0" err="1">
+                <a:solidFill>
+                  <a:srgbClr val="902000"/>
+                </a:solidFill>
+                <a:latin typeface="Courier"/>
+              </a:rPr>
+              <a:t>all.x</a:t>
+            </a:r>
+            <a:r>
+              <a:rPr sz="1100" dirty="0">
+                <a:solidFill>
+                  <a:srgbClr val="902000"/>
+                </a:solidFill>
+                <a:latin typeface="Courier"/>
+              </a:rPr>
+              <a:t>=</a:t>
+            </a:r>
+            <a:r>
+              <a:rPr sz="1100" dirty="0">
+                <a:latin typeface="Courier"/>
+              </a:rPr>
+              <a:t>T)</a:t>
+            </a:r>
+            <a:br>
+              <a:rPr sz="1100" dirty="0"/>
+            </a:br>
+            <a:r>
+              <a:rPr sz="1100" dirty="0">
+                <a:latin typeface="Courier"/>
+              </a:rPr>
+              <a:t>dataset =</a:t>
+            </a:r>
+            <a:r>
+              <a:rPr sz="1100" dirty="0">
+                <a:solidFill>
+                  <a:srgbClr val="4070A0"/>
+                </a:solidFill>
+                <a:latin typeface="Courier"/>
+              </a:rPr>
               <a:t> </a:t>
             </a:r>
             <a:r>
-              <a:rPr/>
-              <a:t>Data</a:t>
-            </a:r>
-          </a:p>
-        </p:txBody>
-      </p:sp>
-      <p:sp>
-        <p:nvSpPr>
-          <p:cNvPr id="3" name="Content Placeholder 2"/>
-          <p:cNvSpPr>
-            <a:spLocks noGrp="1"/>
-          </p:cNvSpPr>
-          <p:nvPr>
-            <p:ph idx="1"/>
-          </p:nvPr>
-        </p:nvSpPr>
-        <p:spPr/>
-        <p:txBody>
-          <a:bodyPr/>
-          <a:lstStyle/>
-          <a:p>
-            <a:pPr lvl="0" marL="1270000" indent="0">
+              <a:rPr sz="1100" b="1" dirty="0">
+                <a:solidFill>
+                  <a:srgbClr val="007020"/>
+                </a:solidFill>
+                <a:latin typeface="Courier"/>
+              </a:rPr>
+              <a:t>merge</a:t>
+            </a:r>
+            <a:r>
+              <a:rPr sz="1100" dirty="0">
+                <a:latin typeface="Courier"/>
+              </a:rPr>
+              <a:t>(</a:t>
+            </a:r>
+            <a:r>
+              <a:rPr sz="1100" dirty="0" err="1">
+                <a:latin typeface="Courier"/>
+              </a:rPr>
+              <a:t>dataset,Unemp,</a:t>
+            </a:r>
+            <a:r>
+              <a:rPr sz="1100" dirty="0" err="1">
+                <a:solidFill>
+                  <a:srgbClr val="902000"/>
+                </a:solidFill>
+                <a:latin typeface="Courier"/>
+              </a:rPr>
+              <a:t>by</a:t>
+            </a:r>
+            <a:r>
+              <a:rPr sz="1100" dirty="0">
+                <a:solidFill>
+                  <a:srgbClr val="902000"/>
+                </a:solidFill>
+                <a:latin typeface="Courier"/>
+              </a:rPr>
+              <a:t>=</a:t>
+            </a:r>
+            <a:r>
+              <a:rPr sz="1100" dirty="0">
+                <a:solidFill>
+                  <a:srgbClr val="4070A0"/>
+                </a:solidFill>
+                <a:latin typeface="Courier"/>
+              </a:rPr>
+              <a:t>'Date'</a:t>
+            </a:r>
+            <a:r>
+              <a:rPr sz="1100" dirty="0">
+                <a:latin typeface="Courier"/>
+              </a:rPr>
+              <a:t>,</a:t>
+            </a:r>
+            <a:r>
+              <a:rPr sz="1100" dirty="0" err="1">
+                <a:solidFill>
+                  <a:srgbClr val="902000"/>
+                </a:solidFill>
+                <a:latin typeface="Courier"/>
+              </a:rPr>
+              <a:t>all.x</a:t>
+            </a:r>
+            <a:r>
+              <a:rPr sz="1100" dirty="0">
+                <a:solidFill>
+                  <a:srgbClr val="902000"/>
+                </a:solidFill>
+                <a:latin typeface="Courier"/>
+              </a:rPr>
+              <a:t>=</a:t>
+            </a:r>
+            <a:r>
+              <a:rPr sz="1100" dirty="0">
+                <a:latin typeface="Courier"/>
+              </a:rPr>
+              <a:t>T)</a:t>
+            </a:r>
+            <a:br>
+              <a:rPr sz="1100" dirty="0"/>
+            </a:br>
+            <a:r>
+              <a:rPr sz="1100" dirty="0">
+                <a:latin typeface="Courier"/>
+              </a:rPr>
+              <a:t>dataset =</a:t>
+            </a:r>
+            <a:r>
+              <a:rPr sz="1100" dirty="0">
+                <a:solidFill>
+                  <a:srgbClr val="4070A0"/>
+                </a:solidFill>
+                <a:latin typeface="Courier"/>
+              </a:rPr>
+              <a:t> </a:t>
+            </a:r>
+            <a:r>
+              <a:rPr sz="1100" b="1" dirty="0">
+                <a:solidFill>
+                  <a:srgbClr val="007020"/>
+                </a:solidFill>
+                <a:latin typeface="Courier"/>
+              </a:rPr>
+              <a:t>merge</a:t>
+            </a:r>
+            <a:r>
+              <a:rPr sz="1100" dirty="0">
+                <a:latin typeface="Courier"/>
+              </a:rPr>
+              <a:t>(</a:t>
+            </a:r>
+            <a:r>
+              <a:rPr sz="1100" dirty="0" err="1">
+                <a:latin typeface="Courier"/>
+              </a:rPr>
+              <a:t>dataset,NASDAQ,</a:t>
+            </a:r>
+            <a:r>
+              <a:rPr sz="1100" dirty="0" err="1">
+                <a:solidFill>
+                  <a:srgbClr val="902000"/>
+                </a:solidFill>
+                <a:latin typeface="Courier"/>
+              </a:rPr>
+              <a:t>by</a:t>
+            </a:r>
+            <a:r>
+              <a:rPr sz="1100" dirty="0">
+                <a:solidFill>
+                  <a:srgbClr val="902000"/>
+                </a:solidFill>
+                <a:latin typeface="Courier"/>
+              </a:rPr>
+              <a:t>=</a:t>
+            </a:r>
+            <a:r>
+              <a:rPr sz="1100" dirty="0">
+                <a:solidFill>
+                  <a:srgbClr val="4070A0"/>
+                </a:solidFill>
+                <a:latin typeface="Courier"/>
+              </a:rPr>
+              <a:t>'Date'</a:t>
+            </a:r>
+            <a:r>
+              <a:rPr sz="1100" dirty="0">
+                <a:latin typeface="Courier"/>
+              </a:rPr>
+              <a:t>,</a:t>
+            </a:r>
+            <a:r>
+              <a:rPr sz="1100" dirty="0" err="1">
+                <a:solidFill>
+                  <a:srgbClr val="902000"/>
+                </a:solidFill>
+                <a:latin typeface="Courier"/>
+              </a:rPr>
+              <a:t>all.x</a:t>
+            </a:r>
+            <a:r>
+              <a:rPr sz="1100" dirty="0">
+                <a:solidFill>
+                  <a:srgbClr val="902000"/>
+                </a:solidFill>
+                <a:latin typeface="Courier"/>
+              </a:rPr>
+              <a:t>=</a:t>
+            </a:r>
+            <a:r>
+              <a:rPr sz="1100" dirty="0">
+                <a:latin typeface="Courier"/>
+              </a:rPr>
+              <a:t>T)</a:t>
+            </a:r>
+            <a:br>
+              <a:rPr sz="1100" dirty="0"/>
+            </a:br>
+            <a:br>
+              <a:rPr sz="1100" dirty="0"/>
+            </a:br>
+            <a:r>
+              <a:rPr sz="1100" b="1" dirty="0">
+                <a:solidFill>
+                  <a:srgbClr val="007020"/>
+                </a:solidFill>
+                <a:latin typeface="Courier"/>
+              </a:rPr>
+              <a:t>head</a:t>
+            </a:r>
+            <a:r>
+              <a:rPr sz="1100" dirty="0">
+                <a:latin typeface="Courier"/>
+              </a:rPr>
+              <a:t>(dataset)</a:t>
+            </a:r>
+          </a:p>
+          <a:p>
+            <a:pPr marL="0" lvl="0" indent="0">
               <a:buNone/>
             </a:pPr>
             <a:r>
-              <a:rPr sz="1800">
-                <a:latin typeface="Courier"/>
-              </a:rPr>
-              <a:t>### Unemployment </a:t>
-            </a:r>
-            <a:r>
-              <a:rPr sz="1800" b="1">
-                <a:solidFill>
-                  <a:srgbClr val="FF0000"/>
-                </a:solidFill>
-                <a:latin typeface="Courier"/>
-              </a:rPr>
-              <a:t>###</a:t>
-            </a:r>
-            <a:br/>
-            <a:r>
-              <a:rPr sz="1800" i="1">
-                <a:solidFill>
-                  <a:srgbClr val="60A0B0"/>
-                </a:solidFill>
-                <a:latin typeface="Courier"/>
-              </a:rPr>
-              <a:t># get data</a:t>
-            </a:r>
-            <a:br/>
-            <a:r>
-              <a:rPr sz="1800">
-                <a:latin typeface="Courier"/>
-              </a:rPr>
-              <a:t>Unemp =</a:t>
-            </a:r>
-            <a:r>
-              <a:rPr sz="1800">
-                <a:solidFill>
-                  <a:srgbClr val="4070A0"/>
-                </a:solidFill>
-                <a:latin typeface="Courier"/>
-              </a:rPr>
-              <a:t> </a:t>
-            </a:r>
-            <a:r>
-              <a:rPr sz="1800" b="1">
-                <a:solidFill>
-                  <a:srgbClr val="007020"/>
-                </a:solidFill>
-                <a:latin typeface="Courier"/>
-              </a:rPr>
-              <a:t>data.table</a:t>
-            </a:r>
-            <a:r>
-              <a:rPr sz="1800">
-                <a:latin typeface="Courier"/>
-              </a:rPr>
-              <a:t>(</a:t>
-            </a:r>
-            <a:r>
-              <a:rPr sz="1800" b="1">
-                <a:solidFill>
-                  <a:srgbClr val="007020"/>
-                </a:solidFill>
-                <a:latin typeface="Courier"/>
-              </a:rPr>
-              <a:t>Quandl</a:t>
-            </a:r>
-            <a:r>
-              <a:rPr sz="1800">
-                <a:latin typeface="Courier"/>
-              </a:rPr>
-              <a:t>(</a:t>
-            </a:r>
-            <a:r>
-              <a:rPr sz="1800">
-                <a:solidFill>
-                  <a:srgbClr val="4070A0"/>
-                </a:solidFill>
-                <a:latin typeface="Courier"/>
-              </a:rPr>
-              <a:t>"FRED/UNRATE"</a:t>
-            </a:r>
-            <a:r>
-              <a:rPr sz="1800">
-                <a:latin typeface="Courier"/>
-              </a:rPr>
-              <a:t>,</a:t>
-            </a:r>
-            <a:r>
-              <a:rPr sz="1800">
-                <a:solidFill>
-                  <a:srgbClr val="902000"/>
-                </a:solidFill>
-                <a:latin typeface="Courier"/>
-              </a:rPr>
-              <a:t>start_date =</a:t>
-            </a:r>
-            <a:r>
-              <a:rPr sz="1800">
-                <a:latin typeface="Courier"/>
-              </a:rPr>
-              <a:t> startDate))</a:t>
-            </a:r>
-            <a:br/>
-            <a:r>
-              <a:rPr sz="1800" i="1">
-                <a:solidFill>
-                  <a:srgbClr val="60A0B0"/>
-                </a:solidFill>
-                <a:latin typeface="Courier"/>
-              </a:rPr>
-              <a:t># select columns</a:t>
-            </a:r>
-            <a:br/>
-            <a:r>
-              <a:rPr sz="1800">
-                <a:latin typeface="Courier"/>
-              </a:rPr>
-              <a:t>Unemp=Unemp[,.(Date,</a:t>
-            </a:r>
-            <a:r>
-              <a:rPr sz="1800">
-                <a:solidFill>
-                  <a:srgbClr val="902000"/>
-                </a:solidFill>
-                <a:latin typeface="Courier"/>
-              </a:rPr>
-              <a:t>Unemp =</a:t>
-            </a:r>
-            <a:r>
-              <a:rPr sz="1800">
-                <a:latin typeface="Courier"/>
-              </a:rPr>
-              <a:t> Value)]</a:t>
-            </a:r>
-            <a:br/>
-            <a:r>
-              <a:rPr sz="1800" i="1">
-                <a:solidFill>
-                  <a:srgbClr val="60A0B0"/>
-                </a:solidFill>
-                <a:latin typeface="Courier"/>
-              </a:rPr>
-              <a:t># create all missing dates</a:t>
-            </a:r>
-            <a:br/>
-            <a:r>
-              <a:rPr sz="1800">
-                <a:latin typeface="Courier"/>
-              </a:rPr>
-              <a:t>Unemp=</a:t>
-            </a:r>
-            <a:r>
-              <a:rPr sz="1800" b="1">
-                <a:solidFill>
-                  <a:srgbClr val="007020"/>
-                </a:solidFill>
-                <a:latin typeface="Courier"/>
-              </a:rPr>
-              <a:t>merge</a:t>
-            </a:r>
-            <a:r>
-              <a:rPr sz="1800">
-                <a:latin typeface="Courier"/>
-              </a:rPr>
-              <a:t>(Unemp,allDates,</a:t>
-            </a:r>
-            <a:r>
-              <a:rPr sz="1800">
-                <a:solidFill>
-                  <a:srgbClr val="902000"/>
-                </a:solidFill>
-                <a:latin typeface="Courier"/>
-              </a:rPr>
-              <a:t>by=</a:t>
-            </a:r>
-            <a:r>
-              <a:rPr sz="1800">
-                <a:solidFill>
-                  <a:srgbClr val="4070A0"/>
-                </a:solidFill>
-                <a:latin typeface="Courier"/>
-              </a:rPr>
-              <a:t>'Date'</a:t>
-            </a:r>
-            <a:r>
-              <a:rPr sz="1800">
-                <a:latin typeface="Courier"/>
-              </a:rPr>
-              <a:t>,</a:t>
-            </a:r>
-            <a:r>
-              <a:rPr sz="1800">
-                <a:solidFill>
-                  <a:srgbClr val="902000"/>
-                </a:solidFill>
-                <a:latin typeface="Courier"/>
-              </a:rPr>
-              <a:t>all.y=</a:t>
-            </a:r>
-            <a:r>
-              <a:rPr sz="1800">
-                <a:latin typeface="Courier"/>
-              </a:rPr>
-              <a:t>T)[</a:t>
-            </a:r>
-            <a:r>
-              <a:rPr sz="1800" b="1">
-                <a:solidFill>
-                  <a:srgbClr val="007020"/>
-                </a:solidFill>
-                <a:latin typeface="Courier"/>
-              </a:rPr>
-              <a:t>order</a:t>
-            </a:r>
-            <a:r>
-              <a:rPr sz="1800">
-                <a:latin typeface="Courier"/>
-              </a:rPr>
-              <a:t>(Date)]</a:t>
-            </a:r>
-            <a:br/>
-            <a:br/>
-            <a:r>
-              <a:rPr sz="1800" i="1">
-                <a:solidFill>
-                  <a:srgbClr val="60A0B0"/>
-                </a:solidFill>
-                <a:latin typeface="Courier"/>
-              </a:rPr>
-              <a:t># fill missing values</a:t>
-            </a:r>
-            <a:br/>
-            <a:r>
-              <a:rPr sz="1800">
-                <a:latin typeface="Courier"/>
-              </a:rPr>
-              <a:t>Unemp[,Unemp  </a:t>
-            </a:r>
-            <a:r>
-              <a:rPr sz="1800">
-                <a:solidFill>
-                  <a:srgbClr val="666666"/>
-                </a:solidFill>
-                <a:latin typeface="Courier"/>
-              </a:rPr>
-              <a:t>:</a:t>
-            </a:r>
-            <a:r>
-              <a:rPr sz="1800" b="1">
-                <a:solidFill>
-                  <a:srgbClr val="FF0000"/>
-                </a:solidFill>
-                <a:latin typeface="Courier"/>
-              </a:rPr>
-              <a:t>=</a:t>
-            </a:r>
-            <a:r>
-              <a:rPr sz="1800">
-                <a:solidFill>
-                  <a:srgbClr val="4070A0"/>
-                </a:solidFill>
-                <a:latin typeface="Courier"/>
-              </a:rPr>
-              <a:t> </a:t>
-            </a:r>
-            <a:r>
-              <a:rPr sz="1800" b="1">
-                <a:solidFill>
-                  <a:srgbClr val="007020"/>
-                </a:solidFill>
-                <a:latin typeface="Courier"/>
-              </a:rPr>
-              <a:t>na.locf</a:t>
-            </a:r>
-            <a:r>
-              <a:rPr sz="1800">
-                <a:latin typeface="Courier"/>
-              </a:rPr>
-              <a:t>(Unemp ,</a:t>
-            </a:r>
-            <a:r>
-              <a:rPr sz="1800">
-                <a:solidFill>
-                  <a:srgbClr val="902000"/>
-                </a:solidFill>
-                <a:latin typeface="Courier"/>
-              </a:rPr>
-              <a:t>na.rm=</a:t>
-            </a:r>
-            <a:r>
-              <a:rPr sz="1800">
-                <a:latin typeface="Courier"/>
-              </a:rPr>
-              <a:t>F,</a:t>
-            </a:r>
-            <a:r>
-              <a:rPr sz="1800">
-                <a:solidFill>
-                  <a:srgbClr val="902000"/>
-                </a:solidFill>
-                <a:latin typeface="Courier"/>
-              </a:rPr>
-              <a:t>fromLast=</a:t>
-            </a:r>
-            <a:r>
-              <a:rPr sz="1800">
-                <a:latin typeface="Courier"/>
-              </a:rPr>
-              <a:t>F,</a:t>
-            </a:r>
-            <a:r>
-              <a:rPr sz="1800">
-                <a:solidFill>
-                  <a:srgbClr val="902000"/>
-                </a:solidFill>
-                <a:latin typeface="Courier"/>
-              </a:rPr>
-              <a:t>rule=</a:t>
-            </a:r>
-            <a:r>
-              <a:rPr sz="1800">
-                <a:solidFill>
-                  <a:srgbClr val="40A070"/>
-                </a:solidFill>
-                <a:latin typeface="Courier"/>
-              </a:rPr>
-              <a:t>1</a:t>
-            </a:r>
-            <a:r>
-              <a:rPr sz="1800">
-                <a:latin typeface="Courier"/>
-              </a:rPr>
-              <a:t>)] </a:t>
-            </a:r>
-            <a:r>
-              <a:rPr sz="1800" i="1">
-                <a:solidFill>
-                  <a:srgbClr val="60A0B0"/>
-                </a:solidFill>
-                <a:latin typeface="Courier"/>
-              </a:rPr>
-              <a:t>#rule=2 grabs the closest backwards or forward</a:t>
-            </a:r>
-            <a:br/>
-            <a:br/>
-            <a:r>
-              <a:rPr sz="1800" b="1">
-                <a:solidFill>
-                  <a:srgbClr val="007020"/>
-                </a:solidFill>
-                <a:latin typeface="Courier"/>
-              </a:rPr>
-              <a:t>head</a:t>
-            </a:r>
-            <a:r>
-              <a:rPr sz="1800">
-                <a:latin typeface="Courier"/>
-              </a:rPr>
-              <a:t>(Unemp)</a:t>
-            </a:r>
-          </a:p>
-          <a:p>
-            <a:pPr lvl="0" marL="1270000" indent="0">
-              <a:buNone/>
-            </a:pPr>
-            <a:r>
-              <a:rPr sz="1800">
-                <a:latin typeface="Courier"/>
-              </a:rPr>
-              <a:t>##          Date Unemp
-## 1: 2018-01-01   4.1
-## 2: 2018-01-02   4.1
-## 3: 2018-01-03   4.1
-## 4: 2018-01-04   4.1
-## 5: 2018-01-05   4.1
-## 6: 2018-01-06   4.1</a:t>
-            </a:r>
-          </a:p>
-        </p:txBody>
-      </p:sp>
-    </p:spTree>
-  </p:cSld>
-</p:sld>
-</file>
-
-<file path=ppt/slides/slide7.xml><?xml version="1.0" encoding="utf-8"?>
-<p:sld xmlns:a="http://schemas.openxmlformats.org/drawingml/2006/main" xmlns:r="http://schemas.openxmlformats.org/officeDocument/2006/relationships" xmlns:p="http://schemas.openxmlformats.org/presentationml/2006/main">
-  <p:cSld>
-    <p:spTree>
-      <p:nvGrpSpPr>
-        <p:cNvPr id="1" name=""/>
-        <p:cNvGrpSpPr/>
-        <p:nvPr/>
-      </p:nvGrpSpPr>
-      <p:grpSpPr>
-        <a:xfrm>
-          <a:off x="0" y="0"/>
-          <a:ext cx="0" cy="0"/>
-          <a:chOff x="0" y="0"/>
-          <a:chExt cx="0" cy="0"/>
-        </a:xfrm>
-      </p:grpSpPr>
-      <p:sp>
-        <p:nvSpPr>
-          <p:cNvPr id="2" name="Title 1"/>
-          <p:cNvSpPr>
-            <a:spLocks noGrp="1"/>
-          </p:cNvSpPr>
-          <p:nvPr>
-            <p:ph type="title"/>
-          </p:nvPr>
-        </p:nvSpPr>
-        <p:spPr/>
-        <p:txBody>
-          <a:bodyPr/>
-          <a:lstStyle/>
-          <a:p>
-            <a:pPr lvl="0" marL="0" indent="0">
-              <a:buNone/>
-            </a:pPr>
-            <a:r>
-              <a:rPr/>
-              <a:t>Getting</a:t>
-            </a:r>
-            <a:r>
-              <a:rPr/>
-              <a:t> </a:t>
-            </a:r>
-            <a:r>
-              <a:rPr/>
-              <a:t>NASDAQ</a:t>
-            </a:r>
-            <a:r>
-              <a:rPr/>
-              <a:t> </a:t>
-            </a:r>
-            <a:r>
-              <a:rPr/>
-              <a:t>Data</a:t>
-            </a:r>
-          </a:p>
-        </p:txBody>
-      </p:sp>
-      <p:sp>
-        <p:nvSpPr>
-          <p:cNvPr id="3" name="Content Placeholder 2"/>
-          <p:cNvSpPr>
-            <a:spLocks noGrp="1"/>
-          </p:cNvSpPr>
-          <p:nvPr>
-            <p:ph idx="1"/>
-          </p:nvPr>
-        </p:nvSpPr>
-        <p:spPr/>
-        <p:txBody>
-          <a:bodyPr/>
-          <a:lstStyle/>
-          <a:p>
-            <a:pPr lvl="0" marL="1270000" indent="0">
-              <a:buNone/>
-            </a:pPr>
-            <a:r>
-              <a:rPr sz="1800">
-                <a:latin typeface="Courier"/>
-              </a:rPr>
-              <a:t>### Unemployment </a:t>
-            </a:r>
-            <a:r>
-              <a:rPr sz="1800" b="1">
-                <a:solidFill>
-                  <a:srgbClr val="FF0000"/>
-                </a:solidFill>
-                <a:latin typeface="Courier"/>
-              </a:rPr>
-              <a:t>###</a:t>
-            </a:r>
-            <a:br/>
-            <a:r>
-              <a:rPr sz="1800" i="1">
-                <a:solidFill>
-                  <a:srgbClr val="60A0B0"/>
-                </a:solidFill>
-                <a:latin typeface="Courier"/>
-              </a:rPr>
-              <a:t># get data</a:t>
-            </a:r>
-            <a:br/>
-            <a:r>
-              <a:rPr sz="1800">
-                <a:latin typeface="Courier"/>
-              </a:rPr>
-              <a:t>NASDAQ =</a:t>
-            </a:r>
-            <a:r>
-              <a:rPr sz="1800">
-                <a:solidFill>
-                  <a:srgbClr val="4070A0"/>
-                </a:solidFill>
-                <a:latin typeface="Courier"/>
-              </a:rPr>
-              <a:t> </a:t>
-            </a:r>
-            <a:r>
-              <a:rPr sz="1800" b="1">
-                <a:solidFill>
-                  <a:srgbClr val="007020"/>
-                </a:solidFill>
-                <a:latin typeface="Courier"/>
-              </a:rPr>
-              <a:t>data.table</a:t>
-            </a:r>
-            <a:r>
-              <a:rPr sz="1800">
-                <a:latin typeface="Courier"/>
-              </a:rPr>
-              <a:t>(</a:t>
-            </a:r>
-            <a:r>
-              <a:rPr sz="1800" b="1">
-                <a:solidFill>
-                  <a:srgbClr val="007020"/>
-                </a:solidFill>
-                <a:latin typeface="Courier"/>
-              </a:rPr>
-              <a:t>Quandl</a:t>
-            </a:r>
-            <a:r>
-              <a:rPr sz="1800">
-                <a:latin typeface="Courier"/>
-              </a:rPr>
-              <a:t>(</a:t>
-            </a:r>
-            <a:r>
-              <a:rPr sz="1800">
-                <a:solidFill>
-                  <a:srgbClr val="4070A0"/>
-                </a:solidFill>
-                <a:latin typeface="Courier"/>
-              </a:rPr>
-              <a:t>"NASDAQOMX/NDX"</a:t>
-            </a:r>
-            <a:r>
-              <a:rPr sz="1800">
-                <a:latin typeface="Courier"/>
-              </a:rPr>
-              <a:t>,</a:t>
-            </a:r>
-            <a:r>
-              <a:rPr sz="1800">
-                <a:solidFill>
-                  <a:srgbClr val="902000"/>
-                </a:solidFill>
-                <a:latin typeface="Courier"/>
-              </a:rPr>
-              <a:t>start_date =</a:t>
-            </a:r>
-            <a:r>
-              <a:rPr sz="1800">
-                <a:latin typeface="Courier"/>
-              </a:rPr>
-              <a:t> startDate))</a:t>
-            </a:r>
-            <a:br/>
-            <a:r>
-              <a:rPr sz="1800" i="1">
-                <a:solidFill>
-                  <a:srgbClr val="60A0B0"/>
-                </a:solidFill>
-                <a:latin typeface="Courier"/>
-              </a:rPr>
-              <a:t># select columns</a:t>
-            </a:r>
-            <a:br/>
-            <a:r>
-              <a:rPr sz="1800">
-                <a:latin typeface="Courier"/>
-              </a:rPr>
-              <a:t>NASDAQ=NASDAQ[,.(</a:t>
-            </a:r>
-            <a:r>
-              <a:rPr sz="1800">
-                <a:solidFill>
-                  <a:srgbClr val="902000"/>
-                </a:solidFill>
-                <a:latin typeface="Courier"/>
-              </a:rPr>
-              <a:t>Date =</a:t>
-            </a:r>
-            <a:r>
-              <a:rPr sz="1800">
-                <a:latin typeface="Courier"/>
-              </a:rPr>
-              <a:t> </a:t>
-            </a:r>
-            <a:r>
-              <a:rPr sz="1800">
-                <a:solidFill>
-                  <a:srgbClr val="4070A0"/>
-                </a:solidFill>
-                <a:latin typeface="Courier"/>
-              </a:rPr>
-              <a:t>`</a:t>
-            </a:r>
-            <a:r>
-              <a:rPr sz="1800">
-                <a:solidFill>
-                  <a:srgbClr val="902000"/>
-                </a:solidFill>
-                <a:latin typeface="Courier"/>
-              </a:rPr>
-              <a:t>Trade Date</a:t>
-            </a:r>
-            <a:r>
-              <a:rPr sz="1800">
-                <a:solidFill>
-                  <a:srgbClr val="4070A0"/>
-                </a:solidFill>
-                <a:latin typeface="Courier"/>
-              </a:rPr>
-              <a:t>`</a:t>
-            </a:r>
-            <a:r>
-              <a:rPr sz="1800">
-                <a:latin typeface="Courier"/>
-              </a:rPr>
-              <a:t>,</a:t>
-            </a:r>
-            <a:r>
-              <a:rPr sz="1800">
-                <a:solidFill>
-                  <a:srgbClr val="902000"/>
-                </a:solidFill>
-                <a:latin typeface="Courier"/>
-              </a:rPr>
-              <a:t>NASDAQ =</a:t>
-            </a:r>
-            <a:r>
-              <a:rPr sz="1800">
-                <a:latin typeface="Courier"/>
-              </a:rPr>
-              <a:t> </a:t>
-            </a:r>
-            <a:r>
-              <a:rPr sz="1800">
-                <a:solidFill>
-                  <a:srgbClr val="4070A0"/>
-                </a:solidFill>
-                <a:latin typeface="Courier"/>
-              </a:rPr>
-              <a:t>`</a:t>
-            </a:r>
-            <a:r>
-              <a:rPr sz="1800">
-                <a:solidFill>
-                  <a:srgbClr val="902000"/>
-                </a:solidFill>
-                <a:latin typeface="Courier"/>
-              </a:rPr>
-              <a:t>Index Value</a:t>
-            </a:r>
-            <a:r>
-              <a:rPr sz="1800">
-                <a:solidFill>
-                  <a:srgbClr val="4070A0"/>
-                </a:solidFill>
-                <a:latin typeface="Courier"/>
-              </a:rPr>
-              <a:t>`</a:t>
-            </a:r>
-            <a:r>
-              <a:rPr sz="1800">
-                <a:latin typeface="Courier"/>
-              </a:rPr>
-              <a:t>)]</a:t>
-            </a:r>
-            <a:br/>
-            <a:r>
-              <a:rPr sz="1800" i="1">
-                <a:solidFill>
-                  <a:srgbClr val="60A0B0"/>
-                </a:solidFill>
-                <a:latin typeface="Courier"/>
-              </a:rPr>
-              <a:t># create all missing dates</a:t>
-            </a:r>
-            <a:br/>
-            <a:r>
-              <a:rPr sz="1800">
-                <a:latin typeface="Courier"/>
-              </a:rPr>
-              <a:t>NASDAQ=</a:t>
-            </a:r>
-            <a:r>
-              <a:rPr sz="1800" b="1">
-                <a:solidFill>
-                  <a:srgbClr val="007020"/>
-                </a:solidFill>
-                <a:latin typeface="Courier"/>
-              </a:rPr>
-              <a:t>merge</a:t>
-            </a:r>
-            <a:r>
-              <a:rPr sz="1800">
-                <a:latin typeface="Courier"/>
-              </a:rPr>
-              <a:t>(NASDAQ,allDates,</a:t>
-            </a:r>
-            <a:r>
-              <a:rPr sz="1800">
-                <a:solidFill>
-                  <a:srgbClr val="902000"/>
-                </a:solidFill>
-                <a:latin typeface="Courier"/>
-              </a:rPr>
-              <a:t>by=</a:t>
-            </a:r>
-            <a:r>
-              <a:rPr sz="1800">
-                <a:solidFill>
-                  <a:srgbClr val="4070A0"/>
-                </a:solidFill>
-                <a:latin typeface="Courier"/>
-              </a:rPr>
-              <a:t>'Date'</a:t>
-            </a:r>
-            <a:r>
-              <a:rPr sz="1800">
-                <a:latin typeface="Courier"/>
-              </a:rPr>
-              <a:t>,</a:t>
-            </a:r>
-            <a:r>
-              <a:rPr sz="1800">
-                <a:solidFill>
-                  <a:srgbClr val="902000"/>
-                </a:solidFill>
-                <a:latin typeface="Courier"/>
-              </a:rPr>
-              <a:t>all.y=</a:t>
-            </a:r>
-            <a:r>
-              <a:rPr sz="1800">
-                <a:latin typeface="Courier"/>
-              </a:rPr>
-              <a:t>T)[</a:t>
-            </a:r>
-            <a:r>
-              <a:rPr sz="1800" b="1">
-                <a:solidFill>
-                  <a:srgbClr val="007020"/>
-                </a:solidFill>
-                <a:latin typeface="Courier"/>
-              </a:rPr>
-              <a:t>order</a:t>
-            </a:r>
-            <a:r>
-              <a:rPr sz="1800">
-                <a:latin typeface="Courier"/>
-              </a:rPr>
-              <a:t>(Date)]</a:t>
-            </a:r>
-            <a:br/>
-            <a:br/>
-            <a:r>
-              <a:rPr sz="1800" i="1">
-                <a:solidFill>
-                  <a:srgbClr val="60A0B0"/>
-                </a:solidFill>
-                <a:latin typeface="Courier"/>
-              </a:rPr>
-              <a:t># fill missing values</a:t>
-            </a:r>
-            <a:br/>
-            <a:r>
-              <a:rPr sz="1800">
-                <a:latin typeface="Courier"/>
-              </a:rPr>
-              <a:t>NASDAQ[,NASDAQ  </a:t>
-            </a:r>
-            <a:r>
-              <a:rPr sz="1800">
-                <a:solidFill>
-                  <a:srgbClr val="666666"/>
-                </a:solidFill>
-                <a:latin typeface="Courier"/>
-              </a:rPr>
-              <a:t>:</a:t>
-            </a:r>
-            <a:r>
-              <a:rPr sz="1800" b="1">
-                <a:solidFill>
-                  <a:srgbClr val="FF0000"/>
-                </a:solidFill>
-                <a:latin typeface="Courier"/>
-              </a:rPr>
-              <a:t>=</a:t>
-            </a:r>
-            <a:r>
-              <a:rPr sz="1800">
-                <a:solidFill>
-                  <a:srgbClr val="4070A0"/>
-                </a:solidFill>
-                <a:latin typeface="Courier"/>
-              </a:rPr>
-              <a:t> </a:t>
-            </a:r>
-            <a:r>
-              <a:rPr sz="1800" b="1">
-                <a:solidFill>
-                  <a:srgbClr val="007020"/>
-                </a:solidFill>
-                <a:latin typeface="Courier"/>
-              </a:rPr>
-              <a:t>na.locf</a:t>
-            </a:r>
-            <a:r>
-              <a:rPr sz="1800">
-                <a:latin typeface="Courier"/>
-              </a:rPr>
-              <a:t>(NASDAQ ,</a:t>
-            </a:r>
-            <a:r>
-              <a:rPr sz="1800">
-                <a:solidFill>
-                  <a:srgbClr val="902000"/>
-                </a:solidFill>
-                <a:latin typeface="Courier"/>
-              </a:rPr>
-              <a:t>na.rm=</a:t>
-            </a:r>
-            <a:r>
-              <a:rPr sz="1800">
-                <a:latin typeface="Courier"/>
-              </a:rPr>
-              <a:t>F,</a:t>
-            </a:r>
-            <a:r>
-              <a:rPr sz="1800">
-                <a:solidFill>
-                  <a:srgbClr val="902000"/>
-                </a:solidFill>
-                <a:latin typeface="Courier"/>
-              </a:rPr>
-              <a:t>fromLast=</a:t>
-            </a:r>
-            <a:r>
-              <a:rPr sz="1800">
-                <a:latin typeface="Courier"/>
-              </a:rPr>
-              <a:t>F,</a:t>
-            </a:r>
-            <a:r>
-              <a:rPr sz="1800">
-                <a:solidFill>
-                  <a:srgbClr val="902000"/>
-                </a:solidFill>
-                <a:latin typeface="Courier"/>
-              </a:rPr>
-              <a:t>rule=</a:t>
-            </a:r>
-            <a:r>
-              <a:rPr sz="1800">
-                <a:solidFill>
-                  <a:srgbClr val="40A070"/>
-                </a:solidFill>
-                <a:latin typeface="Courier"/>
-              </a:rPr>
-              <a:t>1</a:t>
-            </a:r>
-            <a:r>
-              <a:rPr sz="1800">
-                <a:latin typeface="Courier"/>
-              </a:rPr>
-              <a:t>)] </a:t>
-            </a:r>
-            <a:r>
-              <a:rPr sz="1800" i="1">
-                <a:solidFill>
-                  <a:srgbClr val="60A0B0"/>
-                </a:solidFill>
-                <a:latin typeface="Courier"/>
-              </a:rPr>
-              <a:t>#rule=2 grabs the closest backwards or forward</a:t>
-            </a:r>
-            <a:br/>
-            <a:br/>
-            <a:r>
-              <a:rPr sz="1800" b="1">
-                <a:solidFill>
-                  <a:srgbClr val="007020"/>
-                </a:solidFill>
-                <a:latin typeface="Courier"/>
-              </a:rPr>
-              <a:t>head</a:t>
-            </a:r>
-            <a:r>
-              <a:rPr sz="1800">
-                <a:latin typeface="Courier"/>
-              </a:rPr>
-              <a:t>(NASDAQ)</a:t>
-            </a:r>
-          </a:p>
-          <a:p>
-            <a:pPr lvl="0" marL="1270000" indent="0">
-              <a:buNone/>
-            </a:pPr>
-            <a:r>
-              <a:rPr sz="1800">
-                <a:latin typeface="Courier"/>
-              </a:rPr>
-              <a:t>##          Date  NASDAQ
-## 1: 2018-01-01      NA
-## 2: 2018-01-02 6511.34
-## 3: 2018-01-03 6575.80
-## 4: 2018-01-04 6584.58
-## 5: 2018-01-05 6653.29
-## 6: 2018-01-06 6653.29</a:t>
-            </a:r>
-          </a:p>
-        </p:txBody>
-      </p:sp>
-    </p:spTree>
-  </p:cSld>
-</p:sld>
-</file>
-
-<file path=ppt/slides/slide8.xml><?xml version="1.0" encoding="utf-8"?>
-<p:sld xmlns:a="http://schemas.openxmlformats.org/drawingml/2006/main" xmlns:r="http://schemas.openxmlformats.org/officeDocument/2006/relationships" xmlns:p="http://schemas.openxmlformats.org/presentationml/2006/main">
-  <p:cSld>
-    <p:spTree>
-      <p:nvGrpSpPr>
-        <p:cNvPr id="1" name=""/>
-        <p:cNvGrpSpPr/>
-        <p:nvPr/>
-      </p:nvGrpSpPr>
-      <p:grpSpPr>
-        <a:xfrm>
-          <a:off x="0" y="0"/>
-          <a:ext cx="0" cy="0"/>
-          <a:chOff x="0" y="0"/>
-          <a:chExt cx="0" cy="0"/>
-        </a:xfrm>
-      </p:grpSpPr>
-      <p:sp>
-        <p:nvSpPr>
-          <p:cNvPr id="2" name="Title 1"/>
-          <p:cNvSpPr>
-            <a:spLocks noGrp="1"/>
-          </p:cNvSpPr>
-          <p:nvPr>
-            <p:ph type="title"/>
-          </p:nvPr>
-        </p:nvSpPr>
-        <p:spPr/>
-        <p:txBody>
-          <a:bodyPr/>
-          <a:lstStyle/>
-          <a:p>
-            <a:pPr lvl="0" marL="0" indent="0">
-              <a:buNone/>
-            </a:pPr>
-            <a:r>
-              <a:rPr/>
-              <a:t>Merge</a:t>
-            </a:r>
-            <a:r>
-              <a:rPr/>
-              <a:t> </a:t>
-            </a:r>
-            <a:r>
-              <a:rPr/>
-              <a:t>and</a:t>
-            </a:r>
-            <a:r>
-              <a:rPr/>
-              <a:t> </a:t>
-            </a:r>
-            <a:r>
-              <a:rPr/>
-              <a:t>Clean</a:t>
-            </a:r>
-          </a:p>
-        </p:txBody>
-      </p:sp>
-      <p:sp>
-        <p:nvSpPr>
-          <p:cNvPr id="3" name="Content Placeholder 2"/>
-          <p:cNvSpPr>
-            <a:spLocks noGrp="1"/>
-          </p:cNvSpPr>
-          <p:nvPr>
-            <p:ph idx="1"/>
-          </p:nvPr>
-        </p:nvSpPr>
-        <p:spPr/>
-        <p:txBody>
-          <a:bodyPr/>
-          <a:lstStyle/>
-          <a:p>
-            <a:pPr lvl="0" marL="1270000" indent="0">
-              <a:buNone/>
-            </a:pPr>
-            <a:r>
-              <a:rPr sz="1800">
-                <a:latin typeface="Courier"/>
-              </a:rPr>
-              <a:t>dataset =</a:t>
-            </a:r>
-            <a:r>
-              <a:rPr sz="1800">
-                <a:solidFill>
-                  <a:srgbClr val="4070A0"/>
-                </a:solidFill>
-                <a:latin typeface="Courier"/>
-              </a:rPr>
-              <a:t> </a:t>
-            </a:r>
-            <a:r>
-              <a:rPr sz="1800" b="1">
-                <a:solidFill>
-                  <a:srgbClr val="007020"/>
-                </a:solidFill>
-                <a:latin typeface="Courier"/>
-              </a:rPr>
-              <a:t>merge</a:t>
-            </a:r>
-            <a:r>
-              <a:rPr sz="1800">
-                <a:latin typeface="Courier"/>
-              </a:rPr>
-              <a:t>(allDates,GDP,</a:t>
-            </a:r>
-            <a:r>
-              <a:rPr sz="1800">
-                <a:solidFill>
-                  <a:srgbClr val="902000"/>
-                </a:solidFill>
-                <a:latin typeface="Courier"/>
-              </a:rPr>
-              <a:t>by=</a:t>
-            </a:r>
-            <a:r>
-              <a:rPr sz="1800">
-                <a:solidFill>
-                  <a:srgbClr val="4070A0"/>
-                </a:solidFill>
-                <a:latin typeface="Courier"/>
-              </a:rPr>
-              <a:t>'Date'</a:t>
-            </a:r>
-            <a:r>
-              <a:rPr sz="1800">
-                <a:latin typeface="Courier"/>
-              </a:rPr>
-              <a:t>,</a:t>
-            </a:r>
-            <a:r>
-              <a:rPr sz="1800">
-                <a:solidFill>
-                  <a:srgbClr val="902000"/>
-                </a:solidFill>
-                <a:latin typeface="Courier"/>
-              </a:rPr>
-              <a:t>all.x=</a:t>
-            </a:r>
-            <a:r>
-              <a:rPr sz="1800">
-                <a:latin typeface="Courier"/>
-              </a:rPr>
-              <a:t>T)</a:t>
-            </a:r>
-            <a:br/>
-            <a:r>
-              <a:rPr sz="1800">
-                <a:latin typeface="Courier"/>
-              </a:rPr>
-              <a:t>dataset =</a:t>
-            </a:r>
-            <a:r>
-              <a:rPr sz="1800">
-                <a:solidFill>
-                  <a:srgbClr val="4070A0"/>
-                </a:solidFill>
-                <a:latin typeface="Courier"/>
-              </a:rPr>
-              <a:t> </a:t>
-            </a:r>
-            <a:r>
-              <a:rPr sz="1800" b="1">
-                <a:solidFill>
-                  <a:srgbClr val="007020"/>
-                </a:solidFill>
-                <a:latin typeface="Courier"/>
-              </a:rPr>
-              <a:t>merge</a:t>
-            </a:r>
-            <a:r>
-              <a:rPr sz="1800">
-                <a:latin typeface="Courier"/>
-              </a:rPr>
-              <a:t>(dataset,Unemp,</a:t>
-            </a:r>
-            <a:r>
-              <a:rPr sz="1800">
-                <a:solidFill>
-                  <a:srgbClr val="902000"/>
-                </a:solidFill>
-                <a:latin typeface="Courier"/>
-              </a:rPr>
-              <a:t>by=</a:t>
-            </a:r>
-            <a:r>
-              <a:rPr sz="1800">
-                <a:solidFill>
-                  <a:srgbClr val="4070A0"/>
-                </a:solidFill>
-                <a:latin typeface="Courier"/>
-              </a:rPr>
-              <a:t>'Date'</a:t>
-            </a:r>
-            <a:r>
-              <a:rPr sz="1800">
-                <a:latin typeface="Courier"/>
-              </a:rPr>
-              <a:t>,</a:t>
-            </a:r>
-            <a:r>
-              <a:rPr sz="1800">
-                <a:solidFill>
-                  <a:srgbClr val="902000"/>
-                </a:solidFill>
-                <a:latin typeface="Courier"/>
-              </a:rPr>
-              <a:t>all.x=</a:t>
-            </a:r>
-            <a:r>
-              <a:rPr sz="1800">
-                <a:latin typeface="Courier"/>
-              </a:rPr>
-              <a:t>T)</a:t>
-            </a:r>
-            <a:br/>
-            <a:r>
-              <a:rPr sz="1800">
-                <a:latin typeface="Courier"/>
-              </a:rPr>
-              <a:t>dataset =</a:t>
-            </a:r>
-            <a:r>
-              <a:rPr sz="1800">
-                <a:solidFill>
-                  <a:srgbClr val="4070A0"/>
-                </a:solidFill>
-                <a:latin typeface="Courier"/>
-              </a:rPr>
-              <a:t> </a:t>
-            </a:r>
-            <a:r>
-              <a:rPr sz="1800" b="1">
-                <a:solidFill>
-                  <a:srgbClr val="007020"/>
-                </a:solidFill>
-                <a:latin typeface="Courier"/>
-              </a:rPr>
-              <a:t>merge</a:t>
-            </a:r>
-            <a:r>
-              <a:rPr sz="1800">
-                <a:latin typeface="Courier"/>
-              </a:rPr>
-              <a:t>(dataset,NASDAQ,</a:t>
-            </a:r>
-            <a:r>
-              <a:rPr sz="1800">
-                <a:solidFill>
-                  <a:srgbClr val="902000"/>
-                </a:solidFill>
-                <a:latin typeface="Courier"/>
-              </a:rPr>
-              <a:t>by=</a:t>
-            </a:r>
-            <a:r>
-              <a:rPr sz="1800">
-                <a:solidFill>
-                  <a:srgbClr val="4070A0"/>
-                </a:solidFill>
-                <a:latin typeface="Courier"/>
-              </a:rPr>
-              <a:t>'Date'</a:t>
-            </a:r>
-            <a:r>
-              <a:rPr sz="1800">
-                <a:latin typeface="Courier"/>
-              </a:rPr>
-              <a:t>,</a:t>
-            </a:r>
-            <a:r>
-              <a:rPr sz="1800">
-                <a:solidFill>
-                  <a:srgbClr val="902000"/>
-                </a:solidFill>
-                <a:latin typeface="Courier"/>
-              </a:rPr>
-              <a:t>all.x=</a:t>
-            </a:r>
-            <a:r>
-              <a:rPr sz="1800">
-                <a:latin typeface="Courier"/>
-              </a:rPr>
-              <a:t>T)</a:t>
-            </a:r>
-            <a:br/>
-            <a:br/>
-            <a:r>
-              <a:rPr sz="1800" b="1">
-                <a:solidFill>
-                  <a:srgbClr val="007020"/>
-                </a:solidFill>
-                <a:latin typeface="Courier"/>
-              </a:rPr>
-              <a:t>head</a:t>
-            </a:r>
-            <a:r>
-              <a:rPr sz="1800">
-                <a:latin typeface="Courier"/>
-              </a:rPr>
-              <a:t>(dataset)</a:t>
-            </a:r>
-          </a:p>
-          <a:p>
-            <a:pPr lvl="0" marL="1270000" indent="0">
-              <a:buNone/>
-            </a:pPr>
-            <a:r>
-              <a:rPr sz="1800">
-                <a:latin typeface="Courier"/>
-              </a:rPr>
-              <a:t>##          Date      GDP Unemp  NASDAQ
+              <a:rPr sz="1100" dirty="0">
+                <a:latin typeface="Courier"/>
+              </a:rPr>
+              <a:t>##          Date      GDP </a:t>
+            </a:r>
+            <a:r>
+              <a:rPr sz="1100" dirty="0" err="1">
+                <a:latin typeface="Courier"/>
+              </a:rPr>
+              <a:t>Unemp</a:t>
+            </a:r>
+            <a:r>
+              <a:rPr sz="1100" dirty="0">
+                <a:latin typeface="Courier"/>
+              </a:rPr>
+              <a:t>  NASDAQ
 ## 1: 2018-01-01 20041.05   4.1      NA
 ## 2: 2018-01-02 20041.05   4.1 6511.34
 ## 3: 2018-01-03 20041.05   4.1 6575.80
@@ -5580,27 +6565,65 @@
             </a:r>
           </a:p>
           <a:p>
-            <a:pPr lvl="0" marL="1270000" indent="0">
+            <a:pPr marL="0" lvl="0" indent="0">
               <a:buNone/>
             </a:pPr>
             <a:r>
-              <a:rPr sz="1800" i="1">
+              <a:rPr sz="1100" i="1" dirty="0">
                 <a:solidFill>
                   <a:srgbClr val="60A0B0"/>
                 </a:solidFill>
                 <a:latin typeface="Courier"/>
               </a:rPr>
-              <a:t># keep records don't have NAs</a:t>
-            </a:r>
-            <a:br/>
-            <a:r>
-              <a:rPr sz="1800">
+              <a:t># keep records </a:t>
+            </a:r>
+            <a:r>
+              <a:rPr lang="en-US" sz="1100" i="1" dirty="0">
+                <a:solidFill>
+                  <a:srgbClr val="60A0B0"/>
+                </a:solidFill>
+                <a:latin typeface="Courier"/>
+              </a:rPr>
+              <a:t>that </a:t>
+            </a:r>
+            <a:r>
+              <a:rPr sz="1100" i="1" dirty="0">
+                <a:solidFill>
+                  <a:srgbClr val="60A0B0"/>
+                </a:solidFill>
+                <a:latin typeface="Courier"/>
+              </a:rPr>
+              <a:t>do</a:t>
+            </a:r>
+            <a:r>
+              <a:rPr lang="en-US" sz="1100" i="1" dirty="0">
+                <a:solidFill>
+                  <a:srgbClr val="60A0B0"/>
+                </a:solidFill>
+                <a:latin typeface="Courier"/>
+              </a:rPr>
+              <a:t>n’t</a:t>
+            </a:r>
+            <a:r>
+              <a:rPr sz="1100" i="1" dirty="0">
+                <a:solidFill>
+                  <a:srgbClr val="60A0B0"/>
+                </a:solidFill>
+                <a:latin typeface="Courier"/>
+              </a:rPr>
+              <a:t> have NAs</a:t>
+            </a:r>
+            <a:br>
+              <a:rPr sz="1100" dirty="0"/>
+            </a:br>
+            <a:r>
+              <a:rPr sz="1100" dirty="0">
                 <a:latin typeface="Courier"/>
               </a:rPr>
               <a:t>keep=</a:t>
             </a:r>
             <a:r>
-              <a:rPr sz="1800">
+              <a:rPr sz="1100" dirty="0">
                 <a:solidFill>
                   <a:srgbClr val="4070A0"/>
                 </a:solidFill>
@@ -5609,7 +6632,7 @@
               <a:t> </a:t>
             </a:r>
             <a:r>
-              <a:rPr sz="1800" b="1">
+              <a:rPr sz="1100" b="1" dirty="0" err="1">
                 <a:solidFill>
                   <a:srgbClr val="007020"/>
                 </a:solidFill>
@@ -5618,22 +6641,28 @@
               <a:t>complete.cases</a:t>
             </a:r>
             <a:r>
-              <a:rPr sz="1800">
+              <a:rPr sz="1100" dirty="0">
                 <a:latin typeface="Courier"/>
               </a:rPr>
               <a:t>(dataset)</a:t>
             </a:r>
-            <a:br/>
-            <a:r>
-              <a:rPr sz="1800">
+            <a:br>
+              <a:rPr sz="1100" dirty="0"/>
+            </a:br>
+            <a:r>
+              <a:rPr sz="1100" dirty="0">
                 <a:latin typeface="Courier"/>
               </a:rPr>
               <a:t>dataset=dataset[keep,]</a:t>
             </a:r>
-            <a:br/>
-            <a:br/>
-            <a:r>
-              <a:rPr sz="1800" b="1">
+            <a:br>
+              <a:rPr sz="1100" dirty="0"/>
+            </a:br>
+            <a:br>
+              <a:rPr sz="1100" dirty="0"/>
+            </a:br>
+            <a:r>
+              <a:rPr sz="1100" b="1" dirty="0">
                 <a:solidFill>
                   <a:srgbClr val="007020"/>
                 </a:solidFill>
@@ -5642,21 +6671,33 @@
               <a:t>head</a:t>
             </a:r>
             <a:r>
-              <a:rPr sz="1800">
+              <a:rPr sz="1100" dirty="0">
                 <a:latin typeface="Courier"/>
               </a:rPr>
               <a:t>(dataset)</a:t>
             </a:r>
           </a:p>
           <a:p>
-            <a:pPr lvl="0" marL="1270000" indent="0">
+            <a:pPr marL="0" lvl="0" indent="0">
               <a:buNone/>
             </a:pPr>
             <a:r>
-              <a:rPr sz="1800">
-                <a:latin typeface="Courier"/>
-              </a:rPr>
-              <a:t>##          Date      GDP Unemp  NASDAQ
+              <a:rPr sz="1100" dirty="0">
+                <a:latin typeface="Courier"/>
+              </a:rPr>
+              <a:t>##          Date      GDP </a:t>
+            </a:r>
+            <a:r>
+              <a:rPr sz="1100" dirty="0" err="1">
+                <a:latin typeface="Courier"/>
+              </a:rPr>
+              <a:t>Unemp</a:t>
+            </a:r>
+            <a:r>
+              <a:rPr sz="1100" dirty="0">
+                <a:latin typeface="Courier"/>
+              </a:rPr>
+              <a:t>  NASDAQ
 ## 1: 2018-01-02 20041.05   4.1 6511.34
 ## 2: 2018-01-03 20041.05   4.1 6575.80
 ## 3: 2018-01-04 20041.05   4.1 6584.58
@@ -5669,6 +6710,9 @@
       </p:sp>
     </p:spTree>
   </p:cSld>
+  <p:clrMapOvr>
+    <a:masterClrMapping/>
+  </p:clrMapOvr>
 </p:sld>
 </file>
 
@@ -5990,4 +7034,299 @@
   </a:objectDefaults>
   <a:extraClrSchemeLst/>
 </a:theme>
+</file>
+
+<file path=ppt/theme/theme2.xml><?xml version="1.0" encoding="utf-8"?>
+<a:theme xmlns:a="http://schemas.openxmlformats.org/drawingml/2006/main" name="Office Theme">
+  <a:themeElements>
+    <a:clrScheme name="Office">
+      <a:dk1>
+        <a:sysClr val="windowText" lastClr="000000"/>
+      </a:dk1>
+      <a:lt1>
+        <a:sysClr val="window" lastClr="FFFFFF"/>
+      </a:lt1>
+      <a:dk2>
+        <a:srgbClr val="44546A"/>
+      </a:dk2>
+      <a:lt2>
+        <a:srgbClr val="E7E6E6"/>
+      </a:lt2>
+      <a:accent1>
+        <a:srgbClr val="4472C4"/>
+      </a:accent1>
+      <a:accent2>
+        <a:srgbClr val="ED7D31"/>
+      </a:accent2>
+      <a:accent3>
+        <a:srgbClr val="A5A5A5"/>
+      </a:accent3>
+      <a:accent4>
+        <a:srgbClr val="FFC000"/>
+      </a:accent4>
+      <a:accent5>
+        <a:srgbClr val="5B9BD5"/>
+      </a:accent5>
+      <a:accent6>
+        <a:srgbClr val="70AD47"/>
+      </a:accent6>
+      <a:hlink>
+        <a:srgbClr val="0563C1"/>
+      </a:hlink>
+      <a:folHlink>
+        <a:srgbClr val="954F72"/>
+      </a:folHlink>
+    </a:clrScheme>
+    <a:fontScheme name="Office">
+      <a:majorFont>
+        <a:latin typeface="Calibri Light" panose="020F0302020204030204"/>
+        <a:ea typeface=""/>
+        <a:cs typeface=""/>
+        <a:font script="Jpan" typeface="游ゴシック Light"/>
+        <a:font script="Hang" typeface="맑은 고딕"/>
+        <a:font script="Hans" typeface="等线 Light"/>
+        <a:font script="Hant" typeface="新細明體"/>
+        <a:font script="Arab" typeface="Times New Roman"/>
+        <a:font script="Hebr" typeface="Times New Roman"/>
+        <a:font script="Thai" typeface="Angsana New"/>
+        <a:font script="Ethi" typeface="Nyala"/>
+        <a:font script="Beng" typeface="Vrinda"/>
+        <a:font script="Gujr" typeface="Shruti"/>
+        <a:font script="Khmr" typeface="MoolBoran"/>
+        <a:font script="Knda" typeface="Tunga"/>
+        <a:font script="Guru" typeface="Raavi"/>
+        <a:font script="Cans" typeface="Euphemia"/>
+        <a:font script="Cher" typeface="Plantagenet Cherokee"/>
+        <a:font script="Yiii" typeface="Microsoft Yi Baiti"/>
+        <a:font script="Tibt" typeface="Microsoft Himalaya"/>
+        <a:font script="Thaa" typeface="MV Boli"/>
+        <a:font script="Deva" typeface="Mangal"/>
+        <a:font script="Telu" typeface="Gautami"/>
+        <a:font script="Taml" typeface="Latha"/>
+        <a:font script="Syrc" typeface="Estrangelo Edessa"/>
+        <a:font script="Orya" typeface="Kalinga"/>
+        <a:font script="Mlym" typeface="Kartika"/>
+        <a:font script="Laoo" typeface="DokChampa"/>
+        <a:font script="Sinh" typeface="Iskoola Pota"/>
+        <a:font script="Mong" typeface="Mongolian Baiti"/>
+        <a:font script="Viet" typeface="Times New Roman"/>
+        <a:font script="Uigh" typeface="Microsoft Uighur"/>
+        <a:font script="Geor" typeface="Sylfaen"/>
+        <a:font script="Armn" typeface="Arial"/>
+        <a:font script="Bugi" typeface="Leelawadee UI"/>
+        <a:font script="Bopo" typeface="Microsoft JhengHei"/>
+        <a:font script="Java" typeface="Javanese Text"/>
+        <a:font script="Lisu" typeface="Segoe UI"/>
+        <a:font script="Mymr" typeface="Myanmar Text"/>
+        <a:font script="Nkoo" typeface="Ebrima"/>
+        <a:font script="Olck" typeface="Nirmala UI"/>
+        <a:font script="Osma" typeface="Ebrima"/>
+        <a:font script="Phag" typeface="Phagspa"/>
+        <a:font script="Syrn" typeface="Estrangelo Edessa"/>
+        <a:font script="Syrj" typeface="Estrangelo Edessa"/>
+        <a:font script="Syre" typeface="Estrangelo Edessa"/>
+        <a:font script="Sora" typeface="Nirmala UI"/>
+        <a:font script="Tale" typeface="Microsoft Tai Le"/>
+        <a:font script="Talu" typeface="Microsoft New Tai Lue"/>
+        <a:font script="Tfng" typeface="Ebrima"/>
+      </a:majorFont>
+      <a:minorFont>
+        <a:latin typeface="Calibri" panose="020F0502020204030204"/>
+        <a:ea typeface=""/>
+        <a:cs typeface=""/>
+        <a:font script="Jpan" typeface="游ゴシック"/>
+        <a:font script="Hang" typeface="맑은 고딕"/>
+        <a:font script="Hans" typeface="等线"/>
+        <a:font script="Hant" typeface="新細明體"/>
+        <a:font script="Arab" typeface="Arial"/>
+        <a:font script="Hebr" typeface="Arial"/>
+        <a:font script="Thai" typeface="Cordia New"/>
+        <a:font script="Ethi" typeface="Nyala"/>
+        <a:font script="Beng" typeface="Vrinda"/>
+        <a:font script="Gujr" typeface="Shruti"/>
+        <a:font script="Khmr" typeface="DaunPenh"/>
+        <a:font script="Knda" typeface="Tunga"/>
+        <a:font script="Guru" typeface="Raavi"/>
+        <a:font script="Cans" typeface="Euphemia"/>
+        <a:font script="Cher" typeface="Plantagenet Cherokee"/>
+        <a:font script="Yiii" typeface="Microsoft Yi Baiti"/>
+        <a:font script="Tibt" typeface="Microsoft Himalaya"/>
+        <a:font script="Thaa" typeface="MV Boli"/>
+        <a:font script="Deva" typeface="Mangal"/>
+        <a:font script="Telu" typeface="Gautami"/>
+        <a:font script="Taml" typeface="Latha"/>
+        <a:font script="Syrc" typeface="Estrangelo Edessa"/>
+        <a:font script="Orya" typeface="Kalinga"/>
+        <a:font script="Mlym" typeface="Kartika"/>
+        <a:font script="Laoo" typeface="DokChampa"/>
+        <a:font script="Sinh" typeface="Iskoola Pota"/>
+        <a:font script="Mong" typeface="Mongolian Baiti"/>
+        <a:font script="Viet" typeface="Arial"/>
+        <a:font script="Uigh" typeface="Microsoft Uighur"/>
+        <a:font script="Geor" typeface="Sylfaen"/>
+        <a:font script="Armn" typeface="Arial"/>
+        <a:font script="Bugi" typeface="Leelawadee UI"/>
+        <a:font script="Bopo" typeface="Microsoft JhengHei"/>
+        <a:font script="Java" typeface="Javanese Text"/>
+        <a:font script="Lisu" typeface="Segoe UI"/>
+        <a:font script="Mymr" typeface="Myanmar Text"/>
+        <a:font script="Nkoo" typeface="Ebrima"/>
+        <a:font script="Olck" typeface="Nirmala UI"/>
+        <a:font script="Osma" typeface="Ebrima"/>
+        <a:font script="Phag" typeface="Phagspa"/>
+        <a:font script="Syrn" typeface="Estrangelo Edessa"/>
+        <a:font script="Syrj" typeface="Estrangelo Edessa"/>
+        <a:font script="Syre" typeface="Estrangelo Edessa"/>
+        <a:font script="Sora" typeface="Nirmala UI"/>
+        <a:font script="Tale" typeface="Microsoft Tai Le"/>
+        <a:font script="Talu" typeface="Microsoft New Tai Lue"/>
+        <a:font script="Tfng" typeface="Ebrima"/>
+      </a:minorFont>
+    </a:fontScheme>
+    <a:fmtScheme name="Office">
+      <a:fillStyleLst>
+        <a:solidFill>
+          <a:schemeClr val="phClr"/>
+        </a:solidFill>
+        <a:gradFill rotWithShape="1">
+          <a:gsLst>
+            <a:gs pos="0">
+              <a:schemeClr val="phClr">
+                <a:lumMod val="110000"/>
+                <a:satMod val="105000"/>
+                <a:tint val="67000"/>
+              </a:schemeClr>
+            </a:gs>
+            <a:gs pos="50000">
+              <a:schemeClr val="phClr">
+                <a:lumMod val="105000"/>
+                <a:satMod val="103000"/>
+                <a:tint val="73000"/>
+              </a:schemeClr>
+            </a:gs>
+            <a:gs pos="100000">
+              <a:schemeClr val="phClr">
+                <a:lumMod val="105000"/>
+                <a:satMod val="109000"/>
+                <a:tint val="81000"/>
+              </a:schemeClr>
+            </a:gs>
+          </a:gsLst>
+          <a:lin ang="5400000" scaled="0"/>
+        </a:gradFill>
+        <a:gradFill rotWithShape="1">
+          <a:gsLst>
+            <a:gs pos="0">
+              <a:schemeClr val="phClr">
+                <a:satMod val="103000"/>
+                <a:lumMod val="102000"/>
+                <a:tint val="94000"/>
+              </a:schemeClr>
+            </a:gs>
+            <a:gs pos="50000">
+              <a:schemeClr val="phClr">
+                <a:satMod val="110000"/>
+                <a:lumMod val="100000"/>
+                <a:shade val="100000"/>
+              </a:schemeClr>
+            </a:gs>
+            <a:gs pos="100000">
+              <a:schemeClr val="phClr">
+                <a:lumMod val="99000"/>
+                <a:satMod val="120000"/>
+                <a:shade val="78000"/>
+              </a:schemeClr>
+            </a:gs>
+          </a:gsLst>
+          <a:lin ang="5400000" scaled="0"/>
+        </a:gradFill>
+      </a:fillStyleLst>
+      <a:lnStyleLst>
+        <a:ln w="6350" cap="flat" cmpd="sng" algn="ctr">
+          <a:solidFill>
+            <a:schemeClr val="phClr"/>
+          </a:solidFill>
+          <a:prstDash val="solid"/>
+          <a:miter lim="800000"/>
+        </a:ln>
+        <a:ln w="12700" cap="flat" cmpd="sng" algn="ctr">
+          <a:solidFill>
+            <a:schemeClr val="phClr"/>
+          </a:solidFill>
+          <a:prstDash val="solid"/>
+          <a:miter lim="800000"/>
+        </a:ln>
+        <a:ln w="19050" cap="flat" cmpd="sng" algn="ctr">
+          <a:solidFill>
+            <a:schemeClr val="phClr"/>
+          </a:solidFill>
+          <a:prstDash val="solid"/>
+          <a:miter lim="800000"/>
+        </a:ln>
+      </a:lnStyleLst>
+      <a:effectStyleLst>
+        <a:effectStyle>
+          <a:effectLst/>
+        </a:effectStyle>
+        <a:effectStyle>
+          <a:effectLst/>
+        </a:effectStyle>
+        <a:effectStyle>
+          <a:effectLst>
+            <a:outerShdw blurRad="57150" dist="19050" dir="5400000" algn="ctr" rotWithShape="0">
+              <a:srgbClr val="000000">
+                <a:alpha val="63000"/>
+              </a:srgbClr>
+            </a:outerShdw>
+          </a:effectLst>
+        </a:effectStyle>
+      </a:effectStyleLst>
+      <a:bgFillStyleLst>
+        <a:solidFill>
+          <a:schemeClr val="phClr"/>
+        </a:solidFill>
+        <a:solidFill>
+          <a:schemeClr val="phClr">
+            <a:tint val="95000"/>
+            <a:satMod val="170000"/>
+          </a:schemeClr>
+        </a:solidFill>
+        <a:gradFill rotWithShape="1">
+          <a:gsLst>
+            <a:gs pos="0">
+              <a:schemeClr val="phClr">
+                <a:tint val="93000"/>
+                <a:satMod val="150000"/>
+                <a:shade val="98000"/>
+                <a:lumMod val="102000"/>
+              </a:schemeClr>
+            </a:gs>
+            <a:gs pos="50000">
+              <a:schemeClr val="phClr">
+                <a:tint val="98000"/>
+                <a:satMod val="130000"/>
+                <a:shade val="90000"/>
+                <a:lumMod val="103000"/>
+              </a:schemeClr>
+            </a:gs>
+            <a:gs pos="100000">
+              <a:schemeClr val="phClr">
+                <a:shade val="63000"/>
+                <a:satMod val="120000"/>
+              </a:schemeClr>
+            </a:gs>
+          </a:gsLst>
+          <a:lin ang="5400000" scaled="0"/>
+        </a:gradFill>
+      </a:bgFillStyleLst>
+    </a:fmtScheme>
+  </a:themeElements>
+  <a:objectDefaults/>
+  <a:extraClrSchemeLst/>
+  <a:extLst>
+    <a:ext uri="{05A4C25C-085E-4340-85A3-A5531E510DB2}">
+      <thm15:themeFamily xmlns:thm15="http://schemas.microsoft.com/office/thememl/2012/main" name="Office Theme" id="{62F939B6-93AF-4DB8-9C6B-D6C7DFDC589F}" vid="{4A3C46E8-61CC-4603-A589-7422A47A8E4A}"/>
+    </a:ext>
+  </a:extLst>
+</a:theme>
 </file>